--- a/Soutenance.pptx
+++ b/Soutenance.pptx
@@ -5,17 +5,21 @@
     <p:sldMasterId id="2147483648" r:id="rId1"/>
   </p:sldMasterIdLst>
   <p:notesMasterIdLst>
-    <p:notesMasterId r:id="rId10"/>
+    <p:notesMasterId r:id="rId14"/>
   </p:notesMasterIdLst>
   <p:sldIdLst>
-    <p:sldId id="256" r:id="rId2"/>
-    <p:sldId id="257" r:id="rId3"/>
-    <p:sldId id="258" r:id="rId4"/>
-    <p:sldId id="259" r:id="rId5"/>
-    <p:sldId id="260" r:id="rId6"/>
-    <p:sldId id="261" r:id="rId7"/>
-    <p:sldId id="262" r:id="rId8"/>
-    <p:sldId id="263" r:id="rId9"/>
+    <p:sldId id="267" r:id="rId2"/>
+    <p:sldId id="256" r:id="rId3"/>
+    <p:sldId id="257" r:id="rId4"/>
+    <p:sldId id="258" r:id="rId5"/>
+    <p:sldId id="259" r:id="rId6"/>
+    <p:sldId id="260" r:id="rId7"/>
+    <p:sldId id="261" r:id="rId8"/>
+    <p:sldId id="262" r:id="rId9"/>
+    <p:sldId id="263" r:id="rId10"/>
+    <p:sldId id="264" r:id="rId11"/>
+    <p:sldId id="265" r:id="rId12"/>
+    <p:sldId id="266" r:id="rId13"/>
   </p:sldIdLst>
   <p:sldSz cx="9144000" cy="6858000" type="screen4x3"/>
   <p:notesSz cx="6858000" cy="9144000"/>
@@ -199,6 +203,7 @@
           <a:p>
             <a:fld id="{B2CADA2F-E0A4-4180-AF8E-EA371978DE63}" type="datetimeFigureOut">
               <a:rPr lang="fr-FR" smtClean="0"/>
+              <a:pPr/>
               <a:t>02/06/2012</a:t>
             </a:fld>
             <a:endParaRPr lang="fr-FR"/>
@@ -360,6 +365,7 @@
           <a:p>
             <a:fld id="{37DCBF2E-5754-4435-8474-711CD92E5B6C}" type="slidenum">
               <a:rPr lang="fr-FR" smtClean="0"/>
+              <a:pPr/>
               <a:t>‹#›</a:t>
             </a:fld>
             <a:endParaRPr lang="fr-FR"/>
@@ -547,7 +553,8 @@
           <a:p>
             <a:fld id="{37DCBF2E-5754-4435-8474-711CD92E5B6C}" type="slidenum">
               <a:rPr lang="fr-FR" smtClean="0"/>
-              <a:t>4</a:t>
+              <a:pPr/>
+              <a:t>5</a:t>
             </a:fld>
             <a:endParaRPr lang="fr-FR"/>
           </a:p>
@@ -632,7 +639,8 @@
           <a:p>
             <a:fld id="{37DCBF2E-5754-4435-8474-711CD92E5B6C}" type="slidenum">
               <a:rPr lang="fr-FR" smtClean="0"/>
-              <a:t>5</a:t>
+              <a:pPr/>
+              <a:t>6</a:t>
             </a:fld>
             <a:endParaRPr lang="fr-FR"/>
           </a:p>
@@ -717,7 +725,8 @@
           <a:p>
             <a:fld id="{37DCBF2E-5754-4435-8474-711CD92E5B6C}" type="slidenum">
               <a:rPr lang="fr-FR" smtClean="0"/>
-              <a:t>6</a:t>
+              <a:pPr/>
+              <a:t>7</a:t>
             </a:fld>
             <a:endParaRPr lang="fr-FR"/>
           </a:p>
@@ -806,7 +815,98 @@
           <a:p>
             <a:fld id="{37DCBF2E-5754-4435-8474-711CD92E5B6C}" type="slidenum">
               <a:rPr lang="fr-FR" smtClean="0"/>
-              <a:t>7</a:t>
+              <a:pPr/>
+              <a:t>8</a:t>
+            </a:fld>
+            <a:endParaRPr lang="fr-FR"/>
+          </a:p>
+        </p:txBody>
+      </p:sp>
+    </p:spTree>
+  </p:cSld>
+  <p:clrMapOvr>
+    <a:masterClrMapping/>
+  </p:clrMapOvr>
+</p:notes>
+</file>
+
+<file path=ppt/notesSlides/notesSlide5.xml><?xml version="1.0" encoding="utf-8"?>
+<p:notes xmlns:a="http://schemas.openxmlformats.org/drawingml/2006/main" xmlns:r="http://schemas.openxmlformats.org/officeDocument/2006/relationships" xmlns:p="http://schemas.openxmlformats.org/presentationml/2006/main">
+  <p:cSld>
+    <p:spTree>
+      <p:nvGrpSpPr>
+        <p:cNvPr id="1" name=""/>
+        <p:cNvGrpSpPr/>
+        <p:nvPr/>
+      </p:nvGrpSpPr>
+      <p:grpSpPr>
+        <a:xfrm>
+          <a:off x="0" y="0"/>
+          <a:ext cx="0" cy="0"/>
+          <a:chOff x="0" y="0"/>
+          <a:chExt cx="0" cy="0"/>
+        </a:xfrm>
+      </p:grpSpPr>
+      <p:sp>
+        <p:nvSpPr>
+          <p:cNvPr id="2" name="Slide Image Placeholder 1"/>
+          <p:cNvSpPr>
+            <a:spLocks noGrp="1" noRot="1" noChangeAspect="1"/>
+          </p:cNvSpPr>
+          <p:nvPr>
+            <p:ph type="sldImg"/>
+          </p:nvPr>
+        </p:nvSpPr>
+        <p:spPr/>
+      </p:sp>
+      <p:sp>
+        <p:nvSpPr>
+          <p:cNvPr id="3" name="Notes Placeholder 2"/>
+          <p:cNvSpPr>
+            <a:spLocks noGrp="1"/>
+          </p:cNvSpPr>
+          <p:nvPr>
+            <p:ph type="body" idx="1"/>
+          </p:nvPr>
+        </p:nvSpPr>
+        <p:spPr/>
+        <p:txBody>
+          <a:bodyPr>
+            <a:normAutofit/>
+          </a:bodyPr>
+          <a:lstStyle/>
+          <a:p>
+            <a:r>
+              <a:rPr lang="fr-FR" dirty="0" err="1" smtClean="0"/>
+              <a:t>Lvled</a:t>
+            </a:r>
+            <a:r>
+              <a:rPr lang="fr-FR" smtClean="0"/>
+              <a:t> indépendant de SFML</a:t>
+            </a:r>
+            <a:endParaRPr lang="fr-FR" dirty="0"/>
+          </a:p>
+        </p:txBody>
+      </p:sp>
+      <p:sp>
+        <p:nvSpPr>
+          <p:cNvPr id="4" name="Slide Number Placeholder 3"/>
+          <p:cNvSpPr>
+            <a:spLocks noGrp="1"/>
+          </p:cNvSpPr>
+          <p:nvPr>
+            <p:ph type="sldNum" sz="quarter" idx="10"/>
+          </p:nvPr>
+        </p:nvSpPr>
+        <p:spPr/>
+        <p:txBody>
+          <a:bodyPr/>
+          <a:lstStyle/>
+          <a:p>
+            <a:fld id="{37DCBF2E-5754-4435-8474-711CD92E5B6C}" type="slidenum">
+              <a:rPr lang="fr-FR" smtClean="0"/>
+              <a:pPr/>
+              <a:t>11</a:t>
             </a:fld>
             <a:endParaRPr lang="fr-FR"/>
           </a:p>
@@ -3774,68 +3874,310 @@
       </p:grpSpPr>
       <p:sp>
         <p:nvSpPr>
-          <p:cNvPr id="2" name="Title 1"/>
-          <p:cNvSpPr>
-            <a:spLocks noGrp="1"/>
-          </p:cNvSpPr>
-          <p:nvPr>
-            <p:ph type="ctrTitle"/>
-          </p:nvPr>
-        </p:nvSpPr>
-        <p:spPr/>
-        <p:txBody>
-          <a:bodyPr/>
-          <a:lstStyle/>
-          <a:p>
-            <a:endParaRPr lang="fr-FR"/>
-          </a:p>
-        </p:txBody>
-      </p:sp>
-      <p:sp>
-        <p:nvSpPr>
-          <p:cNvPr id="3" name="Subtitle 2"/>
-          <p:cNvSpPr>
-            <a:spLocks noGrp="1"/>
-          </p:cNvSpPr>
-          <p:nvPr>
-            <p:ph type="subTitle" idx="1"/>
-          </p:nvPr>
-        </p:nvSpPr>
-        <p:spPr/>
-        <p:txBody>
-          <a:bodyPr/>
-          <a:lstStyle/>
-          <a:p>
-            <a:endParaRPr lang="fr-FR"/>
-          </a:p>
-        </p:txBody>
-      </p:sp>
-      <p:pic>
-        <p:nvPicPr>
-          <p:cNvPr id="1027" name="Picture 3" descr="F:\jump-n-run\Core.png"/>
-          <p:cNvPicPr>
-            <a:picLocks noChangeAspect="1" noChangeArrowheads="1"/>
-          </p:cNvPicPr>
+          <p:cNvPr id="4" name="TextBox 3"/>
+          <p:cNvSpPr txBox="1"/>
           <p:nvPr/>
-        </p:nvPicPr>
-        <p:blipFill>
-          <a:blip r:embed="rId2" cstate="print"/>
-          <a:srcRect/>
-          <a:stretch>
-            <a:fillRect/>
-          </a:stretch>
-        </p:blipFill>
-        <p:spPr bwMode="auto">
+        </p:nvSpPr>
+        <p:spPr>
           <a:xfrm>
-            <a:off x="214282" y="1071546"/>
-            <a:ext cx="8746306" cy="5500726"/>
+            <a:off x="1857356" y="1785927"/>
+            <a:ext cx="6000792" cy="369332"/>
           </a:xfrm>
           <a:prstGeom prst="rect">
             <a:avLst/>
           </a:prstGeom>
           <a:noFill/>
         </p:spPr>
-      </p:pic>
+        <p:txBody>
+          <a:bodyPr wrap="square" rtlCol="0">
+            <a:spAutoFit/>
+          </a:bodyPr>
+          <a:lstStyle/>
+          <a:p>
+            <a:r>
+              <a:rPr lang="fr-FR" dirty="0" smtClean="0"/>
+              <a:t>Diagramme de Gantt</a:t>
+            </a:r>
+            <a:endParaRPr lang="fr-FR" dirty="0"/>
+          </a:p>
+        </p:txBody>
+      </p:sp>
+    </p:spTree>
+  </p:cSld>
+  <p:clrMapOvr>
+    <a:masterClrMapping/>
+  </p:clrMapOvr>
+</p:sld>
+</file>
+
+<file path=ppt/slides/slide10.xml><?xml version="1.0" encoding="utf-8"?>
+<p:sld xmlns:a="http://schemas.openxmlformats.org/drawingml/2006/main" xmlns:r="http://schemas.openxmlformats.org/officeDocument/2006/relationships" xmlns:p="http://schemas.openxmlformats.org/presentationml/2006/main">
+  <p:cSld>
+    <p:spTree>
+      <p:nvGrpSpPr>
+        <p:cNvPr id="1" name=""/>
+        <p:cNvGrpSpPr/>
+        <p:nvPr/>
+      </p:nvGrpSpPr>
+      <p:grpSpPr>
+        <a:xfrm>
+          <a:off x="0" y="0"/>
+          <a:ext cx="0" cy="0"/>
+          <a:chOff x="0" y="0"/>
+          <a:chExt cx="0" cy="0"/>
+        </a:xfrm>
+      </p:grpSpPr>
+      <p:sp>
+        <p:nvSpPr>
+          <p:cNvPr id="2" name="Title 1"/>
+          <p:cNvSpPr>
+            <a:spLocks noGrp="1"/>
+          </p:cNvSpPr>
+          <p:nvPr>
+            <p:ph type="title"/>
+          </p:nvPr>
+        </p:nvSpPr>
+        <p:spPr/>
+        <p:txBody>
+          <a:bodyPr/>
+          <a:lstStyle/>
+          <a:p>
+            <a:r>
+              <a:rPr lang="fr-FR" dirty="0" smtClean="0"/>
+              <a:t>Module </a:t>
+            </a:r>
+            <a:r>
+              <a:rPr lang="fr-FR" dirty="0" err="1" smtClean="0"/>
+              <a:t>Level</a:t>
+            </a:r>
+            <a:endParaRPr lang="fr-FR" dirty="0"/>
+          </a:p>
+        </p:txBody>
+      </p:sp>
+      <p:sp>
+        <p:nvSpPr>
+          <p:cNvPr id="3" name="Content Placeholder 2"/>
+          <p:cNvSpPr>
+            <a:spLocks noGrp="1"/>
+          </p:cNvSpPr>
+          <p:nvPr>
+            <p:ph idx="1"/>
+          </p:nvPr>
+        </p:nvSpPr>
+        <p:spPr/>
+        <p:txBody>
+          <a:bodyPr>
+            <a:normAutofit lnSpcReduction="10000"/>
+          </a:bodyPr>
+          <a:lstStyle/>
+          <a:p>
+            <a:pPr>
+              <a:buNone/>
+            </a:pPr>
+            <a:r>
+              <a:rPr lang="fr-FR" dirty="0" smtClean="0"/>
+              <a:t>Contient les informations d’un niveau de jeu :</a:t>
+            </a:r>
+          </a:p>
+          <a:p>
+            <a:pPr>
+              <a:buFontTx/>
+              <a:buChar char="-"/>
+            </a:pPr>
+            <a:r>
+              <a:rPr lang="fr-FR" dirty="0" smtClean="0"/>
+              <a:t>Monde Physique (World)</a:t>
+            </a:r>
+          </a:p>
+          <a:p>
+            <a:pPr>
+              <a:buFontTx/>
+              <a:buChar char="-"/>
+            </a:pPr>
+            <a:r>
+              <a:rPr lang="fr-FR" dirty="0" smtClean="0"/>
+              <a:t>Fonction d’affichage (Callback), Textures</a:t>
+            </a:r>
+          </a:p>
+          <a:p>
+            <a:pPr>
+              <a:buFontTx/>
+              <a:buChar char="-"/>
+            </a:pPr>
+            <a:r>
+              <a:rPr lang="fr-FR" dirty="0" smtClean="0"/>
+              <a:t>Objets Texturés</a:t>
+            </a:r>
+          </a:p>
+          <a:p>
+            <a:pPr>
+              <a:buFontTx/>
+              <a:buChar char="-"/>
+            </a:pPr>
+            <a:r>
+              <a:rPr lang="fr-FR" dirty="0" smtClean="0"/>
+              <a:t>Position de Départ/Fin de niveau, Joueur.</a:t>
+            </a:r>
+          </a:p>
+          <a:p>
+            <a:pPr>
+              <a:buNone/>
+            </a:pPr>
+            <a:endParaRPr lang="fr-FR" dirty="0" smtClean="0"/>
+          </a:p>
+          <a:p>
+            <a:pPr>
+              <a:buNone/>
+            </a:pPr>
+            <a:r>
+              <a:rPr lang="fr-FR" dirty="0" smtClean="0"/>
+              <a:t>Chargeable depuis un fichier .</a:t>
+            </a:r>
+            <a:r>
+              <a:rPr lang="fr-FR" dirty="0" err="1" smtClean="0"/>
+              <a:t>lvl</a:t>
+            </a:r>
+            <a:r>
+              <a:rPr lang="fr-FR" dirty="0" smtClean="0"/>
+              <a:t> (Format texte documenté)</a:t>
+            </a:r>
+            <a:endParaRPr lang="fr-FR" dirty="0"/>
+          </a:p>
+        </p:txBody>
+      </p:sp>
+    </p:spTree>
+  </p:cSld>
+  <p:clrMapOvr>
+    <a:masterClrMapping/>
+  </p:clrMapOvr>
+</p:sld>
+</file>
+
+<file path=ppt/slides/slide11.xml><?xml version="1.0" encoding="utf-8"?>
+<p:sld xmlns:a="http://schemas.openxmlformats.org/drawingml/2006/main" xmlns:r="http://schemas.openxmlformats.org/officeDocument/2006/relationships" xmlns:p="http://schemas.openxmlformats.org/presentationml/2006/main">
+  <p:cSld>
+    <p:spTree>
+      <p:nvGrpSpPr>
+        <p:cNvPr id="1" name=""/>
+        <p:cNvGrpSpPr/>
+        <p:nvPr/>
+      </p:nvGrpSpPr>
+      <p:grpSpPr>
+        <a:xfrm>
+          <a:off x="0" y="0"/>
+          <a:ext cx="0" cy="0"/>
+          <a:chOff x="0" y="0"/>
+          <a:chExt cx="0" cy="0"/>
+        </a:xfrm>
+      </p:grpSpPr>
+      <p:sp>
+        <p:nvSpPr>
+          <p:cNvPr id="2" name="Title 1"/>
+          <p:cNvSpPr>
+            <a:spLocks noGrp="1"/>
+          </p:cNvSpPr>
+          <p:nvPr>
+            <p:ph type="title"/>
+          </p:nvPr>
+        </p:nvSpPr>
+        <p:spPr/>
+        <p:txBody>
+          <a:bodyPr/>
+          <a:lstStyle/>
+          <a:p>
+            <a:r>
+              <a:rPr lang="fr-FR" dirty="0" smtClean="0"/>
+              <a:t>Module </a:t>
+            </a:r>
+            <a:r>
+              <a:rPr lang="fr-FR" dirty="0" err="1" smtClean="0"/>
+              <a:t>LevelEditor</a:t>
+            </a:r>
+            <a:endParaRPr lang="fr-FR" dirty="0"/>
+          </a:p>
+        </p:txBody>
+      </p:sp>
+      <p:sp>
+        <p:nvSpPr>
+          <p:cNvPr id="3" name="Content Placeholder 2"/>
+          <p:cNvSpPr>
+            <a:spLocks noGrp="1"/>
+          </p:cNvSpPr>
+          <p:nvPr>
+            <p:ph idx="1"/>
+          </p:nvPr>
+        </p:nvSpPr>
+        <p:spPr>
+          <a:xfrm>
+            <a:off x="457200" y="1600201"/>
+            <a:ext cx="8229600" cy="2400304"/>
+          </a:xfrm>
+        </p:spPr>
+        <p:txBody>
+          <a:bodyPr/>
+          <a:lstStyle/>
+          <a:p>
+            <a:pPr>
+              <a:buNone/>
+            </a:pPr>
+            <a:r>
+              <a:rPr lang="fr-FR" dirty="0" smtClean="0"/>
+              <a:t>Module d’édition graphique d’une structure </a:t>
+            </a:r>
+            <a:r>
+              <a:rPr lang="fr-FR" dirty="0" err="1" smtClean="0"/>
+              <a:t>Level</a:t>
+            </a:r>
+            <a:r>
+              <a:rPr lang="fr-FR" dirty="0" smtClean="0"/>
+              <a:t> </a:t>
+            </a:r>
+            <a:r>
+              <a:rPr lang="fr-FR" dirty="0" smtClean="0"/>
+              <a:t>capable de la sauvegarder au format .</a:t>
+            </a:r>
+            <a:r>
+              <a:rPr lang="fr-FR" dirty="0" err="1" smtClean="0"/>
+              <a:t>lvl</a:t>
+            </a:r>
+            <a:endParaRPr lang="fr-FR" dirty="0" smtClean="0"/>
+          </a:p>
+          <a:p>
+            <a:pPr>
+              <a:buFontTx/>
+              <a:buChar char="-"/>
+            </a:pPr>
+            <a:r>
+              <a:rPr lang="fr-FR" dirty="0" smtClean="0"/>
+              <a:t>Fonctions d’affichage de </a:t>
+            </a:r>
+            <a:r>
+              <a:rPr lang="fr-FR" dirty="0" err="1" smtClean="0"/>
+              <a:t>Debug</a:t>
+            </a:r>
+            <a:r>
+              <a:rPr lang="fr-FR" dirty="0" smtClean="0"/>
+              <a:t> (Callback)</a:t>
+            </a:r>
+          </a:p>
+          <a:p>
+            <a:pPr>
+              <a:buFontTx/>
+              <a:buChar char="-"/>
+            </a:pPr>
+            <a:r>
+              <a:rPr lang="fr-FR" dirty="0" smtClean="0"/>
+              <a:t>Fournis des fonctions d’édition avancées</a:t>
+            </a:r>
+          </a:p>
+          <a:p>
+            <a:pPr>
+              <a:buNone/>
+            </a:pPr>
+            <a:endParaRPr lang="fr-FR" dirty="0" smtClean="0"/>
+          </a:p>
+        </p:txBody>
+      </p:sp>
       <p:sp>
         <p:nvSpPr>
           <p:cNvPr id="5" name="Title 1"/>
@@ -3846,7 +4188,7 @@
         </p:nvSpPr>
         <p:spPr>
           <a:xfrm>
-            <a:off x="457200" y="274638"/>
+            <a:off x="428596" y="3786190"/>
             <a:ext cx="8229600" cy="1143000"/>
           </a:xfrm>
           <a:prstGeom prst="rect">
@@ -3877,7 +4219,7 @@
               <a:defRPr/>
             </a:pPr>
             <a:r>
-              <a:rPr kumimoji="0" lang="fr-FR" sz="4400" b="0" i="0" u="none" strike="noStrike" kern="1200" cap="none" spc="0" normalizeH="0" baseline="0" noProof="0" smtClean="0">
+              <a:rPr kumimoji="0" lang="fr-FR" sz="4400" b="0" i="0" u="none" strike="noStrike" kern="1200" cap="none" spc="0" normalizeH="0" baseline="0" noProof="0" dirty="0" smtClean="0">
                 <a:ln>
                   <a:noFill/>
                 </a:ln>
@@ -3891,9 +4233,26 @@
                 <a:ea typeface="+mj-ea"/>
                 <a:cs typeface="+mj-cs"/>
               </a:rPr>
-              <a:t>Groupe Core</a:t>
-            </a:r>
-            <a:endParaRPr kumimoji="0" lang="fr-FR" sz="4400" b="0" i="0" u="none" strike="noStrike" kern="1200" cap="none" spc="0" normalizeH="0" baseline="0" noProof="0" dirty="0">
+              <a:t>Module </a:t>
+            </a:r>
+            <a:r>
+              <a:rPr kumimoji="0" lang="fr-FR" sz="4400" b="0" i="0" u="none" strike="noStrike" kern="1200" cap="none" spc="0" normalizeH="0" baseline="0" noProof="0" dirty="0" err="1" smtClean="0">
+                <a:ln>
+                  <a:noFill/>
+                </a:ln>
+                <a:solidFill>
+                  <a:schemeClr val="tx1"/>
+                </a:solidFill>
+                <a:effectLst/>
+                <a:uLnTx/>
+                <a:uFillTx/>
+                <a:latin typeface="+mj-lt"/>
+                <a:ea typeface="+mj-ea"/>
+                <a:cs typeface="+mj-cs"/>
+              </a:rPr>
+              <a:t>LevelEditorApp</a:t>
+            </a:r>
+            <a:endParaRPr kumimoji="0" lang="fr-FR" sz="4400" b="0" i="0" u="none" strike="noStrike" kern="1200" cap="none" spc="0" normalizeH="0" baseline="0" noProof="0" dirty="0" smtClean="0">
               <a:ln>
                 <a:noFill/>
               </a:ln>
@@ -3910,18 +4269,203 @@
           </a:p>
         </p:txBody>
       </p:sp>
+      <p:sp>
+        <p:nvSpPr>
+          <p:cNvPr id="7" name="Content Placeholder 2"/>
+          <p:cNvSpPr txBox="1">
+            <a:spLocks/>
+          </p:cNvSpPr>
+          <p:nvPr/>
+        </p:nvSpPr>
+        <p:spPr>
+          <a:xfrm>
+            <a:off x="428596" y="4786322"/>
+            <a:ext cx="8229600" cy="1685924"/>
+          </a:xfrm>
+          <a:prstGeom prst="rect">
+            <a:avLst/>
+          </a:prstGeom>
+        </p:spPr>
+        <p:txBody>
+          <a:bodyPr vert="horz" lIns="91440" tIns="45720" rIns="91440" bIns="45720" rtlCol="0">
+            <a:normAutofit/>
+          </a:bodyPr>
+          <a:lstStyle/>
+          <a:p>
+            <a:pPr marL="342900" marR="0" lvl="0" indent="-342900" algn="l" defTabSz="914400" rtl="0" eaLnBrk="1" fontAlgn="auto" latinLnBrk="0" hangingPunct="1">
+              <a:lnSpc>
+                <a:spcPct val="100000"/>
+              </a:lnSpc>
+              <a:spcBef>
+                <a:spcPct val="20000"/>
+              </a:spcBef>
+              <a:spcAft>
+                <a:spcPts val="0"/>
+              </a:spcAft>
+              <a:buClrTx/>
+              <a:buSzTx/>
+              <a:buFont typeface="Arial" pitchFamily="34" charset="0"/>
+              <a:buNone/>
+              <a:tabLst/>
+              <a:defRPr/>
+            </a:pPr>
+            <a:endParaRPr kumimoji="0" lang="fr-FR" sz="3200" b="0" i="0" u="none" strike="noStrike" kern="1200" cap="none" spc="0" normalizeH="0" baseline="0" noProof="0" dirty="0" smtClean="0">
+              <a:ln>
+                <a:noFill/>
+              </a:ln>
+              <a:solidFill>
+                <a:schemeClr val="tx1"/>
+              </a:solidFill>
+              <a:effectLst/>
+              <a:uLnTx/>
+              <a:uFillTx/>
+              <a:latin typeface="+mn-lt"/>
+              <a:ea typeface="+mn-ea"/>
+              <a:cs typeface="+mn-cs"/>
+            </a:endParaRPr>
+          </a:p>
+        </p:txBody>
+      </p:sp>
+      <p:sp>
+        <p:nvSpPr>
+          <p:cNvPr id="8" name="TextBox 7"/>
+          <p:cNvSpPr txBox="1"/>
+          <p:nvPr/>
+        </p:nvSpPr>
+        <p:spPr>
+          <a:xfrm>
+            <a:off x="500035" y="4929198"/>
+            <a:ext cx="8072494" cy="1077218"/>
+          </a:xfrm>
+          <a:prstGeom prst="rect">
+            <a:avLst/>
+          </a:prstGeom>
+          <a:noFill/>
+        </p:spPr>
+        <p:txBody>
+          <a:bodyPr wrap="square" rtlCol="0">
+            <a:spAutoFit/>
+          </a:bodyPr>
+          <a:lstStyle/>
+          <a:p>
+            <a:r>
+              <a:rPr lang="fr-FR" sz="3200" dirty="0" smtClean="0"/>
+              <a:t>Gestion de la fenêtre, boucle principale, utilise </a:t>
+            </a:r>
+            <a:r>
+              <a:rPr lang="fr-FR" sz="3200" dirty="0" err="1" smtClean="0"/>
+              <a:t>LevelEditor</a:t>
+            </a:r>
+            <a:r>
+              <a:rPr lang="fr-FR" sz="3200" dirty="0" smtClean="0"/>
+              <a:t> pour éditer et afficher un niveau.</a:t>
+            </a:r>
+            <a:endParaRPr lang="fr-FR" sz="3200" dirty="0"/>
+          </a:p>
+        </p:txBody>
+      </p:sp>
     </p:spTree>
   </p:cSld>
   <p:clrMapOvr>
     <a:masterClrMapping/>
   </p:clrMapOvr>
-  <p:timing>
-    <p:tnLst>
-      <p:par>
-        <p:cTn id="1" dur="indefinite" restart="never" nodeType="tmRoot"/>
-      </p:par>
-    </p:tnLst>
-  </p:timing>
+</p:sld>
+</file>
+
+<file path=ppt/slides/slide12.xml><?xml version="1.0" encoding="utf-8"?>
+<p:sld xmlns:a="http://schemas.openxmlformats.org/drawingml/2006/main" xmlns:r="http://schemas.openxmlformats.org/officeDocument/2006/relationships" xmlns:p="http://schemas.openxmlformats.org/presentationml/2006/main">
+  <p:cSld>
+    <p:spTree>
+      <p:nvGrpSpPr>
+        <p:cNvPr id="1" name=""/>
+        <p:cNvGrpSpPr/>
+        <p:nvPr/>
+      </p:nvGrpSpPr>
+      <p:grpSpPr>
+        <a:xfrm>
+          <a:off x="0" y="0"/>
+          <a:ext cx="0" cy="0"/>
+          <a:chOff x="0" y="0"/>
+          <a:chExt cx="0" cy="0"/>
+        </a:xfrm>
+      </p:grpSpPr>
+      <p:sp>
+        <p:nvSpPr>
+          <p:cNvPr id="2" name="Title 1"/>
+          <p:cNvSpPr>
+            <a:spLocks noGrp="1"/>
+          </p:cNvSpPr>
+          <p:nvPr>
+            <p:ph type="title"/>
+          </p:nvPr>
+        </p:nvSpPr>
+        <p:spPr/>
+        <p:txBody>
+          <a:bodyPr/>
+          <a:lstStyle/>
+          <a:p>
+            <a:r>
+              <a:rPr lang="fr-FR" dirty="0" smtClean="0"/>
+              <a:t>Librairies Utilisées</a:t>
+            </a:r>
+            <a:endParaRPr lang="fr-FR" dirty="0"/>
+          </a:p>
+        </p:txBody>
+      </p:sp>
+      <p:sp>
+        <p:nvSpPr>
+          <p:cNvPr id="3" name="Content Placeholder 2"/>
+          <p:cNvSpPr>
+            <a:spLocks noGrp="1"/>
+          </p:cNvSpPr>
+          <p:nvPr>
+            <p:ph idx="1"/>
+          </p:nvPr>
+        </p:nvSpPr>
+        <p:spPr/>
+        <p:txBody>
+          <a:bodyPr/>
+          <a:lstStyle/>
+          <a:p>
+            <a:r>
+              <a:rPr lang="fr-FR" dirty="0" smtClean="0"/>
+              <a:t>SFML : Gestion de la fenêtre, des évènements, des entrées, de l’audio et du réseau (requêtes HTTP).</a:t>
+            </a:r>
+          </a:p>
+          <a:p>
+            <a:r>
+              <a:rPr lang="fr-FR" dirty="0" err="1" smtClean="0"/>
+              <a:t>OpenGL</a:t>
+            </a:r>
+            <a:r>
+              <a:rPr lang="fr-FR" dirty="0" smtClean="0"/>
+              <a:t> : Affichage.</a:t>
+            </a:r>
+          </a:p>
+          <a:p>
+            <a:endParaRPr lang="fr-FR" dirty="0" smtClean="0"/>
+          </a:p>
+          <a:p>
+            <a:pPr>
+              <a:buNone/>
+            </a:pPr>
+            <a:r>
+              <a:rPr lang="fr-FR" dirty="0" err="1" smtClean="0"/>
+              <a:t>OpenGL</a:t>
+            </a:r>
+            <a:r>
+              <a:rPr lang="fr-FR" dirty="0" smtClean="0"/>
+              <a:t> n’est utilisé que via des callback, la réécriture d’un unique fichier permet l’utilisation d’une autre API d’affichage.</a:t>
+            </a:r>
+            <a:endParaRPr lang="fr-FR" dirty="0"/>
+          </a:p>
+        </p:txBody>
+      </p:sp>
+    </p:spTree>
+  </p:cSld>
+  <p:clrMapOvr>
+    <a:masterClrMapping/>
+  </p:clrMapOvr>
 </p:sld>
 </file>
 
@@ -3949,7 +4493,7 @@
             <a:spLocks noGrp="1"/>
           </p:cNvSpPr>
           <p:nvPr>
-            <p:ph type="title"/>
+            <p:ph type="ctrTitle"/>
           </p:nvPr>
         </p:nvSpPr>
         <p:spPr/>
@@ -3957,109 +4501,126 @@
           <a:bodyPr/>
           <a:lstStyle/>
           <a:p>
-            <a:r>
-              <a:rPr lang="fr-FR" dirty="0" smtClean="0"/>
-              <a:t>Groupe </a:t>
-            </a:r>
-            <a:r>
-              <a:rPr lang="fr-FR" dirty="0" err="1" smtClean="0"/>
-              <a:t>Core</a:t>
-            </a:r>
-            <a:endParaRPr lang="fr-FR" dirty="0"/>
-          </a:p>
-        </p:txBody>
-      </p:sp>
-      <p:sp>
-        <p:nvSpPr>
-          <p:cNvPr id="3" name="Content Placeholder 2"/>
+            <a:endParaRPr lang="fr-FR"/>
+          </a:p>
+        </p:txBody>
+      </p:sp>
+      <p:sp>
+        <p:nvSpPr>
+          <p:cNvPr id="3" name="Subtitle 2"/>
           <p:cNvSpPr>
             <a:spLocks noGrp="1"/>
           </p:cNvSpPr>
           <p:nvPr>
-            <p:ph idx="1"/>
+            <p:ph type="subTitle" idx="1"/>
           </p:nvPr>
         </p:nvSpPr>
         <p:spPr/>
         <p:txBody>
-          <a:bodyPr>
-            <a:normAutofit fontScale="92500" lnSpcReduction="10000"/>
+          <a:bodyPr/>
+          <a:lstStyle/>
+          <a:p>
+            <a:endParaRPr lang="fr-FR"/>
+          </a:p>
+        </p:txBody>
+      </p:sp>
+      <p:pic>
+        <p:nvPicPr>
+          <p:cNvPr id="1027" name="Picture 3" descr="F:\jump-n-run\Core.png"/>
+          <p:cNvPicPr>
+            <a:picLocks noChangeAspect="1" noChangeArrowheads="1"/>
+          </p:cNvPicPr>
+          <p:nvPr/>
+        </p:nvPicPr>
+        <p:blipFill>
+          <a:blip r:embed="rId2" cstate="print"/>
+          <a:srcRect/>
+          <a:stretch>
+            <a:fillRect/>
+          </a:stretch>
+        </p:blipFill>
+        <p:spPr bwMode="auto">
+          <a:xfrm>
+            <a:off x="214282" y="1071546"/>
+            <a:ext cx="8746306" cy="5500726"/>
+          </a:xfrm>
+          <a:prstGeom prst="rect">
+            <a:avLst/>
+          </a:prstGeom>
+          <a:noFill/>
+        </p:spPr>
+      </p:pic>
+      <p:sp>
+        <p:nvSpPr>
+          <p:cNvPr id="5" name="Title 1"/>
+          <p:cNvSpPr txBox="1">
+            <a:spLocks/>
+          </p:cNvSpPr>
+          <p:nvPr/>
+        </p:nvSpPr>
+        <p:spPr>
+          <a:xfrm>
+            <a:off x="457200" y="274638"/>
+            <a:ext cx="8229600" cy="1143000"/>
+          </a:xfrm>
+          <a:prstGeom prst="rect">
+            <a:avLst/>
+          </a:prstGeom>
+        </p:spPr>
+        <p:txBody>
+          <a:bodyPr vert="horz" lIns="91440" tIns="45720" rIns="91440" bIns="45720" rtlCol="0" anchor="ctr">
+            <a:normAutofit/>
           </a:bodyPr>
           <a:lstStyle/>
           <a:p>
-            <a:pPr>
+            <a:pPr marL="0" marR="0" lvl="0" indent="0" algn="ctr" defTabSz="914400" rtl="0" eaLnBrk="1" fontAlgn="auto" latinLnBrk="0" hangingPunct="1">
+              <a:lnSpc>
+                <a:spcPct val="100000"/>
+              </a:lnSpc>
+              <a:spcBef>
+                <a:spcPct val="0"/>
+              </a:spcBef>
+              <a:spcAft>
+                <a:spcPts val="0"/>
+              </a:spcAft>
+              <a:buClrTx/>
+              <a:buSzTx/>
+              <a:buFontTx/>
               <a:buNone/>
+              <a:tabLst/>
+              <a:defRPr/>
             </a:pPr>
             <a:r>
-              <a:rPr lang="fr-FR" dirty="0" smtClean="0"/>
-              <a:t>Module de vecteur de </a:t>
-            </a:r>
-            <a:r>
-              <a:rPr lang="fr-FR" b="1" dirty="0" smtClean="0"/>
-              <a:t>ℝ</a:t>
-            </a:r>
-            <a:r>
-              <a:rPr lang="fr-FR" dirty="0" smtClean="0"/>
-              <a:t>² utilisé pour représenter toutes les coordonnées et leur appliquer des transformations.</a:t>
-            </a:r>
-          </a:p>
-          <a:p>
-            <a:pPr>
-              <a:buNone/>
-            </a:pPr>
-            <a:endParaRPr lang="fr-FR" dirty="0"/>
-          </a:p>
-          <a:p>
-            <a:pPr>
-              <a:buNone/>
-            </a:pPr>
-            <a:r>
-              <a:rPr lang="fr-FR" dirty="0" smtClean="0"/>
-              <a:t>Ré-implémentation de conteneurs de base :</a:t>
-            </a:r>
-          </a:p>
-          <a:p>
-            <a:r>
-              <a:rPr lang="fr-FR" dirty="0" smtClean="0"/>
-              <a:t>Listes doublement chaînées de </a:t>
-            </a:r>
-            <a:r>
-              <a:rPr lang="fr-FR" dirty="0" err="1" smtClean="0"/>
-              <a:t>void</a:t>
-            </a:r>
-            <a:r>
-              <a:rPr lang="fr-FR" dirty="0" smtClean="0"/>
-              <a:t>*</a:t>
-            </a:r>
-          </a:p>
-          <a:p>
-            <a:r>
-              <a:rPr lang="fr-FR" dirty="0" smtClean="0"/>
-              <a:t>Tableaux dynamiques de </a:t>
-            </a:r>
-            <a:r>
-              <a:rPr lang="fr-FR" dirty="0" err="1" smtClean="0"/>
-              <a:t>void</a:t>
-            </a:r>
-            <a:r>
-              <a:rPr lang="fr-FR" dirty="0" smtClean="0"/>
-              <a:t>*</a:t>
-            </a:r>
-          </a:p>
-          <a:p>
-            <a:pPr>
-              <a:buNone/>
-            </a:pPr>
-            <a:endParaRPr lang="fr-FR" dirty="0" smtClean="0"/>
-          </a:p>
-          <a:p>
-            <a:pPr>
-              <a:buNone/>
-            </a:pPr>
-            <a:r>
-              <a:rPr lang="fr-FR" smtClean="0"/>
-              <a:t>Développé en premier.</a:t>
-            </a:r>
-            <a:endParaRPr lang="fr-FR" dirty="0"/>
+              <a:rPr kumimoji="0" lang="fr-FR" sz="4400" b="0" i="0" u="none" strike="noStrike" kern="1200" cap="none" spc="0" normalizeH="0" baseline="0" noProof="0" smtClean="0">
+                <a:ln>
+                  <a:noFill/>
+                </a:ln>
+                <a:solidFill>
+                  <a:schemeClr val="tx1"/>
+                </a:solidFill>
+                <a:effectLst/>
+                <a:uLnTx/>
+                <a:uFillTx/>
+                <a:latin typeface="+mj-lt"/>
+                <a:ea typeface="+mj-ea"/>
+                <a:cs typeface="+mj-cs"/>
+              </a:rPr>
+              <a:t>Groupe Core</a:t>
+            </a:r>
+            <a:endParaRPr kumimoji="0" lang="fr-FR" sz="4400" b="0" i="0" u="none" strike="noStrike" kern="1200" cap="none" spc="0" normalizeH="0" baseline="0" noProof="0" dirty="0">
+              <a:ln>
+                <a:noFill/>
+              </a:ln>
+              <a:solidFill>
+                <a:schemeClr val="tx1"/>
+              </a:solidFill>
+              <a:effectLst/>
+              <a:uLnTx/>
+              <a:uFillTx/>
+              <a:latin typeface="+mj-lt"/>
+              <a:ea typeface="+mj-ea"/>
+              <a:cs typeface="+mj-cs"/>
+            </a:endParaRPr>
           </a:p>
         </p:txBody>
       </p:sp>
@@ -4097,6 +4658,33 @@
       </p:grpSpPr>
       <p:sp>
         <p:nvSpPr>
+          <p:cNvPr id="2" name="Title 1"/>
+          <p:cNvSpPr>
+            <a:spLocks noGrp="1"/>
+          </p:cNvSpPr>
+          <p:nvPr>
+            <p:ph type="title"/>
+          </p:nvPr>
+        </p:nvSpPr>
+        <p:spPr/>
+        <p:txBody>
+          <a:bodyPr/>
+          <a:lstStyle/>
+          <a:p>
+            <a:r>
+              <a:rPr lang="fr-FR" dirty="0" smtClean="0"/>
+              <a:t>Groupe </a:t>
+            </a:r>
+            <a:r>
+              <a:rPr lang="fr-FR" dirty="0" err="1" smtClean="0"/>
+              <a:t>Core</a:t>
+            </a:r>
+            <a:endParaRPr lang="fr-FR" dirty="0"/>
+          </a:p>
+        </p:txBody>
+      </p:sp>
+      <p:sp>
+        <p:nvSpPr>
           <p:cNvPr id="3" name="Content Placeholder 2"/>
           <p:cNvSpPr>
             <a:spLocks noGrp="1"/>
@@ -4107,127 +4695,85 @@
         </p:nvSpPr>
         <p:spPr/>
         <p:txBody>
-          <a:bodyPr/>
-          <a:lstStyle/>
-          <a:p>
-            <a:endParaRPr lang="fr-FR"/>
-          </a:p>
-        </p:txBody>
-      </p:sp>
-      <p:pic>
-        <p:nvPicPr>
-          <p:cNvPr id="2050" name="Picture 2" descr="F:\jump-n-run\Physics.png"/>
-          <p:cNvPicPr>
-            <a:picLocks noChangeAspect="1" noChangeArrowheads="1"/>
-          </p:cNvPicPr>
-          <p:nvPr/>
-        </p:nvPicPr>
-        <p:blipFill>
-          <a:blip r:embed="rId2" cstate="print"/>
-          <a:srcRect/>
-          <a:stretch>
-            <a:fillRect/>
-          </a:stretch>
-        </p:blipFill>
-        <p:spPr bwMode="auto">
-          <a:xfrm>
-            <a:off x="163309" y="1000108"/>
-            <a:ext cx="8980691" cy="5857892"/>
-          </a:xfrm>
-          <a:prstGeom prst="rect">
-            <a:avLst/>
-          </a:prstGeom>
-          <a:noFill/>
-        </p:spPr>
-      </p:pic>
-      <p:sp>
-        <p:nvSpPr>
-          <p:cNvPr id="5" name="Title 1"/>
-          <p:cNvSpPr txBox="1">
-            <a:spLocks/>
-          </p:cNvSpPr>
-          <p:nvPr/>
-        </p:nvSpPr>
-        <p:spPr>
-          <a:xfrm>
-            <a:off x="571472" y="71414"/>
-            <a:ext cx="8229600" cy="1143000"/>
-          </a:xfrm>
-          <a:prstGeom prst="rect">
-            <a:avLst/>
-          </a:prstGeom>
-        </p:spPr>
-        <p:txBody>
-          <a:bodyPr vert="horz" lIns="91440" tIns="45720" rIns="91440" bIns="45720" rtlCol="0" anchor="ctr">
-            <a:normAutofit/>
+          <a:bodyPr>
+            <a:normAutofit fontScale="92500" lnSpcReduction="10000"/>
           </a:bodyPr>
           <a:lstStyle/>
           <a:p>
-            <a:pPr marL="0" marR="0" lvl="0" indent="0" algn="ctr" defTabSz="914400" rtl="0" eaLnBrk="1" fontAlgn="auto" latinLnBrk="0" hangingPunct="1">
-              <a:lnSpc>
-                <a:spcPct val="100000"/>
-              </a:lnSpc>
-              <a:spcBef>
-                <a:spcPct val="0"/>
-              </a:spcBef>
-              <a:spcAft>
-                <a:spcPts val="0"/>
-              </a:spcAft>
-              <a:buClrTx/>
-              <a:buSzTx/>
-              <a:buFontTx/>
+            <a:pPr>
               <a:buNone/>
-              <a:tabLst/>
-              <a:defRPr/>
             </a:pPr>
             <a:r>
-              <a:rPr kumimoji="0" lang="fr-FR" sz="4400" b="0" i="0" u="none" strike="noStrike" kern="1200" cap="none" spc="0" normalizeH="0" baseline="0" noProof="0" dirty="0" smtClean="0">
-                <a:ln>
-                  <a:noFill/>
-                </a:ln>
-                <a:solidFill>
-                  <a:schemeClr val="tx1"/>
-                </a:solidFill>
-                <a:effectLst/>
-                <a:uLnTx/>
-                <a:uFillTx/>
-                <a:latin typeface="+mj-lt"/>
-                <a:ea typeface="+mj-ea"/>
-                <a:cs typeface="+mj-cs"/>
-              </a:rPr>
-              <a:t>Groupe </a:t>
-            </a:r>
-            <a:r>
-              <a:rPr kumimoji="0" lang="fr-FR" sz="4400" b="0" i="0" u="none" strike="noStrike" kern="1200" cap="none" spc="0" normalizeH="0" baseline="0" noProof="0" dirty="0" err="1" smtClean="0">
-                <a:ln>
-                  <a:noFill/>
-                </a:ln>
-                <a:solidFill>
-                  <a:schemeClr val="tx1"/>
-                </a:solidFill>
-                <a:effectLst/>
-                <a:uLnTx/>
-                <a:uFillTx/>
-                <a:latin typeface="+mj-lt"/>
-                <a:ea typeface="+mj-ea"/>
-                <a:cs typeface="+mj-cs"/>
-              </a:rPr>
-              <a:t>Physics</a:t>
-            </a:r>
-            <a:endParaRPr kumimoji="0" lang="fr-FR" sz="4400" b="0" i="0" u="none" strike="noStrike" kern="1200" cap="none" spc="0" normalizeH="0" baseline="0" noProof="0" dirty="0">
-              <a:ln>
-                <a:noFill/>
-              </a:ln>
-              <a:solidFill>
-                <a:schemeClr val="tx1"/>
-              </a:solidFill>
-              <a:effectLst/>
-              <a:uLnTx/>
-              <a:uFillTx/>
-              <a:latin typeface="+mj-lt"/>
-              <a:ea typeface="+mj-ea"/>
-              <a:cs typeface="+mj-cs"/>
-            </a:endParaRPr>
+              <a:rPr lang="fr-FR" dirty="0" smtClean="0"/>
+              <a:t>Module de vecteur de </a:t>
+            </a:r>
+            <a:r>
+              <a:rPr lang="fr-FR" b="1" dirty="0" smtClean="0"/>
+              <a:t>ℝ</a:t>
+            </a:r>
+            <a:r>
+              <a:rPr lang="fr-FR" dirty="0" smtClean="0"/>
+              <a:t>² utilisé pour représenter toutes les coordonnées et leur appliquer des transformations.</a:t>
+            </a:r>
+          </a:p>
+          <a:p>
+            <a:pPr>
+              <a:buNone/>
+            </a:pPr>
+            <a:endParaRPr lang="fr-FR" dirty="0"/>
+          </a:p>
+          <a:p>
+            <a:pPr>
+              <a:buNone/>
+            </a:pPr>
+            <a:r>
+              <a:rPr lang="fr-FR" dirty="0" smtClean="0"/>
+              <a:t>Ré-implémentation de conteneurs de base :</a:t>
+            </a:r>
+          </a:p>
+          <a:p>
+            <a:r>
+              <a:rPr lang="fr-FR" dirty="0" smtClean="0"/>
+              <a:t>Listes doublement chaînées de </a:t>
+            </a:r>
+            <a:r>
+              <a:rPr lang="fr-FR" dirty="0" err="1" smtClean="0"/>
+              <a:t>void</a:t>
+            </a:r>
+            <a:r>
+              <a:rPr lang="fr-FR" dirty="0" smtClean="0"/>
+              <a:t>*</a:t>
+            </a:r>
+          </a:p>
+          <a:p>
+            <a:r>
+              <a:rPr lang="fr-FR" dirty="0" smtClean="0"/>
+              <a:t>Tableaux dynamiques de </a:t>
+            </a:r>
+            <a:r>
+              <a:rPr lang="fr-FR" dirty="0" err="1" smtClean="0"/>
+              <a:t>void</a:t>
+            </a:r>
+            <a:r>
+              <a:rPr lang="fr-FR" dirty="0" smtClean="0"/>
+              <a:t>*</a:t>
+            </a:r>
+          </a:p>
+          <a:p>
+            <a:pPr>
+              <a:buNone/>
+            </a:pPr>
+            <a:endParaRPr lang="fr-FR" dirty="0" smtClean="0"/>
+          </a:p>
+          <a:p>
+            <a:pPr>
+              <a:buNone/>
+            </a:pPr>
+            <a:r>
+              <a:rPr lang="fr-FR" smtClean="0"/>
+              <a:t>Développé en premier.</a:t>
+            </a:r>
+            <a:endParaRPr lang="fr-FR" dirty="0"/>
           </a:p>
         </p:txBody>
       </p:sp>
@@ -4265,33 +4811,6 @@
       </p:grpSpPr>
       <p:sp>
         <p:nvSpPr>
-          <p:cNvPr id="2" name="Title 1"/>
-          <p:cNvSpPr>
-            <a:spLocks noGrp="1"/>
-          </p:cNvSpPr>
-          <p:nvPr>
-            <p:ph type="title"/>
-          </p:nvPr>
-        </p:nvSpPr>
-        <p:spPr/>
-        <p:txBody>
-          <a:bodyPr/>
-          <a:lstStyle/>
-          <a:p>
-            <a:r>
-              <a:rPr lang="fr-FR" dirty="0" smtClean="0"/>
-              <a:t>Groupe </a:t>
-            </a:r>
-            <a:r>
-              <a:rPr lang="fr-FR" dirty="0" err="1" smtClean="0"/>
-              <a:t>Physics</a:t>
-            </a:r>
-            <a:endParaRPr lang="fr-FR" dirty="0"/>
-          </a:p>
-        </p:txBody>
-      </p:sp>
-      <p:sp>
-        <p:nvSpPr>
           <p:cNvPr id="3" name="Content Placeholder 2"/>
           <p:cNvSpPr>
             <a:spLocks noGrp="1"/>
@@ -4305,581 +4824,124 @@
           <a:bodyPr/>
           <a:lstStyle/>
           <a:p>
-            <a:r>
-              <a:rPr lang="en-US" dirty="0" smtClean="0"/>
-              <a:t>Si</a:t>
-            </a:r>
-            <a:r>
-              <a:rPr lang="fr-FR" dirty="0" err="1" smtClean="0"/>
-              <a:t>mulation</a:t>
-            </a:r>
-            <a:r>
-              <a:rPr lang="fr-FR" dirty="0" smtClean="0"/>
-              <a:t> </a:t>
-            </a:r>
-            <a:r>
-              <a:rPr lang="fr-FR" dirty="0" err="1" smtClean="0"/>
-              <a:t>simpe</a:t>
-            </a:r>
-            <a:r>
-              <a:rPr lang="fr-FR" dirty="0" smtClean="0"/>
-              <a:t> de particules sous contraintes.</a:t>
-            </a:r>
-          </a:p>
-          <a:p>
-            <a:r>
-              <a:rPr lang="fr-FR" dirty="0" smtClean="0"/>
-              <a:t>Intégration de </a:t>
-            </a:r>
-            <a:r>
-              <a:rPr lang="fr-FR" dirty="0" err="1" smtClean="0"/>
-              <a:t>Verlet</a:t>
-            </a:r>
-            <a:r>
-              <a:rPr lang="fr-FR" dirty="0" smtClean="0"/>
-              <a:t> (Vertex)</a:t>
-            </a:r>
-          </a:p>
-          <a:p>
-            <a:pPr>
-              <a:buNone/>
-            </a:pPr>
-            <a:r>
-              <a:rPr lang="fr-FR" dirty="0" smtClean="0"/>
-              <a:t>    </a:t>
-            </a:r>
-            <a:r>
-              <a:rPr lang="fr-FR" sz="3600" dirty="0" err="1" smtClean="0"/>
-              <a:t>P</a:t>
-            </a:r>
-            <a:r>
-              <a:rPr lang="fr-FR" sz="3600" baseline="-25000" dirty="0" err="1" smtClean="0"/>
-              <a:t>n</a:t>
-            </a:r>
-            <a:r>
-              <a:rPr lang="fr-FR" sz="3600" dirty="0" smtClean="0"/>
-              <a:t> </a:t>
-            </a:r>
-            <a:r>
-              <a:rPr lang="fr-FR" sz="3600" dirty="0" smtClean="0"/>
-              <a:t>= </a:t>
-            </a:r>
-            <a:r>
-              <a:rPr lang="fr-FR" sz="3600" dirty="0" err="1" smtClean="0"/>
-              <a:t>P</a:t>
-            </a:r>
-            <a:r>
-              <a:rPr lang="fr-FR" sz="3600" baseline="-25000" dirty="0" err="1" smtClean="0"/>
-              <a:t>n</a:t>
-            </a:r>
-            <a:r>
-              <a:rPr lang="fr-FR" sz="3600" baseline="-25000" dirty="0" smtClean="0"/>
-              <a:t>-1 </a:t>
-            </a:r>
-            <a:r>
-              <a:rPr lang="fr-FR" sz="3600" dirty="0" smtClean="0"/>
-              <a:t>+ (</a:t>
-            </a:r>
-            <a:r>
-              <a:rPr lang="fr-FR" sz="3600" dirty="0" err="1" smtClean="0"/>
-              <a:t>P</a:t>
-            </a:r>
-            <a:r>
-              <a:rPr lang="fr-FR" sz="3600" baseline="-25000" dirty="0" err="1" smtClean="0"/>
-              <a:t>n</a:t>
-            </a:r>
-            <a:r>
-              <a:rPr lang="fr-FR" sz="3600" baseline="-25000" dirty="0" smtClean="0"/>
-              <a:t>-2 </a:t>
-            </a:r>
-            <a:r>
-              <a:rPr lang="fr-FR" sz="3600" dirty="0" smtClean="0"/>
-              <a:t>– </a:t>
-            </a:r>
-            <a:r>
-              <a:rPr lang="fr-FR" sz="3600" dirty="0" err="1" smtClean="0"/>
-              <a:t>P</a:t>
-            </a:r>
-            <a:r>
-              <a:rPr lang="fr-FR" sz="3600" baseline="-25000" dirty="0" err="1" smtClean="0"/>
-              <a:t>n</a:t>
-            </a:r>
-            <a:r>
-              <a:rPr lang="fr-FR" sz="3600" baseline="-25000" dirty="0" smtClean="0"/>
-              <a:t>-1</a:t>
-            </a:r>
-            <a:r>
-              <a:rPr lang="fr-FR" sz="3600" dirty="0" smtClean="0"/>
-              <a:t>)*</a:t>
-            </a:r>
-            <a:r>
-              <a:rPr lang="el-GR" sz="3600" dirty="0" smtClean="0"/>
-              <a:t>Δ</a:t>
-            </a:r>
-            <a:r>
-              <a:rPr lang="fr-FR" sz="3600" dirty="0" smtClean="0"/>
-              <a:t>t + A*</a:t>
-            </a:r>
-            <a:r>
-              <a:rPr lang="el-GR" sz="3600" dirty="0" smtClean="0"/>
-              <a:t>Δ</a:t>
-            </a:r>
-            <a:r>
-              <a:rPr lang="fr-FR" sz="3600" dirty="0" smtClean="0"/>
-              <a:t>t²</a:t>
-            </a:r>
-            <a:endParaRPr lang="fr-FR" dirty="0"/>
-          </a:p>
-        </p:txBody>
-      </p:sp>
-      <p:sp>
-        <p:nvSpPr>
-          <p:cNvPr id="5" name="Flowchart: Connector 4"/>
-          <p:cNvSpPr/>
+            <a:endParaRPr lang="fr-FR"/>
+          </a:p>
+        </p:txBody>
+      </p:sp>
+      <p:pic>
+        <p:nvPicPr>
+          <p:cNvPr id="2050" name="Picture 2" descr="F:\jump-n-run\Physics.png"/>
+          <p:cNvPicPr>
+            <a:picLocks noChangeAspect="1" noChangeArrowheads="1"/>
+          </p:cNvPicPr>
           <p:nvPr/>
-        </p:nvSpPr>
-        <p:spPr>
+        </p:nvPicPr>
+        <p:blipFill>
+          <a:blip r:embed="rId2" cstate="print"/>
+          <a:srcRect/>
+          <a:stretch>
+            <a:fillRect/>
+          </a:stretch>
+        </p:blipFill>
+        <p:spPr bwMode="auto">
           <a:xfrm>
-            <a:off x="2071670" y="5572140"/>
-            <a:ext cx="214314" cy="214314"/>
-          </a:xfrm>
-          <a:prstGeom prst="flowChartConnector">
-            <a:avLst/>
-          </a:prstGeom>
-          <a:solidFill>
-            <a:srgbClr val="4F81BD">
-              <a:alpha val="40000"/>
-            </a:srgbClr>
-          </a:solidFill>
-          <a:ln>
-            <a:prstDash val="sysDash"/>
-          </a:ln>
-        </p:spPr>
-        <p:style>
-          <a:lnRef idx="2">
-            <a:schemeClr val="accent1">
-              <a:shade val="50000"/>
-            </a:schemeClr>
-          </a:lnRef>
-          <a:fillRef idx="1">
-            <a:schemeClr val="accent1"/>
-          </a:fillRef>
-          <a:effectRef idx="0">
-            <a:schemeClr val="accent1"/>
-          </a:effectRef>
-          <a:fontRef idx="minor">
-            <a:schemeClr val="lt1"/>
-          </a:fontRef>
-        </p:style>
-        <p:txBody>
-          <a:bodyPr rtlCol="0" anchor="ctr"/>
-          <a:lstStyle/>
-          <a:p>
-            <a:pPr algn="ctr"/>
-            <a:endParaRPr lang="fr-FR"/>
-          </a:p>
-        </p:txBody>
-      </p:sp>
-      <p:sp>
-        <p:nvSpPr>
-          <p:cNvPr id="8" name="Flowchart: Connector 7"/>
-          <p:cNvSpPr/>
-          <p:nvPr/>
-        </p:nvSpPr>
-        <p:spPr>
-          <a:xfrm>
-            <a:off x="3643306" y="4714884"/>
-            <a:ext cx="214314" cy="214314"/>
-          </a:xfrm>
-          <a:prstGeom prst="flowChartConnector">
-            <a:avLst/>
-          </a:prstGeom>
-          <a:solidFill>
-            <a:srgbClr val="4F81BD">
-              <a:alpha val="69804"/>
-            </a:srgbClr>
-          </a:solidFill>
-          <a:ln>
-            <a:prstDash val="dash"/>
-          </a:ln>
-        </p:spPr>
-        <p:style>
-          <a:lnRef idx="2">
-            <a:schemeClr val="accent1">
-              <a:shade val="50000"/>
-            </a:schemeClr>
-          </a:lnRef>
-          <a:fillRef idx="1">
-            <a:schemeClr val="accent1"/>
-          </a:fillRef>
-          <a:effectRef idx="0">
-            <a:schemeClr val="accent1"/>
-          </a:effectRef>
-          <a:fontRef idx="minor">
-            <a:schemeClr val="lt1"/>
-          </a:fontRef>
-        </p:style>
-        <p:txBody>
-          <a:bodyPr rtlCol="0" anchor="ctr"/>
-          <a:lstStyle/>
-          <a:p>
-            <a:pPr algn="ctr"/>
-            <a:endParaRPr lang="fr-FR"/>
-          </a:p>
-        </p:txBody>
-      </p:sp>
-      <p:sp>
-        <p:nvSpPr>
-          <p:cNvPr id="9" name="Flowchart: Connector 8"/>
-          <p:cNvSpPr/>
-          <p:nvPr/>
-        </p:nvSpPr>
-        <p:spPr>
-          <a:xfrm>
-            <a:off x="5143504" y="4929198"/>
-            <a:ext cx="214314" cy="214314"/>
-          </a:xfrm>
-          <a:prstGeom prst="flowChartConnector">
-            <a:avLst/>
-          </a:prstGeom>
-        </p:spPr>
-        <p:style>
-          <a:lnRef idx="2">
-            <a:schemeClr val="accent1">
-              <a:shade val="50000"/>
-            </a:schemeClr>
-          </a:lnRef>
-          <a:fillRef idx="1">
-            <a:schemeClr val="accent1"/>
-          </a:fillRef>
-          <a:effectRef idx="0">
-            <a:schemeClr val="accent1"/>
-          </a:effectRef>
-          <a:fontRef idx="minor">
-            <a:schemeClr val="lt1"/>
-          </a:fontRef>
-        </p:style>
-        <p:txBody>
-          <a:bodyPr rtlCol="0" anchor="ctr"/>
-          <a:lstStyle/>
-          <a:p>
-            <a:pPr algn="ctr"/>
-            <a:endParaRPr lang="fr-FR"/>
-          </a:p>
-        </p:txBody>
-      </p:sp>
-      <p:cxnSp>
-        <p:nvCxnSpPr>
-          <p:cNvPr id="11" name="Straight Arrow Connector 10"/>
-          <p:cNvCxnSpPr>
-            <a:stCxn id="5" idx="7"/>
-            <a:endCxn id="8" idx="3"/>
-          </p:cNvCxnSpPr>
-          <p:nvPr/>
-        </p:nvCxnSpPr>
-        <p:spPr>
-          <a:xfrm flipV="1">
-            <a:off x="2254598" y="4897812"/>
-            <a:ext cx="1420094" cy="705714"/>
-          </a:xfrm>
-          <a:prstGeom prst="straightConnector1">
-            <a:avLst/>
-          </a:prstGeom>
-          <a:ln w="19050">
-            <a:solidFill>
-              <a:schemeClr val="accent6"/>
-            </a:solidFill>
-            <a:tailEnd type="arrow"/>
-          </a:ln>
-        </p:spPr>
-        <p:style>
-          <a:lnRef idx="1">
-            <a:schemeClr val="accent1"/>
-          </a:lnRef>
-          <a:fillRef idx="0">
-            <a:schemeClr val="accent1"/>
-          </a:fillRef>
-          <a:effectRef idx="0">
-            <a:schemeClr val="accent1"/>
-          </a:effectRef>
-          <a:fontRef idx="minor">
-            <a:schemeClr val="tx1"/>
-          </a:fontRef>
-        </p:style>
-      </p:cxnSp>
-      <p:cxnSp>
-        <p:nvCxnSpPr>
-          <p:cNvPr id="15" name="Straight Arrow Connector 14"/>
-          <p:cNvCxnSpPr>
-            <a:stCxn id="8" idx="6"/>
-          </p:cNvCxnSpPr>
-          <p:nvPr/>
-        </p:nvCxnSpPr>
-        <p:spPr>
-          <a:xfrm flipV="1">
-            <a:off x="3857620" y="4143380"/>
-            <a:ext cx="1348656" cy="678661"/>
-          </a:xfrm>
-          <a:prstGeom prst="straightConnector1">
-            <a:avLst/>
-          </a:prstGeom>
-          <a:ln w="19050">
-            <a:solidFill>
-              <a:schemeClr val="accent6"/>
-            </a:solidFill>
-            <a:tailEnd type="arrow"/>
-          </a:ln>
-        </p:spPr>
-        <p:style>
-          <a:lnRef idx="1">
-            <a:schemeClr val="accent1"/>
-          </a:lnRef>
-          <a:fillRef idx="0">
-            <a:schemeClr val="accent1"/>
-          </a:fillRef>
-          <a:effectRef idx="0">
-            <a:schemeClr val="accent1"/>
-          </a:effectRef>
-          <a:fontRef idx="minor">
-            <a:schemeClr val="tx1"/>
-          </a:fontRef>
-        </p:style>
-      </p:cxnSp>
-      <p:cxnSp>
-        <p:nvCxnSpPr>
-          <p:cNvPr id="17" name="Straight Arrow Connector 16"/>
-          <p:cNvCxnSpPr/>
-          <p:nvPr/>
-        </p:nvCxnSpPr>
-        <p:spPr>
-          <a:xfrm>
-            <a:off x="3786182" y="4929198"/>
-            <a:ext cx="0" cy="785818"/>
-          </a:xfrm>
-          <a:prstGeom prst="straightConnector1">
-            <a:avLst/>
-          </a:prstGeom>
-          <a:ln w="19050">
-            <a:solidFill>
-              <a:schemeClr val="accent2"/>
-            </a:solidFill>
-            <a:tailEnd type="arrow"/>
-          </a:ln>
-        </p:spPr>
-        <p:style>
-          <a:lnRef idx="1">
-            <a:schemeClr val="accent1"/>
-          </a:lnRef>
-          <a:fillRef idx="0">
-            <a:schemeClr val="accent1"/>
-          </a:fillRef>
-          <a:effectRef idx="0">
-            <a:schemeClr val="accent1"/>
-          </a:effectRef>
-          <a:fontRef idx="minor">
-            <a:schemeClr val="tx1"/>
-          </a:fontRef>
-        </p:style>
-      </p:cxnSp>
-      <p:cxnSp>
-        <p:nvCxnSpPr>
-          <p:cNvPr id="23" name="Straight Arrow Connector 22"/>
-          <p:cNvCxnSpPr/>
-          <p:nvPr/>
-        </p:nvCxnSpPr>
-        <p:spPr>
-          <a:xfrm>
-            <a:off x="5214942" y="4143380"/>
-            <a:ext cx="0" cy="785818"/>
-          </a:xfrm>
-          <a:prstGeom prst="straightConnector1">
-            <a:avLst/>
-          </a:prstGeom>
-          <a:ln w="19050">
-            <a:solidFill>
-              <a:schemeClr val="accent2"/>
-            </a:solidFill>
-            <a:tailEnd type="arrow"/>
-          </a:ln>
-        </p:spPr>
-        <p:style>
-          <a:lnRef idx="1">
-            <a:schemeClr val="accent1"/>
-          </a:lnRef>
-          <a:fillRef idx="0">
-            <a:schemeClr val="accent1"/>
-          </a:fillRef>
-          <a:effectRef idx="0">
-            <a:schemeClr val="accent1"/>
-          </a:effectRef>
-          <a:fontRef idx="minor">
-            <a:schemeClr val="tx1"/>
-          </a:fontRef>
-        </p:style>
-      </p:cxnSp>
-      <p:sp>
-        <p:nvSpPr>
-          <p:cNvPr id="24" name="Rectangle 23"/>
-          <p:cNvSpPr/>
-          <p:nvPr/>
-        </p:nvSpPr>
-        <p:spPr>
-          <a:xfrm>
-            <a:off x="1643042" y="5143512"/>
-            <a:ext cx="508473" cy="369332"/>
-          </a:xfrm>
-          <a:prstGeom prst="rect">
-            <a:avLst/>
-          </a:prstGeom>
-        </p:spPr>
-        <p:txBody>
-          <a:bodyPr wrap="none">
-            <a:spAutoFit/>
-          </a:bodyPr>
-          <a:lstStyle/>
-          <a:p>
-            <a:r>
-              <a:rPr lang="fr-FR" dirty="0" err="1" smtClean="0"/>
-              <a:t>P</a:t>
-            </a:r>
-            <a:r>
-              <a:rPr lang="fr-FR" baseline="-25000" dirty="0" err="1" smtClean="0"/>
-              <a:t>n</a:t>
-            </a:r>
-            <a:r>
-              <a:rPr lang="fr-FR" baseline="-25000" dirty="0" smtClean="0"/>
-              <a:t>-2</a:t>
-            </a:r>
-            <a:endParaRPr lang="fr-FR" dirty="0"/>
-          </a:p>
-        </p:txBody>
-      </p:sp>
-      <p:sp>
-        <p:nvSpPr>
-          <p:cNvPr id="25" name="Rectangle 24"/>
-          <p:cNvSpPr/>
-          <p:nvPr/>
-        </p:nvSpPr>
-        <p:spPr>
-          <a:xfrm>
-            <a:off x="3286116" y="4286256"/>
-            <a:ext cx="508473" cy="369332"/>
-          </a:xfrm>
-          <a:prstGeom prst="rect">
-            <a:avLst/>
-          </a:prstGeom>
-        </p:spPr>
-        <p:txBody>
-          <a:bodyPr wrap="none">
-            <a:spAutoFit/>
-          </a:bodyPr>
-          <a:lstStyle/>
-          <a:p>
-            <a:r>
-              <a:rPr lang="fr-FR" dirty="0" err="1" smtClean="0"/>
-              <a:t>P</a:t>
-            </a:r>
-            <a:r>
-              <a:rPr lang="fr-FR" baseline="-25000" dirty="0" err="1" smtClean="0"/>
-              <a:t>n</a:t>
-            </a:r>
-            <a:r>
-              <a:rPr lang="fr-FR" baseline="-25000" dirty="0" smtClean="0"/>
-              <a:t>-1</a:t>
-            </a:r>
-            <a:endParaRPr lang="fr-FR" dirty="0"/>
-          </a:p>
-        </p:txBody>
-      </p:sp>
-      <p:sp>
-        <p:nvSpPr>
-          <p:cNvPr id="26" name="Rectangle 25"/>
-          <p:cNvSpPr/>
-          <p:nvPr/>
-        </p:nvSpPr>
-        <p:spPr>
-          <a:xfrm>
-            <a:off x="5429256" y="4857760"/>
-            <a:ext cx="383438" cy="369332"/>
-          </a:xfrm>
-          <a:prstGeom prst="rect">
-            <a:avLst/>
-          </a:prstGeom>
-        </p:spPr>
-        <p:txBody>
-          <a:bodyPr wrap="none">
-            <a:spAutoFit/>
-          </a:bodyPr>
-          <a:lstStyle/>
-          <a:p>
-            <a:r>
-              <a:rPr lang="fr-FR" dirty="0" err="1" smtClean="0"/>
-              <a:t>P</a:t>
-            </a:r>
-            <a:r>
-              <a:rPr lang="fr-FR" baseline="-25000" dirty="0" err="1" smtClean="0"/>
-              <a:t>n</a:t>
-            </a:r>
-            <a:endParaRPr lang="fr-FR" dirty="0"/>
-          </a:p>
-        </p:txBody>
-      </p:sp>
-      <p:sp>
-        <p:nvSpPr>
-          <p:cNvPr id="27" name="Rectangle 26"/>
-          <p:cNvSpPr/>
-          <p:nvPr/>
-        </p:nvSpPr>
-        <p:spPr>
-          <a:xfrm>
-            <a:off x="3786182" y="5214950"/>
-            <a:ext cx="1354410" cy="369332"/>
-          </a:xfrm>
-          <a:prstGeom prst="rect">
-            <a:avLst/>
-          </a:prstGeom>
-        </p:spPr>
-        <p:txBody>
-          <a:bodyPr wrap="none">
-            <a:spAutoFit/>
-          </a:bodyPr>
-          <a:lstStyle/>
-          <a:p>
-            <a:r>
-              <a:rPr lang="fr-FR" dirty="0" smtClean="0"/>
-              <a:t>Accélération</a:t>
-            </a:r>
-            <a:endParaRPr lang="fr-FR" dirty="0"/>
-          </a:p>
-        </p:txBody>
-      </p:sp>
-      <p:sp>
-        <p:nvSpPr>
-          <p:cNvPr id="28" name="TextBox 27"/>
-          <p:cNvSpPr txBox="1"/>
-          <p:nvPr/>
-        </p:nvSpPr>
-        <p:spPr>
-          <a:xfrm rot="20079736">
-            <a:off x="2538257" y="4951256"/>
-            <a:ext cx="853823" cy="369332"/>
+            <a:off x="163309" y="1000108"/>
+            <a:ext cx="8980691" cy="5857892"/>
           </a:xfrm>
           <a:prstGeom prst="rect">
             <a:avLst/>
           </a:prstGeom>
           <a:noFill/>
         </p:spPr>
-        <p:txBody>
-          <a:bodyPr wrap="none" rtlCol="0">
-            <a:spAutoFit/>
+      </p:pic>
+      <p:sp>
+        <p:nvSpPr>
+          <p:cNvPr id="5" name="Title 1"/>
+          <p:cNvSpPr txBox="1">
+            <a:spLocks/>
+          </p:cNvSpPr>
+          <p:nvPr/>
+        </p:nvSpPr>
+        <p:spPr>
+          <a:xfrm>
+            <a:off x="571472" y="71414"/>
+            <a:ext cx="8229600" cy="1143000"/>
+          </a:xfrm>
+          <a:prstGeom prst="rect">
+            <a:avLst/>
+          </a:prstGeom>
+        </p:spPr>
+        <p:txBody>
+          <a:bodyPr vert="horz" lIns="91440" tIns="45720" rIns="91440" bIns="45720" rtlCol="0" anchor="ctr">
+            <a:normAutofit/>
           </a:bodyPr>
           <a:lstStyle/>
           <a:p>
-            <a:r>
-              <a:rPr lang="fr-FR" dirty="0" smtClean="0"/>
-              <a:t>Vitesse</a:t>
-            </a:r>
-            <a:endParaRPr lang="fr-FR" dirty="0"/>
+            <a:pPr marL="0" marR="0" lvl="0" indent="0" algn="ctr" defTabSz="914400" rtl="0" eaLnBrk="1" fontAlgn="auto" latinLnBrk="0" hangingPunct="1">
+              <a:lnSpc>
+                <a:spcPct val="100000"/>
+              </a:lnSpc>
+              <a:spcBef>
+                <a:spcPct val="0"/>
+              </a:spcBef>
+              <a:spcAft>
+                <a:spcPts val="0"/>
+              </a:spcAft>
+              <a:buClrTx/>
+              <a:buSzTx/>
+              <a:buFontTx/>
+              <a:buNone/>
+              <a:tabLst/>
+              <a:defRPr/>
+            </a:pPr>
+            <a:r>
+              <a:rPr kumimoji="0" lang="fr-FR" sz="4400" b="0" i="0" u="none" strike="noStrike" kern="1200" cap="none" spc="0" normalizeH="0" baseline="0" noProof="0" dirty="0" smtClean="0">
+                <a:ln>
+                  <a:noFill/>
+                </a:ln>
+                <a:solidFill>
+                  <a:schemeClr val="tx1"/>
+                </a:solidFill>
+                <a:effectLst/>
+                <a:uLnTx/>
+                <a:uFillTx/>
+                <a:latin typeface="+mj-lt"/>
+                <a:ea typeface="+mj-ea"/>
+                <a:cs typeface="+mj-cs"/>
+              </a:rPr>
+              <a:t>Groupe </a:t>
+            </a:r>
+            <a:r>
+              <a:rPr kumimoji="0" lang="fr-FR" sz="4400" b="0" i="0" u="none" strike="noStrike" kern="1200" cap="none" spc="0" normalizeH="0" baseline="0" noProof="0" dirty="0" err="1" smtClean="0">
+                <a:ln>
+                  <a:noFill/>
+                </a:ln>
+                <a:solidFill>
+                  <a:schemeClr val="tx1"/>
+                </a:solidFill>
+                <a:effectLst/>
+                <a:uLnTx/>
+                <a:uFillTx/>
+                <a:latin typeface="+mj-lt"/>
+                <a:ea typeface="+mj-ea"/>
+                <a:cs typeface="+mj-cs"/>
+              </a:rPr>
+              <a:t>Physics</a:t>
+            </a:r>
+            <a:endParaRPr kumimoji="0" lang="fr-FR" sz="4400" b="0" i="0" u="none" strike="noStrike" kern="1200" cap="none" spc="0" normalizeH="0" baseline="0" noProof="0" dirty="0">
+              <a:ln>
+                <a:noFill/>
+              </a:ln>
+              <a:solidFill>
+                <a:schemeClr val="tx1"/>
+              </a:solidFill>
+              <a:effectLst/>
+              <a:uLnTx/>
+              <a:uFillTx/>
+              <a:latin typeface="+mj-lt"/>
+              <a:ea typeface="+mj-ea"/>
+              <a:cs typeface="+mj-cs"/>
+            </a:endParaRPr>
           </a:p>
         </p:txBody>
       </p:sp>
@@ -4932,7 +4994,11 @@
           <a:p>
             <a:r>
               <a:rPr lang="fr-FR" dirty="0" smtClean="0"/>
-              <a:t>Contraintes</a:t>
+              <a:t>Groupe </a:t>
+            </a:r>
+            <a:r>
+              <a:rPr lang="fr-FR" dirty="0" err="1" smtClean="0"/>
+              <a:t>Physics</a:t>
             </a:r>
             <a:endParaRPr lang="fr-FR" dirty="0"/>
           </a:p>
@@ -4953,168 +5019,577 @@
           <a:bodyPr/>
           <a:lstStyle/>
           <a:p>
+            <a:r>
+              <a:rPr lang="en-US" dirty="0" smtClean="0"/>
+              <a:t>Si</a:t>
+            </a:r>
+            <a:r>
+              <a:rPr lang="fr-FR" dirty="0" err="1" smtClean="0"/>
+              <a:t>mulation</a:t>
+            </a:r>
+            <a:r>
+              <a:rPr lang="fr-FR" dirty="0" smtClean="0"/>
+              <a:t> </a:t>
+            </a:r>
+            <a:r>
+              <a:rPr lang="fr-FR" dirty="0" err="1" smtClean="0"/>
+              <a:t>simpe</a:t>
+            </a:r>
+            <a:r>
+              <a:rPr lang="fr-FR" dirty="0" smtClean="0"/>
+              <a:t> de particules sous contraintes.</a:t>
+            </a:r>
+          </a:p>
+          <a:p>
+            <a:r>
+              <a:rPr lang="fr-FR" dirty="0" smtClean="0"/>
+              <a:t>Intégration de </a:t>
+            </a:r>
+            <a:r>
+              <a:rPr lang="fr-FR" dirty="0" err="1" smtClean="0"/>
+              <a:t>Verlet</a:t>
+            </a:r>
+            <a:r>
+              <a:rPr lang="fr-FR" dirty="0" smtClean="0"/>
+              <a:t> (Vertex)</a:t>
+            </a:r>
+          </a:p>
+          <a:p>
             <a:pPr>
               <a:buNone/>
             </a:pPr>
             <a:r>
               <a:rPr lang="fr-FR" dirty="0" smtClean="0"/>
-              <a:t>Contraintes de longueur entre deux </a:t>
-            </a:r>
-            <a:r>
-              <a:rPr lang="fr-FR" dirty="0" err="1" smtClean="0"/>
-              <a:t>Vertices</a:t>
-            </a:r>
-            <a:r>
-              <a:rPr lang="fr-FR" dirty="0" smtClean="0"/>
-              <a:t> (Création de Soft bodies)</a:t>
-            </a:r>
-            <a:endParaRPr lang="fr-FR" dirty="0" smtClean="0"/>
-          </a:p>
-          <a:p>
-            <a:pPr>
-              <a:buNone/>
-            </a:pPr>
-            <a:r>
-              <a:rPr lang="fr-FR" dirty="0" smtClean="0"/>
-              <a:t>« </a:t>
-            </a:r>
-            <a:r>
-              <a:rPr lang="fr-FR" dirty="0" err="1" smtClean="0"/>
-              <a:t>Rigid</a:t>
-            </a:r>
-            <a:r>
-              <a:rPr lang="fr-FR" dirty="0" smtClean="0"/>
-              <a:t>  » : Modification immédiate des positions</a:t>
-            </a:r>
-          </a:p>
-          <a:p>
-            <a:pPr>
-              <a:buNone/>
-            </a:pPr>
-            <a:r>
-              <a:rPr lang="fr-FR" dirty="0" smtClean="0"/>
-              <a:t>« </a:t>
-            </a:r>
-            <a:r>
-              <a:rPr lang="fr-FR" dirty="0" err="1" smtClean="0"/>
-              <a:t>Elastic</a:t>
-            </a:r>
-            <a:r>
-              <a:rPr lang="fr-FR" dirty="0" smtClean="0"/>
-              <a:t> » : Oscillation autour du point d’équilibre, loi de Hooke.</a:t>
-            </a:r>
-          </a:p>
-          <a:p>
-            <a:pPr>
-              <a:buNone/>
-            </a:pPr>
-            <a:r>
-              <a:rPr lang="fr-FR" dirty="0" smtClean="0"/>
-              <a:t>	 </a:t>
-            </a:r>
-            <a:r>
-              <a:rPr lang="fr-FR" sz="4000" dirty="0" smtClean="0"/>
-              <a:t>F = k</a:t>
-            </a:r>
-            <a:r>
-              <a:rPr lang="fr-FR" sz="4000" dirty="0" smtClean="0"/>
-              <a:t>*(</a:t>
-            </a:r>
-            <a:r>
-              <a:rPr lang="fr-FR" sz="4000" dirty="0" smtClean="0"/>
-              <a:t>l – l</a:t>
-            </a:r>
-            <a:r>
-              <a:rPr lang="fr-FR" sz="4000" baseline="-25000" dirty="0" smtClean="0"/>
-              <a:t>0</a:t>
-            </a:r>
-            <a:r>
-              <a:rPr lang="fr-FR" sz="4000" dirty="0" smtClean="0"/>
-              <a:t>)</a:t>
-            </a:r>
-          </a:p>
-          <a:p>
-            <a:pPr>
-              <a:buNone/>
-            </a:pPr>
-            <a:r>
-              <a:rPr lang="fr-FR" dirty="0" smtClean="0"/>
-              <a:t>Résolution itérative.</a:t>
-            </a:r>
-            <a:endParaRPr lang="fr-FR" sz="4000" dirty="0" smtClean="0"/>
-          </a:p>
-        </p:txBody>
-      </p:sp>
-      <p:sp>
-        <p:nvSpPr>
-          <p:cNvPr id="4" name="Rectangle 3"/>
+              <a:t>    </a:t>
+            </a:r>
+            <a:r>
+              <a:rPr lang="fr-FR" sz="3600" dirty="0" err="1" smtClean="0"/>
+              <a:t>P</a:t>
+            </a:r>
+            <a:r>
+              <a:rPr lang="fr-FR" sz="3600" baseline="-25000" dirty="0" err="1" smtClean="0"/>
+              <a:t>n</a:t>
+            </a:r>
+            <a:r>
+              <a:rPr lang="fr-FR" sz="3600" dirty="0" smtClean="0"/>
+              <a:t> = </a:t>
+            </a:r>
+            <a:r>
+              <a:rPr lang="fr-FR" sz="3600" dirty="0" err="1" smtClean="0"/>
+              <a:t>P</a:t>
+            </a:r>
+            <a:r>
+              <a:rPr lang="fr-FR" sz="3600" baseline="-25000" dirty="0" err="1" smtClean="0"/>
+              <a:t>n</a:t>
+            </a:r>
+            <a:r>
+              <a:rPr lang="fr-FR" sz="3600" baseline="-25000" dirty="0" smtClean="0"/>
+              <a:t>-1 </a:t>
+            </a:r>
+            <a:r>
+              <a:rPr lang="fr-FR" sz="3600" dirty="0" smtClean="0"/>
+              <a:t>+ (</a:t>
+            </a:r>
+            <a:r>
+              <a:rPr lang="fr-FR" sz="3600" dirty="0" err="1" smtClean="0"/>
+              <a:t>P</a:t>
+            </a:r>
+            <a:r>
+              <a:rPr lang="fr-FR" sz="3600" baseline="-25000" dirty="0" err="1" smtClean="0"/>
+              <a:t>n</a:t>
+            </a:r>
+            <a:r>
+              <a:rPr lang="fr-FR" sz="3600" baseline="-25000" dirty="0" smtClean="0"/>
+              <a:t>-2 </a:t>
+            </a:r>
+            <a:r>
+              <a:rPr lang="fr-FR" sz="3600" dirty="0" smtClean="0"/>
+              <a:t>– </a:t>
+            </a:r>
+            <a:r>
+              <a:rPr lang="fr-FR" sz="3600" dirty="0" err="1" smtClean="0"/>
+              <a:t>P</a:t>
+            </a:r>
+            <a:r>
+              <a:rPr lang="fr-FR" sz="3600" baseline="-25000" dirty="0" err="1" smtClean="0"/>
+              <a:t>n</a:t>
+            </a:r>
+            <a:r>
+              <a:rPr lang="fr-FR" sz="3600" baseline="-25000" dirty="0" smtClean="0"/>
+              <a:t>-1</a:t>
+            </a:r>
+            <a:r>
+              <a:rPr lang="fr-FR" sz="3600" dirty="0" smtClean="0"/>
+              <a:t>)*</a:t>
+            </a:r>
+            <a:r>
+              <a:rPr lang="el-GR" sz="3600" dirty="0" smtClean="0"/>
+              <a:t>Δ</a:t>
+            </a:r>
+            <a:r>
+              <a:rPr lang="fr-FR" sz="3600" dirty="0" smtClean="0"/>
+              <a:t>t + A*</a:t>
+            </a:r>
+            <a:r>
+              <a:rPr lang="el-GR" sz="3600" dirty="0" smtClean="0"/>
+              <a:t>Δ</a:t>
+            </a:r>
+            <a:r>
+              <a:rPr lang="fr-FR" sz="3600" dirty="0" smtClean="0"/>
+              <a:t>t²</a:t>
+            </a:r>
+            <a:endParaRPr lang="fr-FR" dirty="0"/>
+          </a:p>
+        </p:txBody>
+      </p:sp>
+      <p:sp>
+        <p:nvSpPr>
+          <p:cNvPr id="5" name="Flowchart: Connector 4"/>
           <p:cNvSpPr/>
           <p:nvPr/>
         </p:nvSpPr>
         <p:spPr>
           <a:xfrm>
-            <a:off x="4000496" y="4286256"/>
-            <a:ext cx="4572000" cy="738664"/>
+            <a:off x="2071670" y="5572140"/>
+            <a:ext cx="214314" cy="214314"/>
+          </a:xfrm>
+          <a:prstGeom prst="flowChartConnector">
+            <a:avLst/>
+          </a:prstGeom>
+          <a:solidFill>
+            <a:srgbClr val="4F81BD">
+              <a:alpha val="40000"/>
+            </a:srgbClr>
+          </a:solidFill>
+          <a:ln>
+            <a:prstDash val="sysDash"/>
+          </a:ln>
+        </p:spPr>
+        <p:style>
+          <a:lnRef idx="2">
+            <a:schemeClr val="accent1">
+              <a:shade val="50000"/>
+            </a:schemeClr>
+          </a:lnRef>
+          <a:fillRef idx="1">
+            <a:schemeClr val="accent1"/>
+          </a:fillRef>
+          <a:effectRef idx="0">
+            <a:schemeClr val="accent1"/>
+          </a:effectRef>
+          <a:fontRef idx="minor">
+            <a:schemeClr val="lt1"/>
+          </a:fontRef>
+        </p:style>
+        <p:txBody>
+          <a:bodyPr rtlCol="0" anchor="ctr"/>
+          <a:lstStyle/>
+          <a:p>
+            <a:pPr algn="ctr"/>
+            <a:endParaRPr lang="fr-FR"/>
+          </a:p>
+        </p:txBody>
+      </p:sp>
+      <p:sp>
+        <p:nvSpPr>
+          <p:cNvPr id="8" name="Flowchart: Connector 7"/>
+          <p:cNvSpPr/>
+          <p:nvPr/>
+        </p:nvSpPr>
+        <p:spPr>
+          <a:xfrm>
+            <a:off x="3643306" y="4714884"/>
+            <a:ext cx="214314" cy="214314"/>
+          </a:xfrm>
+          <a:prstGeom prst="flowChartConnector">
+            <a:avLst/>
+          </a:prstGeom>
+          <a:solidFill>
+            <a:srgbClr val="4F81BD">
+              <a:alpha val="69804"/>
+            </a:srgbClr>
+          </a:solidFill>
+          <a:ln>
+            <a:prstDash val="dash"/>
+          </a:ln>
+        </p:spPr>
+        <p:style>
+          <a:lnRef idx="2">
+            <a:schemeClr val="accent1">
+              <a:shade val="50000"/>
+            </a:schemeClr>
+          </a:lnRef>
+          <a:fillRef idx="1">
+            <a:schemeClr val="accent1"/>
+          </a:fillRef>
+          <a:effectRef idx="0">
+            <a:schemeClr val="accent1"/>
+          </a:effectRef>
+          <a:fontRef idx="minor">
+            <a:schemeClr val="lt1"/>
+          </a:fontRef>
+        </p:style>
+        <p:txBody>
+          <a:bodyPr rtlCol="0" anchor="ctr"/>
+          <a:lstStyle/>
+          <a:p>
+            <a:pPr algn="ctr"/>
+            <a:endParaRPr lang="fr-FR"/>
+          </a:p>
+        </p:txBody>
+      </p:sp>
+      <p:sp>
+        <p:nvSpPr>
+          <p:cNvPr id="9" name="Flowchart: Connector 8"/>
+          <p:cNvSpPr/>
+          <p:nvPr/>
+        </p:nvSpPr>
+        <p:spPr>
+          <a:xfrm>
+            <a:off x="5143504" y="4929198"/>
+            <a:ext cx="214314" cy="214314"/>
+          </a:xfrm>
+          <a:prstGeom prst="flowChartConnector">
+            <a:avLst/>
+          </a:prstGeom>
+        </p:spPr>
+        <p:style>
+          <a:lnRef idx="2">
+            <a:schemeClr val="accent1">
+              <a:shade val="50000"/>
+            </a:schemeClr>
+          </a:lnRef>
+          <a:fillRef idx="1">
+            <a:schemeClr val="accent1"/>
+          </a:fillRef>
+          <a:effectRef idx="0">
+            <a:schemeClr val="accent1"/>
+          </a:effectRef>
+          <a:fontRef idx="minor">
+            <a:schemeClr val="lt1"/>
+          </a:fontRef>
+        </p:style>
+        <p:txBody>
+          <a:bodyPr rtlCol="0" anchor="ctr"/>
+          <a:lstStyle/>
+          <a:p>
+            <a:pPr algn="ctr"/>
+            <a:endParaRPr lang="fr-FR"/>
+          </a:p>
+        </p:txBody>
+      </p:sp>
+      <p:cxnSp>
+        <p:nvCxnSpPr>
+          <p:cNvPr id="11" name="Straight Arrow Connector 10"/>
+          <p:cNvCxnSpPr>
+            <a:stCxn id="5" idx="7"/>
+            <a:endCxn id="8" idx="3"/>
+          </p:cNvCxnSpPr>
+          <p:nvPr/>
+        </p:nvCxnSpPr>
+        <p:spPr>
+          <a:xfrm flipV="1">
+            <a:off x="2254598" y="4897812"/>
+            <a:ext cx="1420094" cy="705714"/>
+          </a:xfrm>
+          <a:prstGeom prst="straightConnector1">
+            <a:avLst/>
+          </a:prstGeom>
+          <a:ln w="19050">
+            <a:solidFill>
+              <a:schemeClr val="accent6"/>
+            </a:solidFill>
+            <a:tailEnd type="arrow"/>
+          </a:ln>
+        </p:spPr>
+        <p:style>
+          <a:lnRef idx="1">
+            <a:schemeClr val="accent1"/>
+          </a:lnRef>
+          <a:fillRef idx="0">
+            <a:schemeClr val="accent1"/>
+          </a:fillRef>
+          <a:effectRef idx="0">
+            <a:schemeClr val="accent1"/>
+          </a:effectRef>
+          <a:fontRef idx="minor">
+            <a:schemeClr val="tx1"/>
+          </a:fontRef>
+        </p:style>
+      </p:cxnSp>
+      <p:cxnSp>
+        <p:nvCxnSpPr>
+          <p:cNvPr id="15" name="Straight Arrow Connector 14"/>
+          <p:cNvCxnSpPr>
+            <a:stCxn id="8" idx="6"/>
+          </p:cNvCxnSpPr>
+          <p:nvPr/>
+        </p:nvCxnSpPr>
+        <p:spPr>
+          <a:xfrm flipV="1">
+            <a:off x="3857620" y="4143380"/>
+            <a:ext cx="1348656" cy="678661"/>
+          </a:xfrm>
+          <a:prstGeom prst="straightConnector1">
+            <a:avLst/>
+          </a:prstGeom>
+          <a:ln w="19050">
+            <a:solidFill>
+              <a:schemeClr val="accent6"/>
+            </a:solidFill>
+            <a:tailEnd type="arrow"/>
+          </a:ln>
+        </p:spPr>
+        <p:style>
+          <a:lnRef idx="1">
+            <a:schemeClr val="accent1"/>
+          </a:lnRef>
+          <a:fillRef idx="0">
+            <a:schemeClr val="accent1"/>
+          </a:fillRef>
+          <a:effectRef idx="0">
+            <a:schemeClr val="accent1"/>
+          </a:effectRef>
+          <a:fontRef idx="minor">
+            <a:schemeClr val="tx1"/>
+          </a:fontRef>
+        </p:style>
+      </p:cxnSp>
+      <p:cxnSp>
+        <p:nvCxnSpPr>
+          <p:cNvPr id="17" name="Straight Arrow Connector 16"/>
+          <p:cNvCxnSpPr/>
+          <p:nvPr/>
+        </p:nvCxnSpPr>
+        <p:spPr>
+          <a:xfrm>
+            <a:off x="3786182" y="4929198"/>
+            <a:ext cx="0" cy="785818"/>
+          </a:xfrm>
+          <a:prstGeom prst="straightConnector1">
+            <a:avLst/>
+          </a:prstGeom>
+          <a:ln w="19050">
+            <a:solidFill>
+              <a:schemeClr val="accent2"/>
+            </a:solidFill>
+            <a:tailEnd type="arrow"/>
+          </a:ln>
+        </p:spPr>
+        <p:style>
+          <a:lnRef idx="1">
+            <a:schemeClr val="accent1"/>
+          </a:lnRef>
+          <a:fillRef idx="0">
+            <a:schemeClr val="accent1"/>
+          </a:fillRef>
+          <a:effectRef idx="0">
+            <a:schemeClr val="accent1"/>
+          </a:effectRef>
+          <a:fontRef idx="minor">
+            <a:schemeClr val="tx1"/>
+          </a:fontRef>
+        </p:style>
+      </p:cxnSp>
+      <p:cxnSp>
+        <p:nvCxnSpPr>
+          <p:cNvPr id="23" name="Straight Arrow Connector 22"/>
+          <p:cNvCxnSpPr/>
+          <p:nvPr/>
+        </p:nvCxnSpPr>
+        <p:spPr>
+          <a:xfrm>
+            <a:off x="5214942" y="4143380"/>
+            <a:ext cx="0" cy="785818"/>
+          </a:xfrm>
+          <a:prstGeom prst="straightConnector1">
+            <a:avLst/>
+          </a:prstGeom>
+          <a:ln w="19050">
+            <a:solidFill>
+              <a:schemeClr val="accent2"/>
+            </a:solidFill>
+            <a:tailEnd type="arrow"/>
+          </a:ln>
+        </p:spPr>
+        <p:style>
+          <a:lnRef idx="1">
+            <a:schemeClr val="accent1"/>
+          </a:lnRef>
+          <a:fillRef idx="0">
+            <a:schemeClr val="accent1"/>
+          </a:fillRef>
+          <a:effectRef idx="0">
+            <a:schemeClr val="accent1"/>
+          </a:effectRef>
+          <a:fontRef idx="minor">
+            <a:schemeClr val="tx1"/>
+          </a:fontRef>
+        </p:style>
+      </p:cxnSp>
+      <p:sp>
+        <p:nvSpPr>
+          <p:cNvPr id="24" name="Rectangle 23"/>
+          <p:cNvSpPr/>
+          <p:nvPr/>
+        </p:nvSpPr>
+        <p:spPr>
+          <a:xfrm>
+            <a:off x="1643042" y="5143512"/>
+            <a:ext cx="508473" cy="369332"/>
           </a:xfrm>
           <a:prstGeom prst="rect">
             <a:avLst/>
           </a:prstGeom>
         </p:spPr>
         <p:txBody>
-          <a:bodyPr>
+          <a:bodyPr wrap="none">
             <a:spAutoFit/>
           </a:bodyPr>
           <a:lstStyle/>
           <a:p>
             <a:r>
-              <a:rPr lang="fr-FR" sz="1400" dirty="0" smtClean="0"/>
-              <a:t>k 	</a:t>
-            </a:r>
-            <a:r>
-              <a:rPr lang="fr-FR" sz="1400" dirty="0" smtClean="0"/>
-              <a:t>Constante </a:t>
-            </a:r>
-            <a:r>
-              <a:rPr lang="fr-FR" sz="1400" dirty="0" smtClean="0"/>
-              <a:t>de </a:t>
-            </a:r>
-            <a:r>
-              <a:rPr lang="fr-FR" sz="1400" dirty="0" smtClean="0"/>
-              <a:t>ressort</a:t>
-            </a:r>
-          </a:p>
-          <a:p>
-            <a:r>
-              <a:rPr lang="fr-FR" sz="1400" dirty="0" smtClean="0"/>
-              <a:t>l	Longueur </a:t>
-            </a:r>
-            <a:r>
-              <a:rPr lang="fr-FR" sz="1400" dirty="0" smtClean="0"/>
-              <a:t>du ressort </a:t>
-            </a:r>
-          </a:p>
-          <a:p>
-            <a:r>
-              <a:rPr lang="fr-FR" sz="1400" dirty="0" smtClean="0"/>
-              <a:t>l</a:t>
-            </a:r>
-            <a:r>
-              <a:rPr lang="fr-FR" sz="1400" baseline="-25000" dirty="0" smtClean="0"/>
-              <a:t>0</a:t>
-            </a:r>
-            <a:r>
-              <a:rPr lang="fr-FR" sz="1400" dirty="0" smtClean="0"/>
-              <a:t>	L</a:t>
-            </a:r>
-            <a:r>
-              <a:rPr lang="fr-FR" sz="1400" dirty="0" smtClean="0"/>
-              <a:t>ongueur </a:t>
-            </a:r>
-            <a:r>
-              <a:rPr lang="fr-FR" sz="1400" dirty="0" smtClean="0"/>
-              <a:t>à l’équilibre</a:t>
-            </a:r>
-            <a:endParaRPr lang="fr-FR" sz="1400" dirty="0"/>
+              <a:rPr lang="fr-FR" dirty="0" err="1" smtClean="0"/>
+              <a:t>P</a:t>
+            </a:r>
+            <a:r>
+              <a:rPr lang="fr-FR" baseline="-25000" dirty="0" err="1" smtClean="0"/>
+              <a:t>n</a:t>
+            </a:r>
+            <a:r>
+              <a:rPr lang="fr-FR" baseline="-25000" dirty="0" smtClean="0"/>
+              <a:t>-2</a:t>
+            </a:r>
+            <a:endParaRPr lang="fr-FR" dirty="0"/>
+          </a:p>
+        </p:txBody>
+      </p:sp>
+      <p:sp>
+        <p:nvSpPr>
+          <p:cNvPr id="25" name="Rectangle 24"/>
+          <p:cNvSpPr/>
+          <p:nvPr/>
+        </p:nvSpPr>
+        <p:spPr>
+          <a:xfrm>
+            <a:off x="3286116" y="4286256"/>
+            <a:ext cx="508473" cy="369332"/>
+          </a:xfrm>
+          <a:prstGeom prst="rect">
+            <a:avLst/>
+          </a:prstGeom>
+        </p:spPr>
+        <p:txBody>
+          <a:bodyPr wrap="none">
+            <a:spAutoFit/>
+          </a:bodyPr>
+          <a:lstStyle/>
+          <a:p>
+            <a:r>
+              <a:rPr lang="fr-FR" dirty="0" err="1" smtClean="0"/>
+              <a:t>P</a:t>
+            </a:r>
+            <a:r>
+              <a:rPr lang="fr-FR" baseline="-25000" dirty="0" err="1" smtClean="0"/>
+              <a:t>n</a:t>
+            </a:r>
+            <a:r>
+              <a:rPr lang="fr-FR" baseline="-25000" dirty="0" smtClean="0"/>
+              <a:t>-1</a:t>
+            </a:r>
+            <a:endParaRPr lang="fr-FR" dirty="0"/>
+          </a:p>
+        </p:txBody>
+      </p:sp>
+      <p:sp>
+        <p:nvSpPr>
+          <p:cNvPr id="26" name="Rectangle 25"/>
+          <p:cNvSpPr/>
+          <p:nvPr/>
+        </p:nvSpPr>
+        <p:spPr>
+          <a:xfrm>
+            <a:off x="5429256" y="4857760"/>
+            <a:ext cx="383438" cy="369332"/>
+          </a:xfrm>
+          <a:prstGeom prst="rect">
+            <a:avLst/>
+          </a:prstGeom>
+        </p:spPr>
+        <p:txBody>
+          <a:bodyPr wrap="none">
+            <a:spAutoFit/>
+          </a:bodyPr>
+          <a:lstStyle/>
+          <a:p>
+            <a:r>
+              <a:rPr lang="fr-FR" dirty="0" err="1" smtClean="0"/>
+              <a:t>P</a:t>
+            </a:r>
+            <a:r>
+              <a:rPr lang="fr-FR" baseline="-25000" dirty="0" err="1" smtClean="0"/>
+              <a:t>n</a:t>
+            </a:r>
+            <a:endParaRPr lang="fr-FR" dirty="0"/>
+          </a:p>
+        </p:txBody>
+      </p:sp>
+      <p:sp>
+        <p:nvSpPr>
+          <p:cNvPr id="27" name="Rectangle 26"/>
+          <p:cNvSpPr/>
+          <p:nvPr/>
+        </p:nvSpPr>
+        <p:spPr>
+          <a:xfrm>
+            <a:off x="3786182" y="5214950"/>
+            <a:ext cx="1354410" cy="369332"/>
+          </a:xfrm>
+          <a:prstGeom prst="rect">
+            <a:avLst/>
+          </a:prstGeom>
+        </p:spPr>
+        <p:txBody>
+          <a:bodyPr wrap="none">
+            <a:spAutoFit/>
+          </a:bodyPr>
+          <a:lstStyle/>
+          <a:p>
+            <a:r>
+              <a:rPr lang="fr-FR" dirty="0" smtClean="0"/>
+              <a:t>Accélération</a:t>
+            </a:r>
+            <a:endParaRPr lang="fr-FR" dirty="0"/>
+          </a:p>
+        </p:txBody>
+      </p:sp>
+      <p:sp>
+        <p:nvSpPr>
+          <p:cNvPr id="28" name="TextBox 27"/>
+          <p:cNvSpPr txBox="1"/>
+          <p:nvPr/>
+        </p:nvSpPr>
+        <p:spPr>
+          <a:xfrm rot="20079736">
+            <a:off x="2538257" y="4951256"/>
+            <a:ext cx="853823" cy="369332"/>
+          </a:xfrm>
+          <a:prstGeom prst="rect">
+            <a:avLst/>
+          </a:prstGeom>
+          <a:noFill/>
+        </p:spPr>
+        <p:txBody>
+          <a:bodyPr wrap="none" rtlCol="0">
+            <a:spAutoFit/>
+          </a:bodyPr>
+          <a:lstStyle/>
+          <a:p>
+            <a:r>
+              <a:rPr lang="fr-FR" dirty="0" smtClean="0"/>
+              <a:t>Vitesse</a:t>
+            </a:r>
+            <a:endParaRPr lang="fr-FR" dirty="0"/>
           </a:p>
         </p:txBody>
       </p:sp>
@@ -5134,6 +5609,208 @@
 </file>
 
 <file path=ppt/slides/slide6.xml><?xml version="1.0" encoding="utf-8"?>
+<p:sld xmlns:a="http://schemas.openxmlformats.org/drawingml/2006/main" xmlns:r="http://schemas.openxmlformats.org/officeDocument/2006/relationships" xmlns:p="http://schemas.openxmlformats.org/presentationml/2006/main">
+  <p:cSld>
+    <p:spTree>
+      <p:nvGrpSpPr>
+        <p:cNvPr id="1" name=""/>
+        <p:cNvGrpSpPr/>
+        <p:nvPr/>
+      </p:nvGrpSpPr>
+      <p:grpSpPr>
+        <a:xfrm>
+          <a:off x="0" y="0"/>
+          <a:ext cx="0" cy="0"/>
+          <a:chOff x="0" y="0"/>
+          <a:chExt cx="0" cy="0"/>
+        </a:xfrm>
+      </p:grpSpPr>
+      <p:sp>
+        <p:nvSpPr>
+          <p:cNvPr id="2" name="Title 1"/>
+          <p:cNvSpPr>
+            <a:spLocks noGrp="1"/>
+          </p:cNvSpPr>
+          <p:nvPr>
+            <p:ph type="title"/>
+          </p:nvPr>
+        </p:nvSpPr>
+        <p:spPr/>
+        <p:txBody>
+          <a:bodyPr/>
+          <a:lstStyle/>
+          <a:p>
+            <a:r>
+              <a:rPr lang="fr-FR" dirty="0" smtClean="0"/>
+              <a:t>Contraintes</a:t>
+            </a:r>
+            <a:endParaRPr lang="fr-FR" dirty="0"/>
+          </a:p>
+        </p:txBody>
+      </p:sp>
+      <p:sp>
+        <p:nvSpPr>
+          <p:cNvPr id="3" name="Content Placeholder 2"/>
+          <p:cNvSpPr>
+            <a:spLocks noGrp="1"/>
+          </p:cNvSpPr>
+          <p:nvPr>
+            <p:ph idx="1"/>
+          </p:nvPr>
+        </p:nvSpPr>
+        <p:spPr/>
+        <p:txBody>
+          <a:bodyPr/>
+          <a:lstStyle/>
+          <a:p>
+            <a:pPr>
+              <a:buNone/>
+            </a:pPr>
+            <a:r>
+              <a:rPr lang="fr-FR" dirty="0" smtClean="0"/>
+              <a:t>Contraintes de longueur entre deux </a:t>
+            </a:r>
+            <a:r>
+              <a:rPr lang="fr-FR" dirty="0" err="1" smtClean="0"/>
+              <a:t>Vertices</a:t>
+            </a:r>
+            <a:r>
+              <a:rPr lang="fr-FR" dirty="0" smtClean="0"/>
+              <a:t> (Création de Soft bodies)</a:t>
+            </a:r>
+          </a:p>
+          <a:p>
+            <a:pPr>
+              <a:buNone/>
+            </a:pPr>
+            <a:r>
+              <a:rPr lang="fr-FR" dirty="0" smtClean="0"/>
+              <a:t>« </a:t>
+            </a:r>
+            <a:r>
+              <a:rPr lang="fr-FR" dirty="0" err="1" smtClean="0"/>
+              <a:t>Rigid</a:t>
+            </a:r>
+            <a:r>
+              <a:rPr lang="fr-FR" dirty="0" smtClean="0"/>
+              <a:t>  » : Modification immédiate des positions</a:t>
+            </a:r>
+          </a:p>
+          <a:p>
+            <a:pPr>
+              <a:buNone/>
+            </a:pPr>
+            <a:r>
+              <a:rPr lang="fr-FR" dirty="0" smtClean="0"/>
+              <a:t>« </a:t>
+            </a:r>
+            <a:r>
+              <a:rPr lang="fr-FR" dirty="0" err="1" smtClean="0"/>
+              <a:t>Elastic</a:t>
+            </a:r>
+            <a:r>
+              <a:rPr lang="fr-FR" dirty="0" smtClean="0"/>
+              <a:t> » : Oscillation autour du point d’équilibre, loi de Hooke.</a:t>
+            </a:r>
+          </a:p>
+          <a:p>
+            <a:pPr>
+              <a:buNone/>
+            </a:pPr>
+            <a:r>
+              <a:rPr lang="fr-FR" dirty="0" smtClean="0"/>
+              <a:t>	 </a:t>
+            </a:r>
+            <a:r>
+              <a:rPr lang="fr-FR" sz="4000" dirty="0" smtClean="0"/>
+              <a:t>F = k*(l – l</a:t>
+            </a:r>
+            <a:r>
+              <a:rPr lang="fr-FR" sz="4000" baseline="-25000" dirty="0" smtClean="0"/>
+              <a:t>0</a:t>
+            </a:r>
+            <a:r>
+              <a:rPr lang="fr-FR" sz="4000" dirty="0" smtClean="0"/>
+              <a:t>)</a:t>
+            </a:r>
+          </a:p>
+          <a:p>
+            <a:pPr>
+              <a:buNone/>
+            </a:pPr>
+            <a:r>
+              <a:rPr lang="fr-FR" dirty="0" smtClean="0"/>
+              <a:t>Résolution itérative.</a:t>
+            </a:r>
+            <a:endParaRPr lang="fr-FR" sz="4000" dirty="0" smtClean="0"/>
+          </a:p>
+        </p:txBody>
+      </p:sp>
+      <p:sp>
+        <p:nvSpPr>
+          <p:cNvPr id="4" name="Rectangle 3"/>
+          <p:cNvSpPr/>
+          <p:nvPr/>
+        </p:nvSpPr>
+        <p:spPr>
+          <a:xfrm>
+            <a:off x="4000496" y="4286256"/>
+            <a:ext cx="4572000" cy="738664"/>
+          </a:xfrm>
+          <a:prstGeom prst="rect">
+            <a:avLst/>
+          </a:prstGeom>
+        </p:spPr>
+        <p:txBody>
+          <a:bodyPr>
+            <a:spAutoFit/>
+          </a:bodyPr>
+          <a:lstStyle/>
+          <a:p>
+            <a:r>
+              <a:rPr lang="fr-FR" sz="1400" dirty="0" smtClean="0"/>
+              <a:t>k 	Constante de ressort</a:t>
+            </a:r>
+          </a:p>
+          <a:p>
+            <a:r>
+              <a:rPr lang="fr-FR" sz="1400" dirty="0" smtClean="0"/>
+              <a:t>l	Longueur du ressort </a:t>
+            </a:r>
+          </a:p>
+          <a:p>
+            <a:r>
+              <a:rPr lang="fr-FR" sz="1400" dirty="0" smtClean="0"/>
+              <a:t>l</a:t>
+            </a:r>
+            <a:r>
+              <a:rPr lang="fr-FR" sz="1400" baseline="-25000" dirty="0" smtClean="0"/>
+              <a:t>0</a:t>
+            </a:r>
+            <a:r>
+              <a:rPr lang="fr-FR" sz="1400" dirty="0" smtClean="0"/>
+              <a:t>	Longueur à l’équilibre</a:t>
+            </a:r>
+            <a:endParaRPr lang="fr-FR" sz="1400" dirty="0"/>
+          </a:p>
+        </p:txBody>
+      </p:sp>
+    </p:spTree>
+  </p:cSld>
+  <p:clrMapOvr>
+    <a:masterClrMapping/>
+  </p:clrMapOvr>
+  <p:timing>
+    <p:tnLst>
+      <p:par>
+        <p:cTn id="1" dur="indefinite" restart="never" nodeType="tmRoot"/>
+      </p:par>
+    </p:tnLst>
+  </p:timing>
+</p:sld>
+</file>
+
+<file path=ppt/slides/slide7.xml><?xml version="1.0" encoding="utf-8"?>
 <p:sld xmlns:a="http://schemas.openxmlformats.org/drawingml/2006/main" xmlns:r="http://schemas.openxmlformats.org/officeDocument/2006/relationships" xmlns:p="http://schemas.openxmlformats.org/presentationml/2006/main">
   <p:cSld>
     <p:spTree>
@@ -8951,117 +9628,6 @@
 </p:sld>
 </file>
 
-<file path=ppt/slides/slide7.xml><?xml version="1.0" encoding="utf-8"?>
-<p:sld xmlns:a="http://schemas.openxmlformats.org/drawingml/2006/main" xmlns:r="http://schemas.openxmlformats.org/officeDocument/2006/relationships" xmlns:p="http://schemas.openxmlformats.org/presentationml/2006/main">
-  <p:cSld>
-    <p:spTree>
-      <p:nvGrpSpPr>
-        <p:cNvPr id="1" name=""/>
-        <p:cNvGrpSpPr/>
-        <p:nvPr/>
-      </p:nvGrpSpPr>
-      <p:grpSpPr>
-        <a:xfrm>
-          <a:off x="0" y="0"/>
-          <a:ext cx="0" cy="0"/>
-          <a:chOff x="0" y="0"/>
-          <a:chExt cx="0" cy="0"/>
-        </a:xfrm>
-      </p:grpSpPr>
-      <p:sp>
-        <p:nvSpPr>
-          <p:cNvPr id="2" name="Title 1"/>
-          <p:cNvSpPr>
-            <a:spLocks noGrp="1"/>
-          </p:cNvSpPr>
-          <p:nvPr>
-            <p:ph type="title"/>
-          </p:nvPr>
-        </p:nvSpPr>
-        <p:spPr/>
-        <p:txBody>
-          <a:bodyPr/>
-          <a:lstStyle/>
-          <a:p>
-            <a:r>
-              <a:rPr lang="fr-FR" dirty="0" smtClean="0"/>
-              <a:t>Module World</a:t>
-            </a:r>
-            <a:endParaRPr lang="fr-FR" dirty="0"/>
-          </a:p>
-        </p:txBody>
-      </p:sp>
-      <p:sp>
-        <p:nvSpPr>
-          <p:cNvPr id="3" name="Content Placeholder 2"/>
-          <p:cNvSpPr>
-            <a:spLocks noGrp="1"/>
-          </p:cNvSpPr>
-          <p:nvPr>
-            <p:ph idx="1"/>
-          </p:nvPr>
-        </p:nvSpPr>
-        <p:spPr/>
-        <p:txBody>
-          <a:bodyPr/>
-          <a:lstStyle/>
-          <a:p>
-            <a:pPr>
-              <a:buNone/>
-            </a:pPr>
-            <a:r>
-              <a:rPr lang="fr-FR" dirty="0" smtClean="0"/>
-              <a:t>Contient tout les objets physiques, permet l’itération et les opérations globales.</a:t>
-            </a:r>
-          </a:p>
-          <a:p>
-            <a:pPr>
-              <a:buNone/>
-            </a:pPr>
-            <a:r>
-              <a:rPr lang="fr-FR" dirty="0" smtClean="0"/>
-              <a:t>Impose des limites au </a:t>
-            </a:r>
-            <a:r>
-              <a:rPr lang="fr-FR" dirty="0" err="1" smtClean="0"/>
-              <a:t>Vertices</a:t>
-            </a:r>
-            <a:r>
-              <a:rPr lang="fr-FR" dirty="0" smtClean="0"/>
-              <a:t> (monde fini), gère les intervalles de temps utilisés par la simulation (Précédent et Courant).</a:t>
-            </a:r>
-          </a:p>
-          <a:p>
-            <a:pPr>
-              <a:buNone/>
-            </a:pPr>
-            <a:r>
-              <a:rPr lang="fr-FR" dirty="0" err="1" smtClean="0"/>
-              <a:t>Grid</a:t>
-            </a:r>
-            <a:r>
-              <a:rPr lang="fr-FR" dirty="0" smtClean="0"/>
-              <a:t> : Le monde est subdivisé pour éviter les opérations inutiles, ex : Tests de collision limité aux objets proches.</a:t>
-            </a:r>
-            <a:endParaRPr lang="fr-FR" dirty="0"/>
-          </a:p>
-        </p:txBody>
-      </p:sp>
-    </p:spTree>
-  </p:cSld>
-  <p:clrMapOvr>
-    <a:masterClrMapping/>
-  </p:clrMapOvr>
-  <p:timing>
-    <p:tnLst>
-      <p:par>
-        <p:cTn id="1" dur="indefinite" restart="never" nodeType="tmRoot"/>
-      </p:par>
-    </p:tnLst>
-  </p:timing>
-</p:sld>
-</file>
-
 <file path=ppt/slides/slide8.xml><?xml version="1.0" encoding="utf-8"?>
 <p:sld xmlns:a="http://schemas.openxmlformats.org/drawingml/2006/main" xmlns:r="http://schemas.openxmlformats.org/officeDocument/2006/relationships" xmlns:p="http://schemas.openxmlformats.org/presentationml/2006/main">
   <p:cSld>
@@ -9096,13 +9662,9 @@
           <a:p>
             <a:r>
               <a:rPr lang="fr-FR" dirty="0" smtClean="0"/>
-              <a:t>Groupe </a:t>
-            </a:r>
-            <a:r>
-              <a:rPr lang="fr-FR" smtClean="0"/>
-              <a:t>Level</a:t>
-            </a:r>
-            <a:endParaRPr lang="fr-FR"/>
+              <a:t>Module World</a:t>
+            </a:r>
+            <a:endParaRPr lang="fr-FR" dirty="0"/>
           </a:p>
         </p:txBody>
       </p:sp>
@@ -9121,10 +9683,151 @@
           <a:bodyPr/>
           <a:lstStyle/>
           <a:p>
+            <a:pPr>
+              <a:buNone/>
+            </a:pPr>
+            <a:r>
+              <a:rPr lang="fr-FR" dirty="0" smtClean="0"/>
+              <a:t>Contient tout les objets physiques, permet l’itération et les opérations globales.</a:t>
+            </a:r>
+          </a:p>
+          <a:p>
+            <a:pPr>
+              <a:buNone/>
+            </a:pPr>
+            <a:r>
+              <a:rPr lang="fr-FR" dirty="0" smtClean="0"/>
+              <a:t>Impose des limites au </a:t>
+            </a:r>
+            <a:r>
+              <a:rPr lang="fr-FR" dirty="0" err="1" smtClean="0"/>
+              <a:t>Vertices</a:t>
+            </a:r>
+            <a:r>
+              <a:rPr lang="fr-FR" dirty="0" smtClean="0"/>
+              <a:t> (monde fini), gère les intervalles de temps utilisés par la simulation (Précédent et Courant).</a:t>
+            </a:r>
+          </a:p>
+          <a:p>
+            <a:pPr>
+              <a:buNone/>
+            </a:pPr>
+            <a:r>
+              <a:rPr lang="fr-FR" dirty="0" err="1" smtClean="0"/>
+              <a:t>Grid</a:t>
+            </a:r>
+            <a:r>
+              <a:rPr lang="fr-FR" dirty="0" smtClean="0"/>
+              <a:t> : Le monde est subdivisé pour éviter les opérations inutiles, ex : Tests de collision limité aux objets proches.</a:t>
+            </a:r>
+            <a:endParaRPr lang="fr-FR" dirty="0"/>
+          </a:p>
+        </p:txBody>
+      </p:sp>
+    </p:spTree>
+  </p:cSld>
+  <p:clrMapOvr>
+    <a:masterClrMapping/>
+  </p:clrMapOvr>
+  <p:timing>
+    <p:tnLst>
+      <p:par>
+        <p:cTn id="1" dur="indefinite" restart="never" nodeType="tmRoot"/>
+      </p:par>
+    </p:tnLst>
+  </p:timing>
+</p:sld>
+</file>
+
+<file path=ppt/slides/slide9.xml><?xml version="1.0" encoding="utf-8"?>
+<p:sld xmlns:a="http://schemas.openxmlformats.org/drawingml/2006/main" xmlns:r="http://schemas.openxmlformats.org/officeDocument/2006/relationships" xmlns:p="http://schemas.openxmlformats.org/presentationml/2006/main">
+  <p:cSld>
+    <p:spTree>
+      <p:nvGrpSpPr>
+        <p:cNvPr id="1" name=""/>
+        <p:cNvGrpSpPr/>
+        <p:nvPr/>
+      </p:nvGrpSpPr>
+      <p:grpSpPr>
+        <a:xfrm>
+          <a:off x="0" y="0"/>
+          <a:ext cx="0" cy="0"/>
+          <a:chOff x="0" y="0"/>
+          <a:chExt cx="0" cy="0"/>
+        </a:xfrm>
+      </p:grpSpPr>
+      <p:sp>
+        <p:nvSpPr>
+          <p:cNvPr id="2" name="Title 1"/>
+          <p:cNvSpPr>
+            <a:spLocks noGrp="1"/>
+          </p:cNvSpPr>
+          <p:nvPr>
+            <p:ph type="title"/>
+          </p:nvPr>
+        </p:nvSpPr>
+        <p:spPr/>
+        <p:txBody>
+          <a:bodyPr/>
+          <a:lstStyle/>
+          <a:p>
+            <a:r>
+              <a:rPr lang="fr-FR" dirty="0" smtClean="0"/>
+              <a:t>Groupe </a:t>
+            </a:r>
+            <a:r>
+              <a:rPr lang="fr-FR" smtClean="0"/>
+              <a:t>Level</a:t>
+            </a:r>
             <a:endParaRPr lang="fr-FR"/>
           </a:p>
         </p:txBody>
       </p:sp>
+      <p:sp>
+        <p:nvSpPr>
+          <p:cNvPr id="3" name="Content Placeholder 2"/>
+          <p:cNvSpPr>
+            <a:spLocks noGrp="1"/>
+          </p:cNvSpPr>
+          <p:nvPr>
+            <p:ph idx="1"/>
+          </p:nvPr>
+        </p:nvSpPr>
+        <p:spPr/>
+        <p:txBody>
+          <a:bodyPr/>
+          <a:lstStyle/>
+          <a:p>
+            <a:endParaRPr lang="fr-FR"/>
+          </a:p>
+        </p:txBody>
+      </p:sp>
+      <p:pic>
+        <p:nvPicPr>
+          <p:cNvPr id="1026" name="Picture 2" descr="F:\jump-n-run\Level.png"/>
+          <p:cNvPicPr>
+            <a:picLocks noChangeAspect="1" noChangeArrowheads="1"/>
+          </p:cNvPicPr>
+          <p:nvPr/>
+        </p:nvPicPr>
+        <p:blipFill>
+          <a:blip r:embed="rId2" cstate="print"/>
+          <a:srcRect/>
+          <a:stretch>
+            <a:fillRect/>
+          </a:stretch>
+        </p:blipFill>
+        <p:spPr bwMode="auto">
+          <a:xfrm>
+            <a:off x="-32" y="1071546"/>
+            <a:ext cx="9086599" cy="5686958"/>
+          </a:xfrm>
+          <a:prstGeom prst="rect">
+            <a:avLst/>
+          </a:prstGeom>
+          <a:noFill/>
+        </p:spPr>
+      </p:pic>
     </p:spTree>
   </p:cSld>
   <p:clrMapOvr>

--- a/Soutenance.pptx
+++ b/Soutenance.pptx
@@ -5,21 +5,22 @@
     <p:sldMasterId id="2147483648" r:id="rId1"/>
   </p:sldMasterIdLst>
   <p:notesMasterIdLst>
-    <p:notesMasterId r:id="rId14"/>
+    <p:notesMasterId r:id="rId15"/>
   </p:notesMasterIdLst>
   <p:sldIdLst>
-    <p:sldId id="267" r:id="rId2"/>
-    <p:sldId id="256" r:id="rId3"/>
-    <p:sldId id="257" r:id="rId4"/>
-    <p:sldId id="258" r:id="rId5"/>
-    <p:sldId id="259" r:id="rId6"/>
-    <p:sldId id="260" r:id="rId7"/>
-    <p:sldId id="261" r:id="rId8"/>
-    <p:sldId id="262" r:id="rId9"/>
-    <p:sldId id="263" r:id="rId10"/>
-    <p:sldId id="264" r:id="rId11"/>
-    <p:sldId id="265" r:id="rId12"/>
-    <p:sldId id="266" r:id="rId13"/>
+    <p:sldId id="268" r:id="rId2"/>
+    <p:sldId id="267" r:id="rId3"/>
+    <p:sldId id="256" r:id="rId4"/>
+    <p:sldId id="257" r:id="rId5"/>
+    <p:sldId id="258" r:id="rId6"/>
+    <p:sldId id="259" r:id="rId7"/>
+    <p:sldId id="260" r:id="rId8"/>
+    <p:sldId id="261" r:id="rId9"/>
+    <p:sldId id="262" r:id="rId10"/>
+    <p:sldId id="263" r:id="rId11"/>
+    <p:sldId id="264" r:id="rId12"/>
+    <p:sldId id="265" r:id="rId13"/>
+    <p:sldId id="266" r:id="rId14"/>
   </p:sldIdLst>
   <p:sldSz cx="9144000" cy="6858000" type="screen4x3"/>
   <p:notesSz cx="6858000" cy="9144000"/>
@@ -204,7 +205,7 @@
             <a:fld id="{B2CADA2F-E0A4-4180-AF8E-EA371978DE63}" type="datetimeFigureOut">
               <a:rPr lang="fr-FR" smtClean="0"/>
               <a:pPr/>
-              <a:t>02/06/2012</a:t>
+              <a:t>04/06/2012</a:t>
             </a:fld>
             <a:endParaRPr lang="fr-FR"/>
           </a:p>
@@ -554,7 +555,7 @@
             <a:fld id="{37DCBF2E-5754-4435-8474-711CD92E5B6C}" type="slidenum">
               <a:rPr lang="fr-FR" smtClean="0"/>
               <a:pPr/>
-              <a:t>5</a:t>
+              <a:t>6</a:t>
             </a:fld>
             <a:endParaRPr lang="fr-FR"/>
           </a:p>
@@ -640,7 +641,7 @@
             <a:fld id="{37DCBF2E-5754-4435-8474-711CD92E5B6C}" type="slidenum">
               <a:rPr lang="fr-FR" smtClean="0"/>
               <a:pPr/>
-              <a:t>6</a:t>
+              <a:t>7</a:t>
             </a:fld>
             <a:endParaRPr lang="fr-FR"/>
           </a:p>
@@ -726,7 +727,7 @@
             <a:fld id="{37DCBF2E-5754-4435-8474-711CD92E5B6C}" type="slidenum">
               <a:rPr lang="fr-FR" smtClean="0"/>
               <a:pPr/>
-              <a:t>7</a:t>
+              <a:t>8</a:t>
             </a:fld>
             <a:endParaRPr lang="fr-FR"/>
           </a:p>
@@ -816,7 +817,7 @@
             <a:fld id="{37DCBF2E-5754-4435-8474-711CD92E5B6C}" type="slidenum">
               <a:rPr lang="fr-FR" smtClean="0"/>
               <a:pPr/>
-              <a:t>8</a:t>
+              <a:t>9</a:t>
             </a:fld>
             <a:endParaRPr lang="fr-FR"/>
           </a:p>
@@ -906,7 +907,7 @@
             <a:fld id="{37DCBF2E-5754-4435-8474-711CD92E5B6C}" type="slidenum">
               <a:rPr lang="fr-FR" smtClean="0"/>
               <a:pPr/>
-              <a:t>11</a:t>
+              <a:t>12</a:t>
             </a:fld>
             <a:endParaRPr lang="fr-FR"/>
           </a:p>
@@ -1102,7 +1103,7 @@
             <a:fld id="{40266F22-864A-49A7-90AD-C96A70746004}" type="datetimeFigureOut">
               <a:rPr lang="fr-FR" smtClean="0"/>
               <a:pPr/>
-              <a:t>02/06/2012</a:t>
+              <a:t>04/06/2012</a:t>
             </a:fld>
             <a:endParaRPr lang="fr-FR"/>
           </a:p>
@@ -1269,7 +1270,7 @@
             <a:fld id="{40266F22-864A-49A7-90AD-C96A70746004}" type="datetimeFigureOut">
               <a:rPr lang="fr-FR" smtClean="0"/>
               <a:pPr/>
-              <a:t>02/06/2012</a:t>
+              <a:t>04/06/2012</a:t>
             </a:fld>
             <a:endParaRPr lang="fr-FR"/>
           </a:p>
@@ -1446,7 +1447,7 @@
             <a:fld id="{40266F22-864A-49A7-90AD-C96A70746004}" type="datetimeFigureOut">
               <a:rPr lang="fr-FR" smtClean="0"/>
               <a:pPr/>
-              <a:t>02/06/2012</a:t>
+              <a:t>04/06/2012</a:t>
             </a:fld>
             <a:endParaRPr lang="fr-FR"/>
           </a:p>
@@ -1613,7 +1614,7 @@
             <a:fld id="{40266F22-864A-49A7-90AD-C96A70746004}" type="datetimeFigureOut">
               <a:rPr lang="fr-FR" smtClean="0"/>
               <a:pPr/>
-              <a:t>02/06/2012</a:t>
+              <a:t>04/06/2012</a:t>
             </a:fld>
             <a:endParaRPr lang="fr-FR"/>
           </a:p>
@@ -1856,7 +1857,7 @@
             <a:fld id="{40266F22-864A-49A7-90AD-C96A70746004}" type="datetimeFigureOut">
               <a:rPr lang="fr-FR" smtClean="0"/>
               <a:pPr/>
-              <a:t>02/06/2012</a:t>
+              <a:t>04/06/2012</a:t>
             </a:fld>
             <a:endParaRPr lang="fr-FR"/>
           </a:p>
@@ -2141,7 +2142,7 @@
             <a:fld id="{40266F22-864A-49A7-90AD-C96A70746004}" type="datetimeFigureOut">
               <a:rPr lang="fr-FR" smtClean="0"/>
               <a:pPr/>
-              <a:t>02/06/2012</a:t>
+              <a:t>04/06/2012</a:t>
             </a:fld>
             <a:endParaRPr lang="fr-FR"/>
           </a:p>
@@ -2560,7 +2561,7 @@
             <a:fld id="{40266F22-864A-49A7-90AD-C96A70746004}" type="datetimeFigureOut">
               <a:rPr lang="fr-FR" smtClean="0"/>
               <a:pPr/>
-              <a:t>02/06/2012</a:t>
+              <a:t>04/06/2012</a:t>
             </a:fld>
             <a:endParaRPr lang="fr-FR"/>
           </a:p>
@@ -2675,7 +2676,7 @@
             <a:fld id="{40266F22-864A-49A7-90AD-C96A70746004}" type="datetimeFigureOut">
               <a:rPr lang="fr-FR" smtClean="0"/>
               <a:pPr/>
-              <a:t>02/06/2012</a:t>
+              <a:t>04/06/2012</a:t>
             </a:fld>
             <a:endParaRPr lang="fr-FR"/>
           </a:p>
@@ -2767,7 +2768,7 @@
             <a:fld id="{40266F22-864A-49A7-90AD-C96A70746004}" type="datetimeFigureOut">
               <a:rPr lang="fr-FR" smtClean="0"/>
               <a:pPr/>
-              <a:t>02/06/2012</a:t>
+              <a:t>04/06/2012</a:t>
             </a:fld>
             <a:endParaRPr lang="fr-FR"/>
           </a:p>
@@ -3041,7 +3042,7 @@
             <a:fld id="{40266F22-864A-49A7-90AD-C96A70746004}" type="datetimeFigureOut">
               <a:rPr lang="fr-FR" smtClean="0"/>
               <a:pPr/>
-              <a:t>02/06/2012</a:t>
+              <a:t>04/06/2012</a:t>
             </a:fld>
             <a:endParaRPr lang="fr-FR"/>
           </a:p>
@@ -3291,7 +3292,7 @@
             <a:fld id="{40266F22-864A-49A7-90AD-C96A70746004}" type="datetimeFigureOut">
               <a:rPr lang="fr-FR" smtClean="0"/>
               <a:pPr/>
-              <a:t>02/06/2012</a:t>
+              <a:t>04/06/2012</a:t>
             </a:fld>
             <a:endParaRPr lang="fr-FR"/>
           </a:p>
@@ -3501,7 +3502,7 @@
             <a:fld id="{40266F22-864A-49A7-90AD-C96A70746004}" type="datetimeFigureOut">
               <a:rPr lang="fr-FR" smtClean="0"/>
               <a:pPr/>
-              <a:t>02/06/2012</a:t>
+              <a:t>04/06/2012</a:t>
             </a:fld>
             <a:endParaRPr lang="fr-FR"/>
           </a:p>
@@ -3874,31 +3875,68 @@
       </p:grpSpPr>
       <p:sp>
         <p:nvSpPr>
-          <p:cNvPr id="4" name="TextBox 3"/>
-          <p:cNvSpPr txBox="1"/>
-          <p:nvPr/>
-        </p:nvSpPr>
-        <p:spPr>
-          <a:xfrm>
-            <a:off x="1857356" y="1785927"/>
-            <a:ext cx="6000792" cy="369332"/>
-          </a:xfrm>
-          <a:prstGeom prst="rect">
-            <a:avLst/>
-          </a:prstGeom>
-          <a:noFill/>
-        </p:spPr>
-        <p:txBody>
-          <a:bodyPr wrap="square" rtlCol="0">
-            <a:spAutoFit/>
-          </a:bodyPr>
+          <p:cNvPr id="2" name="Title 1"/>
+          <p:cNvSpPr>
+            <a:spLocks noGrp="1"/>
+          </p:cNvSpPr>
+          <p:nvPr>
+            <p:ph type="ctrTitle"/>
+          </p:nvPr>
+        </p:nvSpPr>
+        <p:spPr/>
+        <p:txBody>
+          <a:bodyPr/>
           <a:lstStyle/>
           <a:p>
             <a:r>
+              <a:rPr lang="fr-FR" smtClean="0"/>
+              <a:t>Jump’n’Run</a:t>
+            </a:r>
+            <a:endParaRPr lang="fr-FR" dirty="0"/>
+          </a:p>
+        </p:txBody>
+      </p:sp>
+      <p:sp>
+        <p:nvSpPr>
+          <p:cNvPr id="3" name="Subtitle 2"/>
+          <p:cNvSpPr>
+            <a:spLocks noGrp="1"/>
+          </p:cNvSpPr>
+          <p:nvPr>
+            <p:ph type="subTitle" idx="1"/>
+          </p:nvPr>
+        </p:nvSpPr>
+        <p:spPr/>
+        <p:txBody>
+          <a:bodyPr/>
+          <a:lstStyle/>
+          <a:p>
+            <a:r>
               <a:rPr lang="fr-FR" dirty="0" smtClean="0"/>
-              <a:t>Diagramme de Gantt</a:t>
-            </a:r>
-            <a:endParaRPr lang="fr-FR" dirty="0"/>
+              <a:t>Projet LIF7 2012</a:t>
+            </a:r>
+          </a:p>
+          <a:p>
+            <a:r>
+              <a:rPr lang="fr-FR" dirty="0" smtClean="0"/>
+              <a:t>Eduardo San Martin </a:t>
+            </a:r>
+            <a:r>
+              <a:rPr lang="fr-FR" dirty="0" err="1" smtClean="0"/>
+              <a:t>Morote</a:t>
+            </a:r>
+            <a:endParaRPr lang="fr-FR" dirty="0" smtClean="0"/>
+          </a:p>
+          <a:p>
+            <a:r>
+              <a:rPr lang="fr-FR" dirty="0" smtClean="0"/>
+              <a:t>Yoann Maret-</a:t>
+            </a:r>
+            <a:r>
+              <a:rPr lang="fr-FR" dirty="0" err="1" smtClean="0"/>
+              <a:t>Verdant</a:t>
+            </a:r>
+            <a:endParaRPr lang="fr-FR" dirty="0" smtClean="0"/>
           </a:p>
         </p:txBody>
       </p:sp>
@@ -3927,6 +3965,32 @@
           <a:chExt cx="0" cy="0"/>
         </a:xfrm>
       </p:grpSpPr>
+      <p:pic>
+        <p:nvPicPr>
+          <p:cNvPr id="5" name="Picture 6" descr="C:\Users\Senryoku\Desktop\Untitled-1.png"/>
+          <p:cNvPicPr>
+            <a:picLocks noChangeAspect="1" noChangeArrowheads="1"/>
+          </p:cNvPicPr>
+          <p:nvPr/>
+        </p:nvPicPr>
+        <p:blipFill>
+          <a:blip r:embed="rId2" cstate="print"/>
+          <a:srcRect/>
+          <a:stretch>
+            <a:fillRect/>
+          </a:stretch>
+        </p:blipFill>
+        <p:spPr bwMode="auto">
+          <a:xfrm>
+            <a:off x="0" y="0"/>
+            <a:ext cx="10039350" cy="1533525"/>
+          </a:xfrm>
+          <a:prstGeom prst="rect">
+            <a:avLst/>
+          </a:prstGeom>
+          <a:noFill/>
+        </p:spPr>
+      </p:pic>
       <p:sp>
         <p:nvSpPr>
           <p:cNvPr id="2" name="Title 1"/>
@@ -3944,13 +4008,13 @@
           <a:p>
             <a:r>
               <a:rPr lang="fr-FR" dirty="0" smtClean="0"/>
-              <a:t>Module </a:t>
-            </a:r>
-            <a:r>
-              <a:rPr lang="fr-FR" dirty="0" err="1" smtClean="0"/>
+              <a:t>Groupe </a:t>
+            </a:r>
+            <a:r>
+              <a:rPr lang="fr-FR" smtClean="0"/>
               <a:t>Level</a:t>
             </a:r>
-            <a:endParaRPr lang="fr-FR" dirty="0"/>
+            <a:endParaRPr lang="fr-FR"/>
           </a:p>
         </p:txBody>
       </p:sp>
@@ -3966,90 +4030,62 @@
         </p:nvSpPr>
         <p:spPr/>
         <p:txBody>
-          <a:bodyPr>
-            <a:normAutofit lnSpcReduction="10000"/>
-          </a:bodyPr>
+          <a:bodyPr/>
           <a:lstStyle/>
           <a:p>
-            <a:pPr>
-              <a:buNone/>
-            </a:pPr>
-            <a:r>
-              <a:rPr lang="fr-FR" dirty="0" smtClean="0"/>
-              <a:t>Contient les informations d’un niveau de jeu :</a:t>
-            </a:r>
-          </a:p>
-          <a:p>
-            <a:pPr>
-              <a:buFontTx/>
-              <a:buChar char="-"/>
-            </a:pPr>
-            <a:r>
-              <a:rPr lang="fr-FR" dirty="0" smtClean="0"/>
-              <a:t>Monde Physique (World)</a:t>
-            </a:r>
-          </a:p>
-          <a:p>
-            <a:pPr>
-              <a:buFontTx/>
-              <a:buChar char="-"/>
-            </a:pPr>
-            <a:r>
-              <a:rPr lang="fr-FR" dirty="0" smtClean="0"/>
-              <a:t>Fonction d’affichage (Callback), Textures</a:t>
-            </a:r>
-          </a:p>
-          <a:p>
-            <a:pPr>
-              <a:buFontTx/>
-              <a:buChar char="-"/>
-            </a:pPr>
-            <a:r>
-              <a:rPr lang="fr-FR" dirty="0" smtClean="0"/>
-              <a:t>Objets Texturés</a:t>
-            </a:r>
-          </a:p>
-          <a:p>
-            <a:pPr>
-              <a:buFontTx/>
-              <a:buChar char="-"/>
-            </a:pPr>
-            <a:r>
-              <a:rPr lang="fr-FR" dirty="0" smtClean="0"/>
-              <a:t>Position de Départ/Fin de niveau, Joueur.</a:t>
-            </a:r>
-          </a:p>
-          <a:p>
-            <a:pPr>
-              <a:buNone/>
-            </a:pPr>
-            <a:endParaRPr lang="fr-FR" dirty="0" smtClean="0"/>
-          </a:p>
-          <a:p>
-            <a:pPr>
-              <a:buNone/>
-            </a:pPr>
-            <a:r>
-              <a:rPr lang="fr-FR" dirty="0" smtClean="0"/>
-              <a:t>Chargeable depuis un fichier .</a:t>
-            </a:r>
-            <a:r>
-              <a:rPr lang="fr-FR" dirty="0" err="1" smtClean="0"/>
-              <a:t>lvl</a:t>
-            </a:r>
-            <a:r>
-              <a:rPr lang="fr-FR" dirty="0" smtClean="0"/>
-              <a:t> (Format texte documenté)</a:t>
-            </a:r>
-            <a:endParaRPr lang="fr-FR" dirty="0"/>
-          </a:p>
-        </p:txBody>
-      </p:sp>
+            <a:endParaRPr lang="fr-FR"/>
+          </a:p>
+        </p:txBody>
+      </p:sp>
+      <p:pic>
+        <p:nvPicPr>
+          <p:cNvPr id="1026" name="Picture 2" descr="F:\jump-n-run\Level.png"/>
+          <p:cNvPicPr>
+            <a:picLocks noChangeAspect="1" noChangeArrowheads="1"/>
+          </p:cNvPicPr>
+          <p:nvPr/>
+        </p:nvPicPr>
+        <p:blipFill>
+          <a:blip r:embed="rId3" cstate="print">
+            <a:clrChange>
+              <a:clrFrom>
+                <a:srgbClr val="FFFFFF"/>
+              </a:clrFrom>
+              <a:clrTo>
+                <a:srgbClr val="FFFFFF">
+                  <a:alpha val="0"/>
+                </a:srgbClr>
+              </a:clrTo>
+            </a:clrChange>
+          </a:blip>
+          <a:srcRect/>
+          <a:stretch>
+            <a:fillRect/>
+          </a:stretch>
+        </p:blipFill>
+        <p:spPr bwMode="auto">
+          <a:xfrm>
+            <a:off x="-32" y="1071546"/>
+            <a:ext cx="9086599" cy="5686958"/>
+          </a:xfrm>
+          <a:prstGeom prst="rect">
+            <a:avLst/>
+          </a:prstGeom>
+          <a:noFill/>
+        </p:spPr>
+      </p:pic>
     </p:spTree>
   </p:cSld>
   <p:clrMapOvr>
     <a:masterClrMapping/>
   </p:clrMapOvr>
+  <p:timing>
+    <p:tnLst>
+      <p:par>
+        <p:cTn id="1" dur="indefinite" restart="never" nodeType="tmRoot"/>
+      </p:par>
+    </p:tnLst>
+  </p:timing>
 </p:sld>
 </file>
 
@@ -4070,6 +4106,208 @@
           <a:chExt cx="0" cy="0"/>
         </a:xfrm>
       </p:grpSpPr>
+      <p:pic>
+        <p:nvPicPr>
+          <p:cNvPr id="4" name="Picture 6" descr="C:\Users\Senryoku\Desktop\Untitled-1.png"/>
+          <p:cNvPicPr>
+            <a:picLocks noChangeAspect="1" noChangeArrowheads="1"/>
+          </p:cNvPicPr>
+          <p:nvPr/>
+        </p:nvPicPr>
+        <p:blipFill>
+          <a:blip r:embed="rId2" cstate="print"/>
+          <a:srcRect/>
+          <a:stretch>
+            <a:fillRect/>
+          </a:stretch>
+        </p:blipFill>
+        <p:spPr bwMode="auto">
+          <a:xfrm>
+            <a:off x="0" y="0"/>
+            <a:ext cx="10039350" cy="1533525"/>
+          </a:xfrm>
+          <a:prstGeom prst="rect">
+            <a:avLst/>
+          </a:prstGeom>
+          <a:noFill/>
+        </p:spPr>
+      </p:pic>
+      <p:sp>
+        <p:nvSpPr>
+          <p:cNvPr id="2" name="Title 1"/>
+          <p:cNvSpPr>
+            <a:spLocks noGrp="1"/>
+          </p:cNvSpPr>
+          <p:nvPr>
+            <p:ph type="title"/>
+          </p:nvPr>
+        </p:nvSpPr>
+        <p:spPr/>
+        <p:txBody>
+          <a:bodyPr/>
+          <a:lstStyle/>
+          <a:p>
+            <a:r>
+              <a:rPr lang="fr-FR" dirty="0" smtClean="0"/>
+              <a:t>Module </a:t>
+            </a:r>
+            <a:r>
+              <a:rPr lang="fr-FR" dirty="0" err="1" smtClean="0"/>
+              <a:t>Level</a:t>
+            </a:r>
+            <a:endParaRPr lang="fr-FR" dirty="0"/>
+          </a:p>
+        </p:txBody>
+      </p:sp>
+      <p:sp>
+        <p:nvSpPr>
+          <p:cNvPr id="3" name="Content Placeholder 2"/>
+          <p:cNvSpPr>
+            <a:spLocks noGrp="1"/>
+          </p:cNvSpPr>
+          <p:nvPr>
+            <p:ph idx="1"/>
+          </p:nvPr>
+        </p:nvSpPr>
+        <p:spPr/>
+        <p:txBody>
+          <a:bodyPr>
+            <a:normAutofit lnSpcReduction="10000"/>
+          </a:bodyPr>
+          <a:lstStyle/>
+          <a:p>
+            <a:pPr>
+              <a:buNone/>
+            </a:pPr>
+            <a:r>
+              <a:rPr lang="fr-FR" dirty="0" smtClean="0"/>
+              <a:t>Contient les informations d’un niveau de jeu :</a:t>
+            </a:r>
+          </a:p>
+          <a:p>
+            <a:pPr>
+              <a:buFontTx/>
+              <a:buChar char="-"/>
+            </a:pPr>
+            <a:r>
+              <a:rPr lang="fr-FR" dirty="0" smtClean="0"/>
+              <a:t>Monde Physique (World)</a:t>
+            </a:r>
+          </a:p>
+          <a:p>
+            <a:pPr>
+              <a:buFontTx/>
+              <a:buChar char="-"/>
+            </a:pPr>
+            <a:r>
+              <a:rPr lang="fr-FR" dirty="0" smtClean="0"/>
+              <a:t>Fonction d’affichage (Callback), Textures</a:t>
+            </a:r>
+          </a:p>
+          <a:p>
+            <a:pPr>
+              <a:buFontTx/>
+              <a:buChar char="-"/>
+            </a:pPr>
+            <a:r>
+              <a:rPr lang="fr-FR" dirty="0" smtClean="0"/>
+              <a:t>Objets Texturés</a:t>
+            </a:r>
+          </a:p>
+          <a:p>
+            <a:pPr>
+              <a:buFontTx/>
+              <a:buChar char="-"/>
+            </a:pPr>
+            <a:r>
+              <a:rPr lang="fr-FR" dirty="0" smtClean="0"/>
+              <a:t>Position de Départ/Fin de niveau, Joueur.</a:t>
+            </a:r>
+          </a:p>
+          <a:p>
+            <a:pPr>
+              <a:buNone/>
+            </a:pPr>
+            <a:endParaRPr lang="fr-FR" dirty="0" smtClean="0"/>
+          </a:p>
+          <a:p>
+            <a:pPr>
+              <a:buNone/>
+            </a:pPr>
+            <a:r>
+              <a:rPr lang="fr-FR" dirty="0" smtClean="0"/>
+              <a:t>Chargeable depuis un fichier .</a:t>
+            </a:r>
+            <a:r>
+              <a:rPr lang="fr-FR" dirty="0" err="1" smtClean="0"/>
+              <a:t>lvl</a:t>
+            </a:r>
+            <a:r>
+              <a:rPr lang="fr-FR" dirty="0" smtClean="0"/>
+              <a:t> (Format texte documenté)</a:t>
+            </a:r>
+            <a:endParaRPr lang="fr-FR" dirty="0"/>
+          </a:p>
+        </p:txBody>
+      </p:sp>
+    </p:spTree>
+  </p:cSld>
+  <p:clrMapOvr>
+    <a:masterClrMapping/>
+  </p:clrMapOvr>
+  <p:timing>
+    <p:tnLst>
+      <p:par>
+        <p:cTn id="1" dur="indefinite" restart="never" nodeType="tmRoot"/>
+      </p:par>
+    </p:tnLst>
+  </p:timing>
+</p:sld>
+</file>
+
+<file path=ppt/slides/slide12.xml><?xml version="1.0" encoding="utf-8"?>
+<p:sld xmlns:a="http://schemas.openxmlformats.org/drawingml/2006/main" xmlns:r="http://schemas.openxmlformats.org/officeDocument/2006/relationships" xmlns:p="http://schemas.openxmlformats.org/presentationml/2006/main">
+  <p:cSld>
+    <p:spTree>
+      <p:nvGrpSpPr>
+        <p:cNvPr id="1" name=""/>
+        <p:cNvGrpSpPr/>
+        <p:nvPr/>
+      </p:nvGrpSpPr>
+      <p:grpSpPr>
+        <a:xfrm>
+          <a:off x="0" y="0"/>
+          <a:ext cx="0" cy="0"/>
+          <a:chOff x="0" y="0"/>
+          <a:chExt cx="0" cy="0"/>
+        </a:xfrm>
+      </p:grpSpPr>
+      <p:pic>
+        <p:nvPicPr>
+          <p:cNvPr id="9" name="Picture 6" descr="C:\Users\Senryoku\Desktop\Untitled-1.png"/>
+          <p:cNvPicPr>
+            <a:picLocks noChangeAspect="1" noChangeArrowheads="1"/>
+          </p:cNvPicPr>
+          <p:nvPr/>
+        </p:nvPicPr>
+        <p:blipFill>
+          <a:blip r:embed="rId3" cstate="print"/>
+          <a:srcRect/>
+          <a:stretch>
+            <a:fillRect/>
+          </a:stretch>
+        </p:blipFill>
+        <p:spPr bwMode="auto">
+          <a:xfrm>
+            <a:off x="0" y="0"/>
+            <a:ext cx="10039350" cy="1533525"/>
+          </a:xfrm>
+          <a:prstGeom prst="rect">
+            <a:avLst/>
+          </a:prstGeom>
+          <a:noFill/>
+        </p:spPr>
+      </p:pic>
       <p:sp>
         <p:nvSpPr>
           <p:cNvPr id="2" name="Title 1"/>
@@ -4130,11 +4368,7 @@
             </a:r>
             <a:r>
               <a:rPr lang="fr-FR" dirty="0" smtClean="0"/>
-              <a:t> </a:t>
-            </a:r>
-            <a:r>
-              <a:rPr lang="fr-FR" dirty="0" smtClean="0"/>
-              <a:t>capable de la sauvegarder au format .</a:t>
+              <a:t> capable de la sauvegarder au format .</a:t>
             </a:r>
             <a:r>
               <a:rPr lang="fr-FR" dirty="0" err="1" smtClean="0"/>
@@ -4369,10 +4603,17 @@
   <p:clrMapOvr>
     <a:masterClrMapping/>
   </p:clrMapOvr>
+  <p:timing>
+    <p:tnLst>
+      <p:par>
+        <p:cTn id="1" dur="indefinite" restart="never" nodeType="tmRoot"/>
+      </p:par>
+    </p:tnLst>
+  </p:timing>
 </p:sld>
 </file>
 
-<file path=ppt/slides/slide12.xml><?xml version="1.0" encoding="utf-8"?>
+<file path=ppt/slides/slide13.xml><?xml version="1.0" encoding="utf-8"?>
 <p:sld xmlns:a="http://schemas.openxmlformats.org/drawingml/2006/main" xmlns:r="http://schemas.openxmlformats.org/officeDocument/2006/relationships" xmlns:p="http://schemas.openxmlformats.org/presentationml/2006/main">
   <p:cSld>
     <p:spTree>
@@ -4389,6 +4630,32 @@
           <a:chExt cx="0" cy="0"/>
         </a:xfrm>
       </p:grpSpPr>
+      <p:pic>
+        <p:nvPicPr>
+          <p:cNvPr id="4" name="Picture 6" descr="C:\Users\Senryoku\Desktop\Untitled-1.png"/>
+          <p:cNvPicPr>
+            <a:picLocks noChangeAspect="1" noChangeArrowheads="1"/>
+          </p:cNvPicPr>
+          <p:nvPr/>
+        </p:nvPicPr>
+        <p:blipFill>
+          <a:blip r:embed="rId2" cstate="print"/>
+          <a:srcRect/>
+          <a:stretch>
+            <a:fillRect/>
+          </a:stretch>
+        </p:blipFill>
+        <p:spPr bwMode="auto">
+          <a:xfrm>
+            <a:off x="0" y="0"/>
+            <a:ext cx="10039350" cy="1533525"/>
+          </a:xfrm>
+          <a:prstGeom prst="rect">
+            <a:avLst/>
+          </a:prstGeom>
+          <a:noFill/>
+        </p:spPr>
+      </p:pic>
       <p:sp>
         <p:nvSpPr>
           <p:cNvPr id="2" name="Title 1"/>
@@ -4466,6 +4733,13 @@
   <p:clrMapOvr>
     <a:masterClrMapping/>
   </p:clrMapOvr>
+  <p:timing>
+    <p:tnLst>
+      <p:par>
+        <p:cTn id="1" dur="indefinite" restart="never" nodeType="tmRoot"/>
+      </p:par>
+    </p:tnLst>
+  </p:timing>
 </p:sld>
 </file>
 
@@ -4486,47 +4760,9 @@
           <a:chExt cx="0" cy="0"/>
         </a:xfrm>
       </p:grpSpPr>
-      <p:sp>
-        <p:nvSpPr>
-          <p:cNvPr id="2" name="Title 1"/>
-          <p:cNvSpPr>
-            <a:spLocks noGrp="1"/>
-          </p:cNvSpPr>
-          <p:nvPr>
-            <p:ph type="ctrTitle"/>
-          </p:nvPr>
-        </p:nvSpPr>
-        <p:spPr/>
-        <p:txBody>
-          <a:bodyPr/>
-          <a:lstStyle/>
-          <a:p>
-            <a:endParaRPr lang="fr-FR"/>
-          </a:p>
-        </p:txBody>
-      </p:sp>
-      <p:sp>
-        <p:nvSpPr>
-          <p:cNvPr id="3" name="Subtitle 2"/>
-          <p:cNvSpPr>
-            <a:spLocks noGrp="1"/>
-          </p:cNvSpPr>
-          <p:nvPr>
-            <p:ph type="subTitle" idx="1"/>
-          </p:nvPr>
-        </p:nvSpPr>
-        <p:spPr/>
-        <p:txBody>
-          <a:bodyPr/>
-          <a:lstStyle/>
-          <a:p>
-            <a:endParaRPr lang="fr-FR"/>
-          </a:p>
-        </p:txBody>
-      </p:sp>
       <p:pic>
         <p:nvPicPr>
-          <p:cNvPr id="1027" name="Picture 3" descr="F:\jump-n-run\Core.png"/>
+          <p:cNvPr id="3" name="Picture 6" descr="C:\Users\Senryoku\Desktop\Untitled-1.png"/>
           <p:cNvPicPr>
             <a:picLocks noChangeAspect="1" noChangeArrowheads="1"/>
           </p:cNvPicPr>
@@ -4541,8 +4777,8 @@
         </p:blipFill>
         <p:spPr bwMode="auto">
           <a:xfrm>
-            <a:off x="214282" y="1071546"/>
-            <a:ext cx="8746306" cy="5500726"/>
+            <a:off x="0" y="0"/>
+            <a:ext cx="10039350" cy="1533525"/>
           </a:xfrm>
           <a:prstGeom prst="rect">
             <a:avLst/>
@@ -4573,57 +4809,58 @@
           </a:bodyPr>
           <a:lstStyle/>
           <a:p>
-            <a:pPr marL="0" marR="0" lvl="0" indent="0" algn="ctr" defTabSz="914400" rtl="0" eaLnBrk="1" fontAlgn="auto" latinLnBrk="0" hangingPunct="1">
-              <a:lnSpc>
-                <a:spcPct val="100000"/>
-              </a:lnSpc>
-              <a:spcBef>
-                <a:spcPct val="0"/>
-              </a:spcBef>
-              <a:spcAft>
-                <a:spcPts val="0"/>
-              </a:spcAft>
-              <a:buClrTx/>
-              <a:buSzTx/>
-              <a:buFontTx/>
-              <a:buNone/>
-              <a:tabLst/>
-              <a:defRPr/>
-            </a:pPr>
-            <a:r>
-              <a:rPr kumimoji="0" lang="fr-FR" sz="4400" b="0" i="0" u="none" strike="noStrike" kern="1200" cap="none" spc="0" normalizeH="0" baseline="0" noProof="0" smtClean="0">
-                <a:ln>
-                  <a:noFill/>
-                </a:ln>
-                <a:solidFill>
-                  <a:schemeClr val="tx1"/>
-                </a:solidFill>
-                <a:effectLst/>
-                <a:uLnTx/>
-                <a:uFillTx/>
-                <a:latin typeface="+mj-lt"/>
-                <a:ea typeface="+mj-ea"/>
-                <a:cs typeface="+mj-cs"/>
-              </a:rPr>
-              <a:t>Groupe Core</a:t>
-            </a:r>
-            <a:endParaRPr kumimoji="0" lang="fr-FR" sz="4400" b="0" i="0" u="none" strike="noStrike" kern="1200" cap="none" spc="0" normalizeH="0" baseline="0" noProof="0" dirty="0">
-              <a:ln>
-                <a:noFill/>
-              </a:ln>
-              <a:solidFill>
-                <a:schemeClr val="tx1"/>
-              </a:solidFill>
-              <a:effectLst/>
-              <a:uLnTx/>
-              <a:uFillTx/>
-              <a:latin typeface="+mj-lt"/>
-              <a:ea typeface="+mj-ea"/>
-              <a:cs typeface="+mj-cs"/>
-            </a:endParaRPr>
-          </a:p>
-        </p:txBody>
-      </p:sp>
+            <a:pPr algn="ctr"/>
+            <a:r>
+              <a:rPr lang="fr-FR" sz="4400" dirty="0" smtClean="0"/>
+              <a:t>Diagramme de Gantt</a:t>
+            </a:r>
+            <a:endParaRPr lang="fr-FR" sz="4400" dirty="0"/>
+          </a:p>
+        </p:txBody>
+      </p:sp>
+      <p:pic>
+        <p:nvPicPr>
+          <p:cNvPr id="2050" name="Picture 2"/>
+          <p:cNvPicPr>
+            <a:picLocks noChangeAspect="1" noChangeArrowheads="1"/>
+          </p:cNvPicPr>
+          <p:nvPr/>
+        </p:nvPicPr>
+        <p:blipFill>
+          <a:blip r:embed="rId3" cstate="print">
+            <a:clrChange>
+              <a:clrFrom>
+                <a:srgbClr val="FFFFFF"/>
+              </a:clrFrom>
+              <a:clrTo>
+                <a:srgbClr val="FFFFFF">
+                  <a:alpha val="0"/>
+                </a:srgbClr>
+              </a:clrTo>
+            </a:clrChange>
+          </a:blip>
+          <a:srcRect/>
+          <a:stretch>
+            <a:fillRect/>
+          </a:stretch>
+        </p:blipFill>
+        <p:spPr bwMode="auto">
+          <a:xfrm>
+            <a:off x="539552" y="1268760"/>
+            <a:ext cx="8105775" cy="5495925"/>
+          </a:xfrm>
+          <a:prstGeom prst="rect">
+            <a:avLst/>
+          </a:prstGeom>
+          <a:noFill/>
+          <a:ln w="9525">
+            <a:noFill/>
+            <a:miter lim="800000"/>
+            <a:headEnd/>
+            <a:tailEnd/>
+          </a:ln>
+        </p:spPr>
+      </p:pic>
     </p:spTree>
   </p:cSld>
   <p:clrMapOvr>
@@ -4656,6 +4893,32 @@
           <a:chExt cx="0" cy="0"/>
         </a:xfrm>
       </p:grpSpPr>
+      <p:pic>
+        <p:nvPicPr>
+          <p:cNvPr id="1030" name="Picture 6" descr="C:\Users\Senryoku\Desktop\Untitled-1.png"/>
+          <p:cNvPicPr>
+            <a:picLocks noChangeAspect="1" noChangeArrowheads="1"/>
+          </p:cNvPicPr>
+          <p:nvPr/>
+        </p:nvPicPr>
+        <p:blipFill>
+          <a:blip r:embed="rId2" cstate="print"/>
+          <a:srcRect/>
+          <a:stretch>
+            <a:fillRect/>
+          </a:stretch>
+        </p:blipFill>
+        <p:spPr bwMode="auto">
+          <a:xfrm>
+            <a:off x="0" y="0"/>
+            <a:ext cx="10039350" cy="1533525"/>
+          </a:xfrm>
+          <a:prstGeom prst="rect">
+            <a:avLst/>
+          </a:prstGeom>
+          <a:noFill/>
+        </p:spPr>
+      </p:pic>
       <p:sp>
         <p:nvSpPr>
           <p:cNvPr id="2" name="Title 1"/>
@@ -4663,7 +4926,7 @@
             <a:spLocks noGrp="1"/>
           </p:cNvSpPr>
           <p:nvPr>
-            <p:ph type="title"/>
+            <p:ph type="ctrTitle"/>
           </p:nvPr>
         </p:nvSpPr>
         <p:spPr/>
@@ -4671,109 +4934,154 @@
           <a:bodyPr/>
           <a:lstStyle/>
           <a:p>
-            <a:r>
-              <a:rPr lang="fr-FR" dirty="0" smtClean="0"/>
-              <a:t>Groupe </a:t>
-            </a:r>
-            <a:r>
-              <a:rPr lang="fr-FR" dirty="0" err="1" smtClean="0"/>
-              <a:t>Core</a:t>
-            </a:r>
-            <a:endParaRPr lang="fr-FR" dirty="0"/>
-          </a:p>
-        </p:txBody>
-      </p:sp>
-      <p:sp>
-        <p:nvSpPr>
-          <p:cNvPr id="3" name="Content Placeholder 2"/>
+            <a:endParaRPr lang="fr-FR"/>
+          </a:p>
+        </p:txBody>
+      </p:sp>
+      <p:sp>
+        <p:nvSpPr>
+          <p:cNvPr id="3" name="Subtitle 2"/>
           <p:cNvSpPr>
             <a:spLocks noGrp="1"/>
           </p:cNvSpPr>
           <p:nvPr>
-            <p:ph idx="1"/>
+            <p:ph type="subTitle" idx="1"/>
           </p:nvPr>
         </p:nvSpPr>
         <p:spPr/>
         <p:txBody>
-          <a:bodyPr>
-            <a:normAutofit fontScale="92500" lnSpcReduction="10000"/>
+          <a:bodyPr/>
+          <a:lstStyle/>
+          <a:p>
+            <a:endParaRPr lang="fr-FR"/>
+          </a:p>
+        </p:txBody>
+      </p:sp>
+      <p:pic>
+        <p:nvPicPr>
+          <p:cNvPr id="1027" name="Picture 3" descr="F:\jump-n-run\Core.png"/>
+          <p:cNvPicPr>
+            <a:picLocks noChangeAspect="1" noChangeArrowheads="1"/>
+          </p:cNvPicPr>
+          <p:nvPr/>
+        </p:nvPicPr>
+        <p:blipFill>
+          <a:blip r:embed="rId3" cstate="print">
+            <a:clrChange>
+              <a:clrFrom>
+                <a:srgbClr val="FFFFFF"/>
+              </a:clrFrom>
+              <a:clrTo>
+                <a:srgbClr val="FFFFFF">
+                  <a:alpha val="0"/>
+                </a:srgbClr>
+              </a:clrTo>
+            </a:clrChange>
+          </a:blip>
+          <a:srcRect/>
+          <a:stretch>
+            <a:fillRect/>
+          </a:stretch>
+        </p:blipFill>
+        <p:spPr bwMode="auto">
+          <a:xfrm>
+            <a:off x="214282" y="1071546"/>
+            <a:ext cx="8746306" cy="5500726"/>
+          </a:xfrm>
+          <a:prstGeom prst="rect">
+            <a:avLst/>
+          </a:prstGeom>
+          <a:noFill/>
+        </p:spPr>
+      </p:pic>
+      <p:sp>
+        <p:nvSpPr>
+          <p:cNvPr id="5" name="Title 1"/>
+          <p:cNvSpPr txBox="1">
+            <a:spLocks/>
+          </p:cNvSpPr>
+          <p:nvPr/>
+        </p:nvSpPr>
+        <p:spPr>
+          <a:xfrm>
+            <a:off x="457200" y="274638"/>
+            <a:ext cx="8229600" cy="1143000"/>
+          </a:xfrm>
+          <a:prstGeom prst="rect">
+            <a:avLst/>
+          </a:prstGeom>
+        </p:spPr>
+        <p:txBody>
+          <a:bodyPr vert="horz" lIns="91440" tIns="45720" rIns="91440" bIns="45720" rtlCol="0" anchor="ctr">
+            <a:normAutofit/>
           </a:bodyPr>
           <a:lstStyle/>
           <a:p>
-            <a:pPr>
+            <a:pPr marL="0" marR="0" lvl="0" indent="0" algn="ctr" defTabSz="914400" rtl="0" eaLnBrk="1" fontAlgn="auto" latinLnBrk="0" hangingPunct="1">
+              <a:lnSpc>
+                <a:spcPct val="100000"/>
+              </a:lnSpc>
+              <a:spcBef>
+                <a:spcPct val="0"/>
+              </a:spcBef>
+              <a:spcAft>
+                <a:spcPts val="0"/>
+              </a:spcAft>
+              <a:buClrTx/>
+              <a:buSzTx/>
+              <a:buFontTx/>
               <a:buNone/>
+              <a:tabLst/>
+              <a:defRPr/>
             </a:pPr>
             <a:r>
-              <a:rPr lang="fr-FR" dirty="0" smtClean="0"/>
-              <a:t>Module de vecteur de </a:t>
-            </a:r>
-            <a:r>
-              <a:rPr lang="fr-FR" b="1" dirty="0" smtClean="0"/>
-              <a:t>ℝ</a:t>
-            </a:r>
-            <a:r>
-              <a:rPr lang="fr-FR" dirty="0" smtClean="0"/>
-              <a:t>² utilisé pour représenter toutes les coordonnées et leur appliquer des transformations.</a:t>
-            </a:r>
-          </a:p>
-          <a:p>
-            <a:pPr>
-              <a:buNone/>
-            </a:pPr>
-            <a:endParaRPr lang="fr-FR" dirty="0"/>
-          </a:p>
-          <a:p>
-            <a:pPr>
-              <a:buNone/>
-            </a:pPr>
-            <a:r>
-              <a:rPr lang="fr-FR" dirty="0" smtClean="0"/>
-              <a:t>Ré-implémentation de conteneurs de base :</a:t>
-            </a:r>
-          </a:p>
-          <a:p>
-            <a:r>
-              <a:rPr lang="fr-FR" dirty="0" smtClean="0"/>
-              <a:t>Listes doublement chaînées de </a:t>
-            </a:r>
-            <a:r>
-              <a:rPr lang="fr-FR" dirty="0" err="1" smtClean="0"/>
-              <a:t>void</a:t>
-            </a:r>
-            <a:r>
-              <a:rPr lang="fr-FR" dirty="0" smtClean="0"/>
-              <a:t>*</a:t>
-            </a:r>
-          </a:p>
-          <a:p>
-            <a:r>
-              <a:rPr lang="fr-FR" dirty="0" smtClean="0"/>
-              <a:t>Tableaux dynamiques de </a:t>
-            </a:r>
-            <a:r>
-              <a:rPr lang="fr-FR" dirty="0" err="1" smtClean="0"/>
-              <a:t>void</a:t>
-            </a:r>
-            <a:r>
-              <a:rPr lang="fr-FR" dirty="0" smtClean="0"/>
-              <a:t>*</a:t>
-            </a:r>
-          </a:p>
-          <a:p>
-            <a:pPr>
-              <a:buNone/>
-            </a:pPr>
-            <a:endParaRPr lang="fr-FR" dirty="0" smtClean="0"/>
-          </a:p>
-          <a:p>
-            <a:pPr>
-              <a:buNone/>
-            </a:pPr>
-            <a:r>
-              <a:rPr lang="fr-FR" smtClean="0"/>
-              <a:t>Développé en premier.</a:t>
-            </a:r>
-            <a:endParaRPr lang="fr-FR" dirty="0"/>
+              <a:rPr kumimoji="0" lang="fr-FR" sz="4400" b="0" i="0" u="none" strike="noStrike" kern="1200" cap="none" spc="0" normalizeH="0" baseline="0" noProof="0" dirty="0" smtClean="0">
+                <a:ln>
+                  <a:noFill/>
+                </a:ln>
+                <a:solidFill>
+                  <a:schemeClr val="tx1"/>
+                </a:solidFill>
+                <a:effectLst/>
+                <a:uLnTx/>
+                <a:uFillTx/>
+                <a:latin typeface="+mj-lt"/>
+                <a:ea typeface="+mj-ea"/>
+                <a:cs typeface="+mj-cs"/>
+              </a:rPr>
+              <a:t>Groupe </a:t>
+            </a:r>
+            <a:r>
+              <a:rPr kumimoji="0" lang="fr-FR" sz="4400" b="0" i="0" u="none" strike="noStrike" kern="1200" cap="none" spc="0" normalizeH="0" baseline="0" noProof="0" dirty="0" err="1" smtClean="0">
+                <a:ln>
+                  <a:noFill/>
+                </a:ln>
+                <a:solidFill>
+                  <a:schemeClr val="tx1"/>
+                </a:solidFill>
+                <a:effectLst/>
+                <a:uLnTx/>
+                <a:uFillTx/>
+                <a:latin typeface="+mj-lt"/>
+                <a:ea typeface="+mj-ea"/>
+                <a:cs typeface="+mj-cs"/>
+              </a:rPr>
+              <a:t>Core</a:t>
+            </a:r>
+            <a:endParaRPr kumimoji="0" lang="fr-FR" sz="4400" b="0" i="0" u="none" strike="noStrike" kern="1200" cap="none" spc="0" normalizeH="0" baseline="0" noProof="0" dirty="0">
+              <a:ln>
+                <a:noFill/>
+              </a:ln>
+              <a:solidFill>
+                <a:schemeClr val="tx1"/>
+              </a:solidFill>
+              <a:effectLst/>
+              <a:uLnTx/>
+              <a:uFillTx/>
+              <a:latin typeface="+mj-lt"/>
+              <a:ea typeface="+mj-ea"/>
+              <a:cs typeface="+mj-cs"/>
+            </a:endParaRPr>
           </a:p>
         </p:txBody>
       </p:sp>
@@ -4809,28 +5117,9 @@
           <a:chExt cx="0" cy="0"/>
         </a:xfrm>
       </p:grpSpPr>
-      <p:sp>
-        <p:nvSpPr>
-          <p:cNvPr id="3" name="Content Placeholder 2"/>
-          <p:cNvSpPr>
-            <a:spLocks noGrp="1"/>
-          </p:cNvSpPr>
-          <p:nvPr>
-            <p:ph idx="1"/>
-          </p:nvPr>
-        </p:nvSpPr>
-        <p:spPr/>
-        <p:txBody>
-          <a:bodyPr/>
-          <a:lstStyle/>
-          <a:p>
-            <a:endParaRPr lang="fr-FR"/>
-          </a:p>
-        </p:txBody>
-      </p:sp>
       <p:pic>
         <p:nvPicPr>
-          <p:cNvPr id="2050" name="Picture 2" descr="F:\jump-n-run\Physics.png"/>
+          <p:cNvPr id="4" name="Picture 6" descr="C:\Users\Senryoku\Desktop\Untitled-1.png"/>
           <p:cNvPicPr>
             <a:picLocks noChangeAspect="1" noChangeArrowheads="1"/>
           </p:cNvPicPr>
@@ -4845,8 +5134,8 @@
         </p:blipFill>
         <p:spPr bwMode="auto">
           <a:xfrm>
-            <a:off x="163309" y="1000108"/>
-            <a:ext cx="8980691" cy="5857892"/>
+            <a:off x="0" y="0"/>
+            <a:ext cx="10039350" cy="1533525"/>
           </a:xfrm>
           <a:prstGeom prst="rect">
             <a:avLst/>
@@ -4856,92 +5145,122 @@
       </p:pic>
       <p:sp>
         <p:nvSpPr>
-          <p:cNvPr id="5" name="Title 1"/>
-          <p:cNvSpPr txBox="1">
-            <a:spLocks/>
-          </p:cNvSpPr>
-          <p:nvPr/>
-        </p:nvSpPr>
-        <p:spPr>
-          <a:xfrm>
-            <a:off x="571472" y="71414"/>
-            <a:ext cx="8229600" cy="1143000"/>
-          </a:xfrm>
-          <a:prstGeom prst="rect">
-            <a:avLst/>
-          </a:prstGeom>
-        </p:spPr>
-        <p:txBody>
-          <a:bodyPr vert="horz" lIns="91440" tIns="45720" rIns="91440" bIns="45720" rtlCol="0" anchor="ctr">
-            <a:normAutofit/>
+          <p:cNvPr id="2" name="Title 1"/>
+          <p:cNvSpPr>
+            <a:spLocks noGrp="1"/>
+          </p:cNvSpPr>
+          <p:nvPr>
+            <p:ph type="title"/>
+          </p:nvPr>
+        </p:nvSpPr>
+        <p:spPr/>
+        <p:txBody>
+          <a:bodyPr/>
+          <a:lstStyle/>
+          <a:p>
+            <a:r>
+              <a:rPr lang="fr-FR" dirty="0" smtClean="0"/>
+              <a:t>Groupe </a:t>
+            </a:r>
+            <a:r>
+              <a:rPr lang="fr-FR" dirty="0" err="1" smtClean="0"/>
+              <a:t>Core</a:t>
+            </a:r>
+            <a:endParaRPr lang="fr-FR" dirty="0"/>
+          </a:p>
+        </p:txBody>
+      </p:sp>
+      <p:sp>
+        <p:nvSpPr>
+          <p:cNvPr id="3" name="Content Placeholder 2"/>
+          <p:cNvSpPr>
+            <a:spLocks noGrp="1"/>
+          </p:cNvSpPr>
+          <p:nvPr>
+            <p:ph idx="1"/>
+          </p:nvPr>
+        </p:nvSpPr>
+        <p:spPr/>
+        <p:txBody>
+          <a:bodyPr>
+            <a:normAutofit fontScale="92500" lnSpcReduction="10000"/>
           </a:bodyPr>
           <a:lstStyle/>
           <a:p>
-            <a:pPr marL="0" marR="0" lvl="0" indent="0" algn="ctr" defTabSz="914400" rtl="0" eaLnBrk="1" fontAlgn="auto" latinLnBrk="0" hangingPunct="1">
-              <a:lnSpc>
-                <a:spcPct val="100000"/>
-              </a:lnSpc>
-              <a:spcBef>
-                <a:spcPct val="0"/>
-              </a:spcBef>
-              <a:spcAft>
-                <a:spcPts val="0"/>
-              </a:spcAft>
-              <a:buClrTx/>
-              <a:buSzTx/>
-              <a:buFontTx/>
+            <a:pPr>
               <a:buNone/>
-              <a:tabLst/>
-              <a:defRPr/>
             </a:pPr>
             <a:r>
-              <a:rPr kumimoji="0" lang="fr-FR" sz="4400" b="0" i="0" u="none" strike="noStrike" kern="1200" cap="none" spc="0" normalizeH="0" baseline="0" noProof="0" dirty="0" smtClean="0">
-                <a:ln>
-                  <a:noFill/>
-                </a:ln>
-                <a:solidFill>
-                  <a:schemeClr val="tx1"/>
-                </a:solidFill>
-                <a:effectLst/>
-                <a:uLnTx/>
-                <a:uFillTx/>
-                <a:latin typeface="+mj-lt"/>
-                <a:ea typeface="+mj-ea"/>
-                <a:cs typeface="+mj-cs"/>
-              </a:rPr>
-              <a:t>Groupe </a:t>
-            </a:r>
-            <a:r>
-              <a:rPr kumimoji="0" lang="fr-FR" sz="4400" b="0" i="0" u="none" strike="noStrike" kern="1200" cap="none" spc="0" normalizeH="0" baseline="0" noProof="0" dirty="0" err="1" smtClean="0">
-                <a:ln>
-                  <a:noFill/>
-                </a:ln>
-                <a:solidFill>
-                  <a:schemeClr val="tx1"/>
-                </a:solidFill>
-                <a:effectLst/>
-                <a:uLnTx/>
-                <a:uFillTx/>
-                <a:latin typeface="+mj-lt"/>
-                <a:ea typeface="+mj-ea"/>
-                <a:cs typeface="+mj-cs"/>
-              </a:rPr>
-              <a:t>Physics</a:t>
-            </a:r>
-            <a:endParaRPr kumimoji="0" lang="fr-FR" sz="4400" b="0" i="0" u="none" strike="noStrike" kern="1200" cap="none" spc="0" normalizeH="0" baseline="0" noProof="0" dirty="0">
-              <a:ln>
-                <a:noFill/>
-              </a:ln>
-              <a:solidFill>
-                <a:schemeClr val="tx1"/>
-              </a:solidFill>
-              <a:effectLst/>
-              <a:uLnTx/>
-              <a:uFillTx/>
-              <a:latin typeface="+mj-lt"/>
-              <a:ea typeface="+mj-ea"/>
-              <a:cs typeface="+mj-cs"/>
-            </a:endParaRPr>
+              <a:rPr lang="fr-FR" dirty="0" smtClean="0"/>
+              <a:t>Module de vecteur de </a:t>
+            </a:r>
+            <a:r>
+              <a:rPr lang="fr-FR" b="1" dirty="0" smtClean="0"/>
+              <a:t>ℝ</a:t>
+            </a:r>
+            <a:r>
+              <a:rPr lang="fr-FR" dirty="0" smtClean="0"/>
+              <a:t>² utilisé pour représenter toutes les coordonnées et leur appliquer des transformations.</a:t>
+            </a:r>
+          </a:p>
+          <a:p>
+            <a:pPr>
+              <a:buNone/>
+            </a:pPr>
+            <a:endParaRPr lang="fr-FR" dirty="0"/>
+          </a:p>
+          <a:p>
+            <a:pPr>
+              <a:buNone/>
+            </a:pPr>
+            <a:r>
+              <a:rPr lang="fr-FR" dirty="0" smtClean="0"/>
+              <a:t>Ré-implémentation de conteneurs de base :</a:t>
+            </a:r>
+          </a:p>
+          <a:p>
+            <a:r>
+              <a:rPr lang="fr-FR" dirty="0" smtClean="0"/>
+              <a:t>Listes doublement chaînées de </a:t>
+            </a:r>
+            <a:r>
+              <a:rPr lang="fr-FR" dirty="0" err="1" smtClean="0"/>
+              <a:t>void</a:t>
+            </a:r>
+            <a:r>
+              <a:rPr lang="fr-FR" dirty="0" smtClean="0"/>
+              <a:t>*</a:t>
+            </a:r>
+          </a:p>
+          <a:p>
+            <a:r>
+              <a:rPr lang="fr-FR" dirty="0" smtClean="0"/>
+              <a:t>Tableaux dynamiques de </a:t>
+            </a:r>
+            <a:r>
+              <a:rPr lang="fr-FR" dirty="0" err="1" smtClean="0"/>
+              <a:t>void</a:t>
+            </a:r>
+            <a:r>
+              <a:rPr lang="fr-FR" dirty="0" smtClean="0"/>
+              <a:t>*</a:t>
+            </a:r>
+          </a:p>
+          <a:p>
+            <a:pPr>
+              <a:buNone/>
+            </a:pPr>
+            <a:endParaRPr lang="fr-FR" dirty="0" smtClean="0"/>
+          </a:p>
+          <a:p>
+            <a:pPr>
+              <a:buNone/>
+            </a:pPr>
+            <a:r>
+              <a:rPr lang="fr-FR" smtClean="0"/>
+              <a:t>Développé en premier.</a:t>
+            </a:r>
+            <a:endParaRPr lang="fr-FR" dirty="0"/>
           </a:p>
         </p:txBody>
       </p:sp>
@@ -4977,619 +5296,176 @@
           <a:chExt cx="0" cy="0"/>
         </a:xfrm>
       </p:grpSpPr>
-      <p:sp>
-        <p:nvSpPr>
-          <p:cNvPr id="2" name="Title 1"/>
-          <p:cNvSpPr>
-            <a:spLocks noGrp="1"/>
-          </p:cNvSpPr>
-          <p:nvPr>
-            <p:ph type="title"/>
-          </p:nvPr>
-        </p:nvSpPr>
-        <p:spPr/>
-        <p:txBody>
-          <a:bodyPr/>
-          <a:lstStyle/>
-          <a:p>
-            <a:r>
-              <a:rPr lang="fr-FR" dirty="0" smtClean="0"/>
-              <a:t>Groupe </a:t>
-            </a:r>
-            <a:r>
-              <a:rPr lang="fr-FR" dirty="0" err="1" smtClean="0"/>
-              <a:t>Physics</a:t>
-            </a:r>
-            <a:endParaRPr lang="fr-FR" dirty="0"/>
-          </a:p>
-        </p:txBody>
-      </p:sp>
-      <p:sp>
-        <p:nvSpPr>
-          <p:cNvPr id="3" name="Content Placeholder 2"/>
-          <p:cNvSpPr>
-            <a:spLocks noGrp="1"/>
-          </p:cNvSpPr>
-          <p:nvPr>
-            <p:ph idx="1"/>
-          </p:nvPr>
-        </p:nvSpPr>
-        <p:spPr/>
-        <p:txBody>
-          <a:bodyPr/>
-          <a:lstStyle/>
-          <a:p>
-            <a:r>
-              <a:rPr lang="en-US" dirty="0" smtClean="0"/>
-              <a:t>Si</a:t>
-            </a:r>
-            <a:r>
-              <a:rPr lang="fr-FR" dirty="0" err="1" smtClean="0"/>
-              <a:t>mulation</a:t>
-            </a:r>
-            <a:r>
-              <a:rPr lang="fr-FR" dirty="0" smtClean="0"/>
-              <a:t> </a:t>
-            </a:r>
-            <a:r>
-              <a:rPr lang="fr-FR" dirty="0" err="1" smtClean="0"/>
-              <a:t>simpe</a:t>
-            </a:r>
-            <a:r>
-              <a:rPr lang="fr-FR" dirty="0" smtClean="0"/>
-              <a:t> de particules sous contraintes.</a:t>
-            </a:r>
-          </a:p>
-          <a:p>
-            <a:r>
-              <a:rPr lang="fr-FR" dirty="0" smtClean="0"/>
-              <a:t>Intégration de </a:t>
-            </a:r>
-            <a:r>
-              <a:rPr lang="fr-FR" dirty="0" err="1" smtClean="0"/>
-              <a:t>Verlet</a:t>
-            </a:r>
-            <a:r>
-              <a:rPr lang="fr-FR" dirty="0" smtClean="0"/>
-              <a:t> (Vertex)</a:t>
-            </a:r>
-          </a:p>
-          <a:p>
-            <a:pPr>
-              <a:buNone/>
-            </a:pPr>
-            <a:r>
-              <a:rPr lang="fr-FR" dirty="0" smtClean="0"/>
-              <a:t>    </a:t>
-            </a:r>
-            <a:r>
-              <a:rPr lang="fr-FR" sz="3600" dirty="0" err="1" smtClean="0"/>
-              <a:t>P</a:t>
-            </a:r>
-            <a:r>
-              <a:rPr lang="fr-FR" sz="3600" baseline="-25000" dirty="0" err="1" smtClean="0"/>
-              <a:t>n</a:t>
-            </a:r>
-            <a:r>
-              <a:rPr lang="fr-FR" sz="3600" dirty="0" smtClean="0"/>
-              <a:t> = </a:t>
-            </a:r>
-            <a:r>
-              <a:rPr lang="fr-FR" sz="3600" dirty="0" err="1" smtClean="0"/>
-              <a:t>P</a:t>
-            </a:r>
-            <a:r>
-              <a:rPr lang="fr-FR" sz="3600" baseline="-25000" dirty="0" err="1" smtClean="0"/>
-              <a:t>n</a:t>
-            </a:r>
-            <a:r>
-              <a:rPr lang="fr-FR" sz="3600" baseline="-25000" dirty="0" smtClean="0"/>
-              <a:t>-1 </a:t>
-            </a:r>
-            <a:r>
-              <a:rPr lang="fr-FR" sz="3600" dirty="0" smtClean="0"/>
-              <a:t>+ (</a:t>
-            </a:r>
-            <a:r>
-              <a:rPr lang="fr-FR" sz="3600" dirty="0" err="1" smtClean="0"/>
-              <a:t>P</a:t>
-            </a:r>
-            <a:r>
-              <a:rPr lang="fr-FR" sz="3600" baseline="-25000" dirty="0" err="1" smtClean="0"/>
-              <a:t>n</a:t>
-            </a:r>
-            <a:r>
-              <a:rPr lang="fr-FR" sz="3600" baseline="-25000" dirty="0" smtClean="0"/>
-              <a:t>-2 </a:t>
-            </a:r>
-            <a:r>
-              <a:rPr lang="fr-FR" sz="3600" dirty="0" smtClean="0"/>
-              <a:t>– </a:t>
-            </a:r>
-            <a:r>
-              <a:rPr lang="fr-FR" sz="3600" dirty="0" err="1" smtClean="0"/>
-              <a:t>P</a:t>
-            </a:r>
-            <a:r>
-              <a:rPr lang="fr-FR" sz="3600" baseline="-25000" dirty="0" err="1" smtClean="0"/>
-              <a:t>n</a:t>
-            </a:r>
-            <a:r>
-              <a:rPr lang="fr-FR" sz="3600" baseline="-25000" dirty="0" smtClean="0"/>
-              <a:t>-1</a:t>
-            </a:r>
-            <a:r>
-              <a:rPr lang="fr-FR" sz="3600" dirty="0" smtClean="0"/>
-              <a:t>)*</a:t>
-            </a:r>
-            <a:r>
-              <a:rPr lang="el-GR" sz="3600" dirty="0" smtClean="0"/>
-              <a:t>Δ</a:t>
-            </a:r>
-            <a:r>
-              <a:rPr lang="fr-FR" sz="3600" dirty="0" smtClean="0"/>
-              <a:t>t + A*</a:t>
-            </a:r>
-            <a:r>
-              <a:rPr lang="el-GR" sz="3600" dirty="0" smtClean="0"/>
-              <a:t>Δ</a:t>
-            </a:r>
-            <a:r>
-              <a:rPr lang="fr-FR" sz="3600" dirty="0" smtClean="0"/>
-              <a:t>t²</a:t>
-            </a:r>
-            <a:endParaRPr lang="fr-FR" dirty="0"/>
-          </a:p>
-        </p:txBody>
-      </p:sp>
-      <p:sp>
-        <p:nvSpPr>
-          <p:cNvPr id="5" name="Flowchart: Connector 4"/>
-          <p:cNvSpPr/>
+      <p:pic>
+        <p:nvPicPr>
+          <p:cNvPr id="6" name="Picture 6" descr="C:\Users\Senryoku\Desktop\Untitled-1.png"/>
+          <p:cNvPicPr>
+            <a:picLocks noChangeAspect="1" noChangeArrowheads="1"/>
+          </p:cNvPicPr>
           <p:nvPr/>
-        </p:nvSpPr>
-        <p:spPr>
+        </p:nvPicPr>
+        <p:blipFill>
+          <a:blip r:embed="rId2" cstate="print"/>
+          <a:srcRect/>
+          <a:stretch>
+            <a:fillRect/>
+          </a:stretch>
+        </p:blipFill>
+        <p:spPr bwMode="auto">
           <a:xfrm>
-            <a:off x="2071670" y="5572140"/>
-            <a:ext cx="214314" cy="214314"/>
-          </a:xfrm>
-          <a:prstGeom prst="flowChartConnector">
-            <a:avLst/>
-          </a:prstGeom>
-          <a:solidFill>
-            <a:srgbClr val="4F81BD">
-              <a:alpha val="40000"/>
-            </a:srgbClr>
-          </a:solidFill>
-          <a:ln>
-            <a:prstDash val="sysDash"/>
-          </a:ln>
-        </p:spPr>
-        <p:style>
-          <a:lnRef idx="2">
-            <a:schemeClr val="accent1">
-              <a:shade val="50000"/>
-            </a:schemeClr>
-          </a:lnRef>
-          <a:fillRef idx="1">
-            <a:schemeClr val="accent1"/>
-          </a:fillRef>
-          <a:effectRef idx="0">
-            <a:schemeClr val="accent1"/>
-          </a:effectRef>
-          <a:fontRef idx="minor">
-            <a:schemeClr val="lt1"/>
-          </a:fontRef>
-        </p:style>
-        <p:txBody>
-          <a:bodyPr rtlCol="0" anchor="ctr"/>
-          <a:lstStyle/>
-          <a:p>
-            <a:pPr algn="ctr"/>
-            <a:endParaRPr lang="fr-FR"/>
-          </a:p>
-        </p:txBody>
-      </p:sp>
-      <p:sp>
-        <p:nvSpPr>
-          <p:cNvPr id="8" name="Flowchart: Connector 7"/>
-          <p:cNvSpPr/>
-          <p:nvPr/>
-        </p:nvSpPr>
-        <p:spPr>
-          <a:xfrm>
-            <a:off x="3643306" y="4714884"/>
-            <a:ext cx="214314" cy="214314"/>
-          </a:xfrm>
-          <a:prstGeom prst="flowChartConnector">
-            <a:avLst/>
-          </a:prstGeom>
-          <a:solidFill>
-            <a:srgbClr val="4F81BD">
-              <a:alpha val="69804"/>
-            </a:srgbClr>
-          </a:solidFill>
-          <a:ln>
-            <a:prstDash val="dash"/>
-          </a:ln>
-        </p:spPr>
-        <p:style>
-          <a:lnRef idx="2">
-            <a:schemeClr val="accent1">
-              <a:shade val="50000"/>
-            </a:schemeClr>
-          </a:lnRef>
-          <a:fillRef idx="1">
-            <a:schemeClr val="accent1"/>
-          </a:fillRef>
-          <a:effectRef idx="0">
-            <a:schemeClr val="accent1"/>
-          </a:effectRef>
-          <a:fontRef idx="minor">
-            <a:schemeClr val="lt1"/>
-          </a:fontRef>
-        </p:style>
-        <p:txBody>
-          <a:bodyPr rtlCol="0" anchor="ctr"/>
-          <a:lstStyle/>
-          <a:p>
-            <a:pPr algn="ctr"/>
-            <a:endParaRPr lang="fr-FR"/>
-          </a:p>
-        </p:txBody>
-      </p:sp>
-      <p:sp>
-        <p:nvSpPr>
-          <p:cNvPr id="9" name="Flowchart: Connector 8"/>
-          <p:cNvSpPr/>
-          <p:nvPr/>
-        </p:nvSpPr>
-        <p:spPr>
-          <a:xfrm>
-            <a:off x="5143504" y="4929198"/>
-            <a:ext cx="214314" cy="214314"/>
-          </a:xfrm>
-          <a:prstGeom prst="flowChartConnector">
-            <a:avLst/>
-          </a:prstGeom>
-        </p:spPr>
-        <p:style>
-          <a:lnRef idx="2">
-            <a:schemeClr val="accent1">
-              <a:shade val="50000"/>
-            </a:schemeClr>
-          </a:lnRef>
-          <a:fillRef idx="1">
-            <a:schemeClr val="accent1"/>
-          </a:fillRef>
-          <a:effectRef idx="0">
-            <a:schemeClr val="accent1"/>
-          </a:effectRef>
-          <a:fontRef idx="minor">
-            <a:schemeClr val="lt1"/>
-          </a:fontRef>
-        </p:style>
-        <p:txBody>
-          <a:bodyPr rtlCol="0" anchor="ctr"/>
-          <a:lstStyle/>
-          <a:p>
-            <a:pPr algn="ctr"/>
-            <a:endParaRPr lang="fr-FR"/>
-          </a:p>
-        </p:txBody>
-      </p:sp>
-      <p:cxnSp>
-        <p:nvCxnSpPr>
-          <p:cNvPr id="11" name="Straight Arrow Connector 10"/>
-          <p:cNvCxnSpPr>
-            <a:stCxn id="5" idx="7"/>
-            <a:endCxn id="8" idx="3"/>
-          </p:cNvCxnSpPr>
-          <p:nvPr/>
-        </p:nvCxnSpPr>
-        <p:spPr>
-          <a:xfrm flipV="1">
-            <a:off x="2254598" y="4897812"/>
-            <a:ext cx="1420094" cy="705714"/>
-          </a:xfrm>
-          <a:prstGeom prst="straightConnector1">
-            <a:avLst/>
-          </a:prstGeom>
-          <a:ln w="19050">
-            <a:solidFill>
-              <a:schemeClr val="accent6"/>
-            </a:solidFill>
-            <a:tailEnd type="arrow"/>
-          </a:ln>
-        </p:spPr>
-        <p:style>
-          <a:lnRef idx="1">
-            <a:schemeClr val="accent1"/>
-          </a:lnRef>
-          <a:fillRef idx="0">
-            <a:schemeClr val="accent1"/>
-          </a:fillRef>
-          <a:effectRef idx="0">
-            <a:schemeClr val="accent1"/>
-          </a:effectRef>
-          <a:fontRef idx="minor">
-            <a:schemeClr val="tx1"/>
-          </a:fontRef>
-        </p:style>
-      </p:cxnSp>
-      <p:cxnSp>
-        <p:nvCxnSpPr>
-          <p:cNvPr id="15" name="Straight Arrow Connector 14"/>
-          <p:cNvCxnSpPr>
-            <a:stCxn id="8" idx="6"/>
-          </p:cNvCxnSpPr>
-          <p:nvPr/>
-        </p:nvCxnSpPr>
-        <p:spPr>
-          <a:xfrm flipV="1">
-            <a:off x="3857620" y="4143380"/>
-            <a:ext cx="1348656" cy="678661"/>
-          </a:xfrm>
-          <a:prstGeom prst="straightConnector1">
-            <a:avLst/>
-          </a:prstGeom>
-          <a:ln w="19050">
-            <a:solidFill>
-              <a:schemeClr val="accent6"/>
-            </a:solidFill>
-            <a:tailEnd type="arrow"/>
-          </a:ln>
-        </p:spPr>
-        <p:style>
-          <a:lnRef idx="1">
-            <a:schemeClr val="accent1"/>
-          </a:lnRef>
-          <a:fillRef idx="0">
-            <a:schemeClr val="accent1"/>
-          </a:fillRef>
-          <a:effectRef idx="0">
-            <a:schemeClr val="accent1"/>
-          </a:effectRef>
-          <a:fontRef idx="minor">
-            <a:schemeClr val="tx1"/>
-          </a:fontRef>
-        </p:style>
-      </p:cxnSp>
-      <p:cxnSp>
-        <p:nvCxnSpPr>
-          <p:cNvPr id="17" name="Straight Arrow Connector 16"/>
-          <p:cNvCxnSpPr/>
-          <p:nvPr/>
-        </p:nvCxnSpPr>
-        <p:spPr>
-          <a:xfrm>
-            <a:off x="3786182" y="4929198"/>
-            <a:ext cx="0" cy="785818"/>
-          </a:xfrm>
-          <a:prstGeom prst="straightConnector1">
-            <a:avLst/>
-          </a:prstGeom>
-          <a:ln w="19050">
-            <a:solidFill>
-              <a:schemeClr val="accent2"/>
-            </a:solidFill>
-            <a:tailEnd type="arrow"/>
-          </a:ln>
-        </p:spPr>
-        <p:style>
-          <a:lnRef idx="1">
-            <a:schemeClr val="accent1"/>
-          </a:lnRef>
-          <a:fillRef idx="0">
-            <a:schemeClr val="accent1"/>
-          </a:fillRef>
-          <a:effectRef idx="0">
-            <a:schemeClr val="accent1"/>
-          </a:effectRef>
-          <a:fontRef idx="minor">
-            <a:schemeClr val="tx1"/>
-          </a:fontRef>
-        </p:style>
-      </p:cxnSp>
-      <p:cxnSp>
-        <p:nvCxnSpPr>
-          <p:cNvPr id="23" name="Straight Arrow Connector 22"/>
-          <p:cNvCxnSpPr/>
-          <p:nvPr/>
-        </p:nvCxnSpPr>
-        <p:spPr>
-          <a:xfrm>
-            <a:off x="5214942" y="4143380"/>
-            <a:ext cx="0" cy="785818"/>
-          </a:xfrm>
-          <a:prstGeom prst="straightConnector1">
-            <a:avLst/>
-          </a:prstGeom>
-          <a:ln w="19050">
-            <a:solidFill>
-              <a:schemeClr val="accent2"/>
-            </a:solidFill>
-            <a:tailEnd type="arrow"/>
-          </a:ln>
-        </p:spPr>
-        <p:style>
-          <a:lnRef idx="1">
-            <a:schemeClr val="accent1"/>
-          </a:lnRef>
-          <a:fillRef idx="0">
-            <a:schemeClr val="accent1"/>
-          </a:fillRef>
-          <a:effectRef idx="0">
-            <a:schemeClr val="accent1"/>
-          </a:effectRef>
-          <a:fontRef idx="minor">
-            <a:schemeClr val="tx1"/>
-          </a:fontRef>
-        </p:style>
-      </p:cxnSp>
-      <p:sp>
-        <p:nvSpPr>
-          <p:cNvPr id="24" name="Rectangle 23"/>
-          <p:cNvSpPr/>
-          <p:nvPr/>
-        </p:nvSpPr>
-        <p:spPr>
-          <a:xfrm>
-            <a:off x="1643042" y="5143512"/>
-            <a:ext cx="508473" cy="369332"/>
-          </a:xfrm>
-          <a:prstGeom prst="rect">
-            <a:avLst/>
-          </a:prstGeom>
-        </p:spPr>
-        <p:txBody>
-          <a:bodyPr wrap="none">
-            <a:spAutoFit/>
-          </a:bodyPr>
-          <a:lstStyle/>
-          <a:p>
-            <a:r>
-              <a:rPr lang="fr-FR" dirty="0" err="1" smtClean="0"/>
-              <a:t>P</a:t>
-            </a:r>
-            <a:r>
-              <a:rPr lang="fr-FR" baseline="-25000" dirty="0" err="1" smtClean="0"/>
-              <a:t>n</a:t>
-            </a:r>
-            <a:r>
-              <a:rPr lang="fr-FR" baseline="-25000" dirty="0" smtClean="0"/>
-              <a:t>-2</a:t>
-            </a:r>
-            <a:endParaRPr lang="fr-FR" dirty="0"/>
-          </a:p>
-        </p:txBody>
-      </p:sp>
-      <p:sp>
-        <p:nvSpPr>
-          <p:cNvPr id="25" name="Rectangle 24"/>
-          <p:cNvSpPr/>
-          <p:nvPr/>
-        </p:nvSpPr>
-        <p:spPr>
-          <a:xfrm>
-            <a:off x="3286116" y="4286256"/>
-            <a:ext cx="508473" cy="369332"/>
-          </a:xfrm>
-          <a:prstGeom prst="rect">
-            <a:avLst/>
-          </a:prstGeom>
-        </p:spPr>
-        <p:txBody>
-          <a:bodyPr wrap="none">
-            <a:spAutoFit/>
-          </a:bodyPr>
-          <a:lstStyle/>
-          <a:p>
-            <a:r>
-              <a:rPr lang="fr-FR" dirty="0" err="1" smtClean="0"/>
-              <a:t>P</a:t>
-            </a:r>
-            <a:r>
-              <a:rPr lang="fr-FR" baseline="-25000" dirty="0" err="1" smtClean="0"/>
-              <a:t>n</a:t>
-            </a:r>
-            <a:r>
-              <a:rPr lang="fr-FR" baseline="-25000" dirty="0" smtClean="0"/>
-              <a:t>-1</a:t>
-            </a:r>
-            <a:endParaRPr lang="fr-FR" dirty="0"/>
-          </a:p>
-        </p:txBody>
-      </p:sp>
-      <p:sp>
-        <p:nvSpPr>
-          <p:cNvPr id="26" name="Rectangle 25"/>
-          <p:cNvSpPr/>
-          <p:nvPr/>
-        </p:nvSpPr>
-        <p:spPr>
-          <a:xfrm>
-            <a:off x="5429256" y="4857760"/>
-            <a:ext cx="383438" cy="369332"/>
-          </a:xfrm>
-          <a:prstGeom prst="rect">
-            <a:avLst/>
-          </a:prstGeom>
-        </p:spPr>
-        <p:txBody>
-          <a:bodyPr wrap="none">
-            <a:spAutoFit/>
-          </a:bodyPr>
-          <a:lstStyle/>
-          <a:p>
-            <a:r>
-              <a:rPr lang="fr-FR" dirty="0" err="1" smtClean="0"/>
-              <a:t>P</a:t>
-            </a:r>
-            <a:r>
-              <a:rPr lang="fr-FR" baseline="-25000" dirty="0" err="1" smtClean="0"/>
-              <a:t>n</a:t>
-            </a:r>
-            <a:endParaRPr lang="fr-FR" dirty="0"/>
-          </a:p>
-        </p:txBody>
-      </p:sp>
-      <p:sp>
-        <p:nvSpPr>
-          <p:cNvPr id="27" name="Rectangle 26"/>
-          <p:cNvSpPr/>
-          <p:nvPr/>
-        </p:nvSpPr>
-        <p:spPr>
-          <a:xfrm>
-            <a:off x="3786182" y="5214950"/>
-            <a:ext cx="1354410" cy="369332"/>
-          </a:xfrm>
-          <a:prstGeom prst="rect">
-            <a:avLst/>
-          </a:prstGeom>
-        </p:spPr>
-        <p:txBody>
-          <a:bodyPr wrap="none">
-            <a:spAutoFit/>
-          </a:bodyPr>
-          <a:lstStyle/>
-          <a:p>
-            <a:r>
-              <a:rPr lang="fr-FR" dirty="0" smtClean="0"/>
-              <a:t>Accélération</a:t>
-            </a:r>
-            <a:endParaRPr lang="fr-FR" dirty="0"/>
-          </a:p>
-        </p:txBody>
-      </p:sp>
-      <p:sp>
-        <p:nvSpPr>
-          <p:cNvPr id="28" name="TextBox 27"/>
-          <p:cNvSpPr txBox="1"/>
-          <p:nvPr/>
-        </p:nvSpPr>
-        <p:spPr>
-          <a:xfrm rot="20079736">
-            <a:off x="2538257" y="4951256"/>
-            <a:ext cx="853823" cy="369332"/>
+            <a:off x="0" y="0"/>
+            <a:ext cx="10039350" cy="1533525"/>
           </a:xfrm>
           <a:prstGeom prst="rect">
             <a:avLst/>
           </a:prstGeom>
           <a:noFill/>
         </p:spPr>
-        <p:txBody>
-          <a:bodyPr wrap="none" rtlCol="0">
-            <a:spAutoFit/>
+      </p:pic>
+      <p:sp>
+        <p:nvSpPr>
+          <p:cNvPr id="3" name="Content Placeholder 2"/>
+          <p:cNvSpPr>
+            <a:spLocks noGrp="1"/>
+          </p:cNvSpPr>
+          <p:nvPr>
+            <p:ph idx="1"/>
+          </p:nvPr>
+        </p:nvSpPr>
+        <p:spPr/>
+        <p:txBody>
+          <a:bodyPr/>
+          <a:lstStyle/>
+          <a:p>
+            <a:endParaRPr lang="fr-FR"/>
+          </a:p>
+        </p:txBody>
+      </p:sp>
+      <p:pic>
+        <p:nvPicPr>
+          <p:cNvPr id="2050" name="Picture 2" descr="F:\jump-n-run\Physics.png"/>
+          <p:cNvPicPr>
+            <a:picLocks noChangeAspect="1" noChangeArrowheads="1"/>
+          </p:cNvPicPr>
+          <p:nvPr/>
+        </p:nvPicPr>
+        <p:blipFill>
+          <a:blip r:embed="rId3" cstate="print">
+            <a:clrChange>
+              <a:clrFrom>
+                <a:srgbClr val="FFFFFF"/>
+              </a:clrFrom>
+              <a:clrTo>
+                <a:srgbClr val="FFFFFF">
+                  <a:alpha val="0"/>
+                </a:srgbClr>
+              </a:clrTo>
+            </a:clrChange>
+          </a:blip>
+          <a:srcRect/>
+          <a:stretch>
+            <a:fillRect/>
+          </a:stretch>
+        </p:blipFill>
+        <p:spPr bwMode="auto">
+          <a:xfrm>
+            <a:off x="163309" y="1000108"/>
+            <a:ext cx="8980691" cy="5857892"/>
+          </a:xfrm>
+          <a:prstGeom prst="rect">
+            <a:avLst/>
+          </a:prstGeom>
+          <a:noFill/>
+        </p:spPr>
+      </p:pic>
+      <p:sp>
+        <p:nvSpPr>
+          <p:cNvPr id="5" name="Title 1"/>
+          <p:cNvSpPr txBox="1">
+            <a:spLocks/>
+          </p:cNvSpPr>
+          <p:nvPr/>
+        </p:nvSpPr>
+        <p:spPr>
+          <a:xfrm>
+            <a:off x="571472" y="71414"/>
+            <a:ext cx="8229600" cy="1143000"/>
+          </a:xfrm>
+          <a:prstGeom prst="rect">
+            <a:avLst/>
+          </a:prstGeom>
+        </p:spPr>
+        <p:txBody>
+          <a:bodyPr vert="horz" lIns="91440" tIns="45720" rIns="91440" bIns="45720" rtlCol="0" anchor="ctr">
+            <a:normAutofit/>
           </a:bodyPr>
           <a:lstStyle/>
           <a:p>
-            <a:r>
-              <a:rPr lang="fr-FR" dirty="0" smtClean="0"/>
-              <a:t>Vitesse</a:t>
-            </a:r>
-            <a:endParaRPr lang="fr-FR" dirty="0"/>
+            <a:pPr marL="0" marR="0" lvl="0" indent="0" algn="ctr" defTabSz="914400" rtl="0" eaLnBrk="1" fontAlgn="auto" latinLnBrk="0" hangingPunct="1">
+              <a:lnSpc>
+                <a:spcPct val="100000"/>
+              </a:lnSpc>
+              <a:spcBef>
+                <a:spcPct val="0"/>
+              </a:spcBef>
+              <a:spcAft>
+                <a:spcPts val="0"/>
+              </a:spcAft>
+              <a:buClrTx/>
+              <a:buSzTx/>
+              <a:buFontTx/>
+              <a:buNone/>
+              <a:tabLst/>
+              <a:defRPr/>
+            </a:pPr>
+            <a:r>
+              <a:rPr kumimoji="0" lang="fr-FR" sz="4400" b="0" i="0" u="none" strike="noStrike" kern="1200" cap="none" spc="0" normalizeH="0" baseline="0" noProof="0" dirty="0" smtClean="0">
+                <a:ln>
+                  <a:noFill/>
+                </a:ln>
+                <a:solidFill>
+                  <a:schemeClr val="tx1"/>
+                </a:solidFill>
+                <a:effectLst/>
+                <a:uLnTx/>
+                <a:uFillTx/>
+                <a:latin typeface="+mj-lt"/>
+                <a:ea typeface="+mj-ea"/>
+                <a:cs typeface="+mj-cs"/>
+              </a:rPr>
+              <a:t>Groupe </a:t>
+            </a:r>
+            <a:r>
+              <a:rPr kumimoji="0" lang="fr-FR" sz="4400" b="0" i="0" u="none" strike="noStrike" kern="1200" cap="none" spc="0" normalizeH="0" baseline="0" noProof="0" dirty="0" err="1" smtClean="0">
+                <a:ln>
+                  <a:noFill/>
+                </a:ln>
+                <a:solidFill>
+                  <a:schemeClr val="tx1"/>
+                </a:solidFill>
+                <a:effectLst/>
+                <a:uLnTx/>
+                <a:uFillTx/>
+                <a:latin typeface="+mj-lt"/>
+                <a:ea typeface="+mj-ea"/>
+                <a:cs typeface="+mj-cs"/>
+              </a:rPr>
+              <a:t>Physics</a:t>
+            </a:r>
+            <a:endParaRPr kumimoji="0" lang="fr-FR" sz="4400" b="0" i="0" u="none" strike="noStrike" kern="1200" cap="none" spc="0" normalizeH="0" baseline="0" noProof="0" dirty="0">
+              <a:ln>
+                <a:noFill/>
+              </a:ln>
+              <a:solidFill>
+                <a:schemeClr val="tx1"/>
+              </a:solidFill>
+              <a:effectLst/>
+              <a:uLnTx/>
+              <a:uFillTx/>
+              <a:latin typeface="+mj-lt"/>
+              <a:ea typeface="+mj-ea"/>
+              <a:cs typeface="+mj-cs"/>
+            </a:endParaRPr>
           </a:p>
         </p:txBody>
       </p:sp>
@@ -5625,6 +5501,32 @@
           <a:chExt cx="0" cy="0"/>
         </a:xfrm>
       </p:grpSpPr>
+      <p:pic>
+        <p:nvPicPr>
+          <p:cNvPr id="16" name="Picture 6" descr="C:\Users\Senryoku\Desktop\Untitled-1.png"/>
+          <p:cNvPicPr>
+            <a:picLocks noChangeAspect="1" noChangeArrowheads="1"/>
+          </p:cNvPicPr>
+          <p:nvPr/>
+        </p:nvPicPr>
+        <p:blipFill>
+          <a:blip r:embed="rId3" cstate="print"/>
+          <a:srcRect/>
+          <a:stretch>
+            <a:fillRect/>
+          </a:stretch>
+        </p:blipFill>
+        <p:spPr bwMode="auto">
+          <a:xfrm>
+            <a:off x="0" y="0"/>
+            <a:ext cx="10039350" cy="1533525"/>
+          </a:xfrm>
+          <a:prstGeom prst="rect">
+            <a:avLst/>
+          </a:prstGeom>
+          <a:noFill/>
+        </p:spPr>
+      </p:pic>
       <p:sp>
         <p:nvSpPr>
           <p:cNvPr id="2" name="Title 1"/>
@@ -5642,7 +5544,11 @@
           <a:p>
             <a:r>
               <a:rPr lang="fr-FR" dirty="0" smtClean="0"/>
-              <a:t>Contraintes</a:t>
+              <a:t>Groupe </a:t>
+            </a:r>
+            <a:r>
+              <a:rPr lang="fr-FR" dirty="0" err="1" smtClean="0"/>
+              <a:t>Physics</a:t>
             </a:r>
             <a:endParaRPr lang="fr-FR" dirty="0"/>
           </a:p>
@@ -5663,135 +5569,577 @@
           <a:bodyPr/>
           <a:lstStyle/>
           <a:p>
+            <a:r>
+              <a:rPr lang="en-US" dirty="0" smtClean="0"/>
+              <a:t>Si</a:t>
+            </a:r>
+            <a:r>
+              <a:rPr lang="fr-FR" dirty="0" err="1" smtClean="0"/>
+              <a:t>mulation</a:t>
+            </a:r>
+            <a:r>
+              <a:rPr lang="fr-FR" dirty="0" smtClean="0"/>
+              <a:t> </a:t>
+            </a:r>
+            <a:r>
+              <a:rPr lang="fr-FR" dirty="0" err="1" smtClean="0"/>
+              <a:t>simpe</a:t>
+            </a:r>
+            <a:r>
+              <a:rPr lang="fr-FR" dirty="0" smtClean="0"/>
+              <a:t> de particules sous contraintes.</a:t>
+            </a:r>
+          </a:p>
+          <a:p>
+            <a:r>
+              <a:rPr lang="fr-FR" dirty="0" smtClean="0"/>
+              <a:t>Intégration de </a:t>
+            </a:r>
+            <a:r>
+              <a:rPr lang="fr-FR" dirty="0" err="1" smtClean="0"/>
+              <a:t>Verlet</a:t>
+            </a:r>
+            <a:r>
+              <a:rPr lang="fr-FR" dirty="0" smtClean="0"/>
+              <a:t> (Vertex)</a:t>
+            </a:r>
+          </a:p>
+          <a:p>
             <a:pPr>
               <a:buNone/>
             </a:pPr>
             <a:r>
               <a:rPr lang="fr-FR" dirty="0" smtClean="0"/>
-              <a:t>Contraintes de longueur entre deux </a:t>
-            </a:r>
-            <a:r>
-              <a:rPr lang="fr-FR" dirty="0" err="1" smtClean="0"/>
-              <a:t>Vertices</a:t>
-            </a:r>
-            <a:r>
-              <a:rPr lang="fr-FR" dirty="0" smtClean="0"/>
-              <a:t> (Création de Soft bodies)</a:t>
-            </a:r>
-          </a:p>
-          <a:p>
-            <a:pPr>
-              <a:buNone/>
-            </a:pPr>
-            <a:r>
-              <a:rPr lang="fr-FR" dirty="0" smtClean="0"/>
-              <a:t>« </a:t>
-            </a:r>
-            <a:r>
-              <a:rPr lang="fr-FR" dirty="0" err="1" smtClean="0"/>
-              <a:t>Rigid</a:t>
-            </a:r>
-            <a:r>
-              <a:rPr lang="fr-FR" dirty="0" smtClean="0"/>
-              <a:t>  » : Modification immédiate des positions</a:t>
-            </a:r>
-          </a:p>
-          <a:p>
-            <a:pPr>
-              <a:buNone/>
-            </a:pPr>
-            <a:r>
-              <a:rPr lang="fr-FR" dirty="0" smtClean="0"/>
-              <a:t>« </a:t>
-            </a:r>
-            <a:r>
-              <a:rPr lang="fr-FR" dirty="0" err="1" smtClean="0"/>
-              <a:t>Elastic</a:t>
-            </a:r>
-            <a:r>
-              <a:rPr lang="fr-FR" dirty="0" smtClean="0"/>
-              <a:t> » : Oscillation autour du point d’équilibre, loi de Hooke.</a:t>
-            </a:r>
-          </a:p>
-          <a:p>
-            <a:pPr>
-              <a:buNone/>
-            </a:pPr>
-            <a:r>
-              <a:rPr lang="fr-FR" dirty="0" smtClean="0"/>
-              <a:t>	 </a:t>
-            </a:r>
-            <a:r>
-              <a:rPr lang="fr-FR" sz="4000" dirty="0" smtClean="0"/>
-              <a:t>F = k*(l – l</a:t>
-            </a:r>
-            <a:r>
-              <a:rPr lang="fr-FR" sz="4000" baseline="-25000" dirty="0" smtClean="0"/>
-              <a:t>0</a:t>
-            </a:r>
-            <a:r>
-              <a:rPr lang="fr-FR" sz="4000" dirty="0" smtClean="0"/>
-              <a:t>)</a:t>
-            </a:r>
-          </a:p>
-          <a:p>
-            <a:pPr>
-              <a:buNone/>
-            </a:pPr>
-            <a:r>
-              <a:rPr lang="fr-FR" dirty="0" smtClean="0"/>
-              <a:t>Résolution itérative.</a:t>
-            </a:r>
-            <a:endParaRPr lang="fr-FR" sz="4000" dirty="0" smtClean="0"/>
-          </a:p>
-        </p:txBody>
-      </p:sp>
-      <p:sp>
-        <p:nvSpPr>
-          <p:cNvPr id="4" name="Rectangle 3"/>
+              <a:t>    </a:t>
+            </a:r>
+            <a:r>
+              <a:rPr lang="fr-FR" sz="3600" dirty="0" err="1" smtClean="0"/>
+              <a:t>P</a:t>
+            </a:r>
+            <a:r>
+              <a:rPr lang="fr-FR" sz="3600" baseline="-25000" dirty="0" err="1" smtClean="0"/>
+              <a:t>n</a:t>
+            </a:r>
+            <a:r>
+              <a:rPr lang="fr-FR" sz="3600" dirty="0" smtClean="0"/>
+              <a:t> = </a:t>
+            </a:r>
+            <a:r>
+              <a:rPr lang="fr-FR" sz="3600" dirty="0" err="1" smtClean="0"/>
+              <a:t>P</a:t>
+            </a:r>
+            <a:r>
+              <a:rPr lang="fr-FR" sz="3600" baseline="-25000" dirty="0" err="1" smtClean="0"/>
+              <a:t>n</a:t>
+            </a:r>
+            <a:r>
+              <a:rPr lang="fr-FR" sz="3600" baseline="-25000" dirty="0" smtClean="0"/>
+              <a:t>-1 </a:t>
+            </a:r>
+            <a:r>
+              <a:rPr lang="fr-FR" sz="3600" dirty="0" smtClean="0"/>
+              <a:t>+ (</a:t>
+            </a:r>
+            <a:r>
+              <a:rPr lang="fr-FR" sz="3600" dirty="0" err="1" smtClean="0"/>
+              <a:t>P</a:t>
+            </a:r>
+            <a:r>
+              <a:rPr lang="fr-FR" sz="3600" baseline="-25000" dirty="0" err="1" smtClean="0"/>
+              <a:t>n</a:t>
+            </a:r>
+            <a:r>
+              <a:rPr lang="fr-FR" sz="3600" baseline="-25000" dirty="0" smtClean="0"/>
+              <a:t>-2 </a:t>
+            </a:r>
+            <a:r>
+              <a:rPr lang="fr-FR" sz="3600" dirty="0" smtClean="0"/>
+              <a:t>– </a:t>
+            </a:r>
+            <a:r>
+              <a:rPr lang="fr-FR" sz="3600" dirty="0" err="1" smtClean="0"/>
+              <a:t>P</a:t>
+            </a:r>
+            <a:r>
+              <a:rPr lang="fr-FR" sz="3600" baseline="-25000" dirty="0" err="1" smtClean="0"/>
+              <a:t>n</a:t>
+            </a:r>
+            <a:r>
+              <a:rPr lang="fr-FR" sz="3600" baseline="-25000" dirty="0" smtClean="0"/>
+              <a:t>-1</a:t>
+            </a:r>
+            <a:r>
+              <a:rPr lang="fr-FR" sz="3600" dirty="0" smtClean="0"/>
+              <a:t>)*</a:t>
+            </a:r>
+            <a:r>
+              <a:rPr lang="el-GR" sz="3600" dirty="0" smtClean="0"/>
+              <a:t>Δ</a:t>
+            </a:r>
+            <a:r>
+              <a:rPr lang="fr-FR" sz="3600" dirty="0" smtClean="0"/>
+              <a:t>t + A*</a:t>
+            </a:r>
+            <a:r>
+              <a:rPr lang="el-GR" sz="3600" dirty="0" smtClean="0"/>
+              <a:t>Δ</a:t>
+            </a:r>
+            <a:r>
+              <a:rPr lang="fr-FR" sz="3600" dirty="0" smtClean="0"/>
+              <a:t>t²</a:t>
+            </a:r>
+            <a:endParaRPr lang="fr-FR" dirty="0"/>
+          </a:p>
+        </p:txBody>
+      </p:sp>
+      <p:sp>
+        <p:nvSpPr>
+          <p:cNvPr id="5" name="Flowchart: Connector 4"/>
           <p:cNvSpPr/>
           <p:nvPr/>
         </p:nvSpPr>
         <p:spPr>
           <a:xfrm>
-            <a:off x="4000496" y="4286256"/>
-            <a:ext cx="4572000" cy="738664"/>
+            <a:off x="2071670" y="5572140"/>
+            <a:ext cx="214314" cy="214314"/>
+          </a:xfrm>
+          <a:prstGeom prst="flowChartConnector">
+            <a:avLst/>
+          </a:prstGeom>
+          <a:solidFill>
+            <a:srgbClr val="4F81BD">
+              <a:alpha val="40000"/>
+            </a:srgbClr>
+          </a:solidFill>
+          <a:ln>
+            <a:prstDash val="sysDash"/>
+          </a:ln>
+        </p:spPr>
+        <p:style>
+          <a:lnRef idx="2">
+            <a:schemeClr val="accent1">
+              <a:shade val="50000"/>
+            </a:schemeClr>
+          </a:lnRef>
+          <a:fillRef idx="1">
+            <a:schemeClr val="accent1"/>
+          </a:fillRef>
+          <a:effectRef idx="0">
+            <a:schemeClr val="accent1"/>
+          </a:effectRef>
+          <a:fontRef idx="minor">
+            <a:schemeClr val="lt1"/>
+          </a:fontRef>
+        </p:style>
+        <p:txBody>
+          <a:bodyPr rtlCol="0" anchor="ctr"/>
+          <a:lstStyle/>
+          <a:p>
+            <a:pPr algn="ctr"/>
+            <a:endParaRPr lang="fr-FR"/>
+          </a:p>
+        </p:txBody>
+      </p:sp>
+      <p:sp>
+        <p:nvSpPr>
+          <p:cNvPr id="8" name="Flowchart: Connector 7"/>
+          <p:cNvSpPr/>
+          <p:nvPr/>
+        </p:nvSpPr>
+        <p:spPr>
+          <a:xfrm>
+            <a:off x="3643306" y="4714884"/>
+            <a:ext cx="214314" cy="214314"/>
+          </a:xfrm>
+          <a:prstGeom prst="flowChartConnector">
+            <a:avLst/>
+          </a:prstGeom>
+          <a:solidFill>
+            <a:srgbClr val="4F81BD">
+              <a:alpha val="69804"/>
+            </a:srgbClr>
+          </a:solidFill>
+          <a:ln>
+            <a:prstDash val="dash"/>
+          </a:ln>
+        </p:spPr>
+        <p:style>
+          <a:lnRef idx="2">
+            <a:schemeClr val="accent1">
+              <a:shade val="50000"/>
+            </a:schemeClr>
+          </a:lnRef>
+          <a:fillRef idx="1">
+            <a:schemeClr val="accent1"/>
+          </a:fillRef>
+          <a:effectRef idx="0">
+            <a:schemeClr val="accent1"/>
+          </a:effectRef>
+          <a:fontRef idx="minor">
+            <a:schemeClr val="lt1"/>
+          </a:fontRef>
+        </p:style>
+        <p:txBody>
+          <a:bodyPr rtlCol="0" anchor="ctr"/>
+          <a:lstStyle/>
+          <a:p>
+            <a:pPr algn="ctr"/>
+            <a:endParaRPr lang="fr-FR"/>
+          </a:p>
+        </p:txBody>
+      </p:sp>
+      <p:sp>
+        <p:nvSpPr>
+          <p:cNvPr id="9" name="Flowchart: Connector 8"/>
+          <p:cNvSpPr/>
+          <p:nvPr/>
+        </p:nvSpPr>
+        <p:spPr>
+          <a:xfrm>
+            <a:off x="5143504" y="4929198"/>
+            <a:ext cx="214314" cy="214314"/>
+          </a:xfrm>
+          <a:prstGeom prst="flowChartConnector">
+            <a:avLst/>
+          </a:prstGeom>
+        </p:spPr>
+        <p:style>
+          <a:lnRef idx="2">
+            <a:schemeClr val="accent1">
+              <a:shade val="50000"/>
+            </a:schemeClr>
+          </a:lnRef>
+          <a:fillRef idx="1">
+            <a:schemeClr val="accent1"/>
+          </a:fillRef>
+          <a:effectRef idx="0">
+            <a:schemeClr val="accent1"/>
+          </a:effectRef>
+          <a:fontRef idx="minor">
+            <a:schemeClr val="lt1"/>
+          </a:fontRef>
+        </p:style>
+        <p:txBody>
+          <a:bodyPr rtlCol="0" anchor="ctr"/>
+          <a:lstStyle/>
+          <a:p>
+            <a:pPr algn="ctr"/>
+            <a:endParaRPr lang="fr-FR"/>
+          </a:p>
+        </p:txBody>
+      </p:sp>
+      <p:cxnSp>
+        <p:nvCxnSpPr>
+          <p:cNvPr id="11" name="Straight Arrow Connector 10"/>
+          <p:cNvCxnSpPr>
+            <a:stCxn id="5" idx="7"/>
+            <a:endCxn id="8" idx="3"/>
+          </p:cNvCxnSpPr>
+          <p:nvPr/>
+        </p:nvCxnSpPr>
+        <p:spPr>
+          <a:xfrm flipV="1">
+            <a:off x="2254598" y="4897812"/>
+            <a:ext cx="1420094" cy="705714"/>
+          </a:xfrm>
+          <a:prstGeom prst="straightConnector1">
+            <a:avLst/>
+          </a:prstGeom>
+          <a:ln w="19050">
+            <a:solidFill>
+              <a:schemeClr val="accent6"/>
+            </a:solidFill>
+            <a:tailEnd type="arrow"/>
+          </a:ln>
+        </p:spPr>
+        <p:style>
+          <a:lnRef idx="1">
+            <a:schemeClr val="accent1"/>
+          </a:lnRef>
+          <a:fillRef idx="0">
+            <a:schemeClr val="accent1"/>
+          </a:fillRef>
+          <a:effectRef idx="0">
+            <a:schemeClr val="accent1"/>
+          </a:effectRef>
+          <a:fontRef idx="minor">
+            <a:schemeClr val="tx1"/>
+          </a:fontRef>
+        </p:style>
+      </p:cxnSp>
+      <p:cxnSp>
+        <p:nvCxnSpPr>
+          <p:cNvPr id="15" name="Straight Arrow Connector 14"/>
+          <p:cNvCxnSpPr>
+            <a:stCxn id="8" idx="6"/>
+          </p:cNvCxnSpPr>
+          <p:nvPr/>
+        </p:nvCxnSpPr>
+        <p:spPr>
+          <a:xfrm flipV="1">
+            <a:off x="3857620" y="4143380"/>
+            <a:ext cx="1348656" cy="678661"/>
+          </a:xfrm>
+          <a:prstGeom prst="straightConnector1">
+            <a:avLst/>
+          </a:prstGeom>
+          <a:ln w="19050">
+            <a:solidFill>
+              <a:schemeClr val="accent6"/>
+            </a:solidFill>
+            <a:tailEnd type="arrow"/>
+          </a:ln>
+        </p:spPr>
+        <p:style>
+          <a:lnRef idx="1">
+            <a:schemeClr val="accent1"/>
+          </a:lnRef>
+          <a:fillRef idx="0">
+            <a:schemeClr val="accent1"/>
+          </a:fillRef>
+          <a:effectRef idx="0">
+            <a:schemeClr val="accent1"/>
+          </a:effectRef>
+          <a:fontRef idx="minor">
+            <a:schemeClr val="tx1"/>
+          </a:fontRef>
+        </p:style>
+      </p:cxnSp>
+      <p:cxnSp>
+        <p:nvCxnSpPr>
+          <p:cNvPr id="17" name="Straight Arrow Connector 16"/>
+          <p:cNvCxnSpPr/>
+          <p:nvPr/>
+        </p:nvCxnSpPr>
+        <p:spPr>
+          <a:xfrm>
+            <a:off x="3786182" y="4929198"/>
+            <a:ext cx="0" cy="785818"/>
+          </a:xfrm>
+          <a:prstGeom prst="straightConnector1">
+            <a:avLst/>
+          </a:prstGeom>
+          <a:ln w="19050">
+            <a:solidFill>
+              <a:schemeClr val="accent2"/>
+            </a:solidFill>
+            <a:tailEnd type="arrow"/>
+          </a:ln>
+        </p:spPr>
+        <p:style>
+          <a:lnRef idx="1">
+            <a:schemeClr val="accent1"/>
+          </a:lnRef>
+          <a:fillRef idx="0">
+            <a:schemeClr val="accent1"/>
+          </a:fillRef>
+          <a:effectRef idx="0">
+            <a:schemeClr val="accent1"/>
+          </a:effectRef>
+          <a:fontRef idx="minor">
+            <a:schemeClr val="tx1"/>
+          </a:fontRef>
+        </p:style>
+      </p:cxnSp>
+      <p:cxnSp>
+        <p:nvCxnSpPr>
+          <p:cNvPr id="23" name="Straight Arrow Connector 22"/>
+          <p:cNvCxnSpPr/>
+          <p:nvPr/>
+        </p:nvCxnSpPr>
+        <p:spPr>
+          <a:xfrm>
+            <a:off x="5214942" y="4143380"/>
+            <a:ext cx="0" cy="785818"/>
+          </a:xfrm>
+          <a:prstGeom prst="straightConnector1">
+            <a:avLst/>
+          </a:prstGeom>
+          <a:ln w="19050">
+            <a:solidFill>
+              <a:schemeClr val="accent2"/>
+            </a:solidFill>
+            <a:tailEnd type="arrow"/>
+          </a:ln>
+        </p:spPr>
+        <p:style>
+          <a:lnRef idx="1">
+            <a:schemeClr val="accent1"/>
+          </a:lnRef>
+          <a:fillRef idx="0">
+            <a:schemeClr val="accent1"/>
+          </a:fillRef>
+          <a:effectRef idx="0">
+            <a:schemeClr val="accent1"/>
+          </a:effectRef>
+          <a:fontRef idx="minor">
+            <a:schemeClr val="tx1"/>
+          </a:fontRef>
+        </p:style>
+      </p:cxnSp>
+      <p:sp>
+        <p:nvSpPr>
+          <p:cNvPr id="24" name="Rectangle 23"/>
+          <p:cNvSpPr/>
+          <p:nvPr/>
+        </p:nvSpPr>
+        <p:spPr>
+          <a:xfrm>
+            <a:off x="1643042" y="5143512"/>
+            <a:ext cx="508473" cy="369332"/>
           </a:xfrm>
           <a:prstGeom prst="rect">
             <a:avLst/>
           </a:prstGeom>
         </p:spPr>
         <p:txBody>
-          <a:bodyPr>
+          <a:bodyPr wrap="none">
             <a:spAutoFit/>
           </a:bodyPr>
           <a:lstStyle/>
           <a:p>
             <a:r>
-              <a:rPr lang="fr-FR" sz="1400" dirty="0" smtClean="0"/>
-              <a:t>k 	Constante de ressort</a:t>
-            </a:r>
-          </a:p>
-          <a:p>
-            <a:r>
-              <a:rPr lang="fr-FR" sz="1400" dirty="0" smtClean="0"/>
-              <a:t>l	Longueur du ressort </a:t>
-            </a:r>
-          </a:p>
-          <a:p>
-            <a:r>
-              <a:rPr lang="fr-FR" sz="1400" dirty="0" smtClean="0"/>
-              <a:t>l</a:t>
-            </a:r>
-            <a:r>
-              <a:rPr lang="fr-FR" sz="1400" baseline="-25000" dirty="0" smtClean="0"/>
-              <a:t>0</a:t>
-            </a:r>
-            <a:r>
-              <a:rPr lang="fr-FR" sz="1400" dirty="0" smtClean="0"/>
-              <a:t>	Longueur à l’équilibre</a:t>
-            </a:r>
-            <a:endParaRPr lang="fr-FR" sz="1400" dirty="0"/>
+              <a:rPr lang="fr-FR" dirty="0" err="1" smtClean="0"/>
+              <a:t>P</a:t>
+            </a:r>
+            <a:r>
+              <a:rPr lang="fr-FR" baseline="-25000" dirty="0" err="1" smtClean="0"/>
+              <a:t>n</a:t>
+            </a:r>
+            <a:r>
+              <a:rPr lang="fr-FR" baseline="-25000" dirty="0" smtClean="0"/>
+              <a:t>-2</a:t>
+            </a:r>
+            <a:endParaRPr lang="fr-FR" dirty="0"/>
+          </a:p>
+        </p:txBody>
+      </p:sp>
+      <p:sp>
+        <p:nvSpPr>
+          <p:cNvPr id="25" name="Rectangle 24"/>
+          <p:cNvSpPr/>
+          <p:nvPr/>
+        </p:nvSpPr>
+        <p:spPr>
+          <a:xfrm>
+            <a:off x="3286116" y="4286256"/>
+            <a:ext cx="508473" cy="369332"/>
+          </a:xfrm>
+          <a:prstGeom prst="rect">
+            <a:avLst/>
+          </a:prstGeom>
+        </p:spPr>
+        <p:txBody>
+          <a:bodyPr wrap="none">
+            <a:spAutoFit/>
+          </a:bodyPr>
+          <a:lstStyle/>
+          <a:p>
+            <a:r>
+              <a:rPr lang="fr-FR" dirty="0" err="1" smtClean="0"/>
+              <a:t>P</a:t>
+            </a:r>
+            <a:r>
+              <a:rPr lang="fr-FR" baseline="-25000" dirty="0" err="1" smtClean="0"/>
+              <a:t>n</a:t>
+            </a:r>
+            <a:r>
+              <a:rPr lang="fr-FR" baseline="-25000" dirty="0" smtClean="0"/>
+              <a:t>-1</a:t>
+            </a:r>
+            <a:endParaRPr lang="fr-FR" dirty="0"/>
+          </a:p>
+        </p:txBody>
+      </p:sp>
+      <p:sp>
+        <p:nvSpPr>
+          <p:cNvPr id="26" name="Rectangle 25"/>
+          <p:cNvSpPr/>
+          <p:nvPr/>
+        </p:nvSpPr>
+        <p:spPr>
+          <a:xfrm>
+            <a:off x="5429256" y="4857760"/>
+            <a:ext cx="383438" cy="369332"/>
+          </a:xfrm>
+          <a:prstGeom prst="rect">
+            <a:avLst/>
+          </a:prstGeom>
+        </p:spPr>
+        <p:txBody>
+          <a:bodyPr wrap="none">
+            <a:spAutoFit/>
+          </a:bodyPr>
+          <a:lstStyle/>
+          <a:p>
+            <a:r>
+              <a:rPr lang="fr-FR" dirty="0" err="1" smtClean="0"/>
+              <a:t>P</a:t>
+            </a:r>
+            <a:r>
+              <a:rPr lang="fr-FR" baseline="-25000" dirty="0" err="1" smtClean="0"/>
+              <a:t>n</a:t>
+            </a:r>
+            <a:endParaRPr lang="fr-FR" dirty="0"/>
+          </a:p>
+        </p:txBody>
+      </p:sp>
+      <p:sp>
+        <p:nvSpPr>
+          <p:cNvPr id="27" name="Rectangle 26"/>
+          <p:cNvSpPr/>
+          <p:nvPr/>
+        </p:nvSpPr>
+        <p:spPr>
+          <a:xfrm>
+            <a:off x="3786182" y="5214950"/>
+            <a:ext cx="1354410" cy="369332"/>
+          </a:xfrm>
+          <a:prstGeom prst="rect">
+            <a:avLst/>
+          </a:prstGeom>
+        </p:spPr>
+        <p:txBody>
+          <a:bodyPr wrap="none">
+            <a:spAutoFit/>
+          </a:bodyPr>
+          <a:lstStyle/>
+          <a:p>
+            <a:r>
+              <a:rPr lang="fr-FR" dirty="0" smtClean="0"/>
+              <a:t>Accélération</a:t>
+            </a:r>
+            <a:endParaRPr lang="fr-FR" dirty="0"/>
+          </a:p>
+        </p:txBody>
+      </p:sp>
+      <p:sp>
+        <p:nvSpPr>
+          <p:cNvPr id="28" name="TextBox 27"/>
+          <p:cNvSpPr txBox="1"/>
+          <p:nvPr/>
+        </p:nvSpPr>
+        <p:spPr>
+          <a:xfrm rot="20079736">
+            <a:off x="2538257" y="4951256"/>
+            <a:ext cx="853823" cy="369332"/>
+          </a:xfrm>
+          <a:prstGeom prst="rect">
+            <a:avLst/>
+          </a:prstGeom>
+          <a:noFill/>
+        </p:spPr>
+        <p:txBody>
+          <a:bodyPr wrap="none" rtlCol="0">
+            <a:spAutoFit/>
+          </a:bodyPr>
+          <a:lstStyle/>
+          <a:p>
+            <a:r>
+              <a:rPr lang="fr-FR" dirty="0" smtClean="0"/>
+              <a:t>Vitesse</a:t>
+            </a:r>
+            <a:endParaRPr lang="fr-FR" dirty="0"/>
           </a:p>
         </p:txBody>
       </p:sp>
@@ -5827,6 +6175,260 @@
           <a:chExt cx="0" cy="0"/>
         </a:xfrm>
       </p:grpSpPr>
+      <p:pic>
+        <p:nvPicPr>
+          <p:cNvPr id="5" name="Picture 6" descr="C:\Users\Senryoku\Desktop\Untitled-1.png"/>
+          <p:cNvPicPr>
+            <a:picLocks noChangeAspect="1" noChangeArrowheads="1"/>
+          </p:cNvPicPr>
+          <p:nvPr/>
+        </p:nvPicPr>
+        <p:blipFill>
+          <a:blip r:embed="rId3" cstate="print"/>
+          <a:srcRect/>
+          <a:stretch>
+            <a:fillRect/>
+          </a:stretch>
+        </p:blipFill>
+        <p:spPr bwMode="auto">
+          <a:xfrm>
+            <a:off x="0" y="0"/>
+            <a:ext cx="10039350" cy="1533525"/>
+          </a:xfrm>
+          <a:prstGeom prst="rect">
+            <a:avLst/>
+          </a:prstGeom>
+          <a:noFill/>
+        </p:spPr>
+      </p:pic>
+      <p:sp>
+        <p:nvSpPr>
+          <p:cNvPr id="2" name="Title 1"/>
+          <p:cNvSpPr>
+            <a:spLocks noGrp="1"/>
+          </p:cNvSpPr>
+          <p:nvPr>
+            <p:ph type="title"/>
+          </p:nvPr>
+        </p:nvSpPr>
+        <p:spPr/>
+        <p:txBody>
+          <a:bodyPr/>
+          <a:lstStyle/>
+          <a:p>
+            <a:r>
+              <a:rPr lang="fr-FR" dirty="0" smtClean="0"/>
+              <a:t>Contraintes</a:t>
+            </a:r>
+            <a:endParaRPr lang="fr-FR" dirty="0"/>
+          </a:p>
+        </p:txBody>
+      </p:sp>
+      <p:sp>
+        <p:nvSpPr>
+          <p:cNvPr id="3" name="Content Placeholder 2"/>
+          <p:cNvSpPr>
+            <a:spLocks noGrp="1"/>
+          </p:cNvSpPr>
+          <p:nvPr>
+            <p:ph idx="1"/>
+          </p:nvPr>
+        </p:nvSpPr>
+        <p:spPr/>
+        <p:txBody>
+          <a:bodyPr/>
+          <a:lstStyle/>
+          <a:p>
+            <a:pPr>
+              <a:buNone/>
+            </a:pPr>
+            <a:r>
+              <a:rPr lang="fr-FR" dirty="0" smtClean="0"/>
+              <a:t>Contraintes de longueur entre deux </a:t>
+            </a:r>
+            <a:r>
+              <a:rPr lang="fr-FR" dirty="0" err="1" smtClean="0"/>
+              <a:t>Vertices</a:t>
+            </a:r>
+            <a:r>
+              <a:rPr lang="fr-FR" dirty="0" smtClean="0"/>
+              <a:t> (Création de Soft bodies)</a:t>
+            </a:r>
+          </a:p>
+          <a:p>
+            <a:pPr>
+              <a:buNone/>
+            </a:pPr>
+            <a:r>
+              <a:rPr lang="fr-FR" dirty="0" smtClean="0"/>
+              <a:t>« </a:t>
+            </a:r>
+            <a:r>
+              <a:rPr lang="fr-FR" dirty="0" err="1" smtClean="0"/>
+              <a:t>Rigid</a:t>
+            </a:r>
+            <a:r>
+              <a:rPr lang="fr-FR" dirty="0" smtClean="0"/>
+              <a:t>  » : Modification immédiate des positions</a:t>
+            </a:r>
+          </a:p>
+          <a:p>
+            <a:pPr>
+              <a:buNone/>
+            </a:pPr>
+            <a:r>
+              <a:rPr lang="fr-FR" dirty="0" smtClean="0"/>
+              <a:t>« </a:t>
+            </a:r>
+            <a:r>
+              <a:rPr lang="fr-FR" dirty="0" err="1" smtClean="0"/>
+              <a:t>Elastic</a:t>
+            </a:r>
+            <a:r>
+              <a:rPr lang="fr-FR" dirty="0" smtClean="0"/>
+              <a:t> » : Oscillation autour du point d’équilibre, loi de Hooke.</a:t>
+            </a:r>
+          </a:p>
+          <a:p>
+            <a:pPr>
+              <a:buNone/>
+            </a:pPr>
+            <a:r>
+              <a:rPr lang="fr-FR" dirty="0" smtClean="0"/>
+              <a:t>	 </a:t>
+            </a:r>
+            <a:r>
+              <a:rPr lang="fr-FR" sz="4000" dirty="0" smtClean="0"/>
+              <a:t>F = k*(l – l</a:t>
+            </a:r>
+            <a:r>
+              <a:rPr lang="fr-FR" sz="4000" baseline="-25000" dirty="0" smtClean="0"/>
+              <a:t>0</a:t>
+            </a:r>
+            <a:r>
+              <a:rPr lang="fr-FR" sz="4000" dirty="0" smtClean="0"/>
+              <a:t>)</a:t>
+            </a:r>
+          </a:p>
+          <a:p>
+            <a:pPr>
+              <a:buNone/>
+            </a:pPr>
+            <a:r>
+              <a:rPr lang="fr-FR" dirty="0" smtClean="0"/>
+              <a:t>Résolution itérative.</a:t>
+            </a:r>
+            <a:endParaRPr lang="fr-FR" sz="4000" dirty="0" smtClean="0"/>
+          </a:p>
+        </p:txBody>
+      </p:sp>
+      <p:sp>
+        <p:nvSpPr>
+          <p:cNvPr id="4" name="Rectangle 3"/>
+          <p:cNvSpPr/>
+          <p:nvPr/>
+        </p:nvSpPr>
+        <p:spPr>
+          <a:xfrm>
+            <a:off x="4000496" y="4286256"/>
+            <a:ext cx="4572000" cy="738664"/>
+          </a:xfrm>
+          <a:prstGeom prst="rect">
+            <a:avLst/>
+          </a:prstGeom>
+        </p:spPr>
+        <p:txBody>
+          <a:bodyPr>
+            <a:spAutoFit/>
+          </a:bodyPr>
+          <a:lstStyle/>
+          <a:p>
+            <a:r>
+              <a:rPr lang="fr-FR" sz="1400" dirty="0" smtClean="0"/>
+              <a:t>k 	Constante de ressort</a:t>
+            </a:r>
+          </a:p>
+          <a:p>
+            <a:r>
+              <a:rPr lang="fr-FR" sz="1400" dirty="0" smtClean="0"/>
+              <a:t>l	Longueur du ressort </a:t>
+            </a:r>
+          </a:p>
+          <a:p>
+            <a:r>
+              <a:rPr lang="fr-FR" sz="1400" dirty="0" smtClean="0"/>
+              <a:t>l</a:t>
+            </a:r>
+            <a:r>
+              <a:rPr lang="fr-FR" sz="1400" baseline="-25000" dirty="0" smtClean="0"/>
+              <a:t>0</a:t>
+            </a:r>
+            <a:r>
+              <a:rPr lang="fr-FR" sz="1400" dirty="0" smtClean="0"/>
+              <a:t>	Longueur à l’équilibre</a:t>
+            </a:r>
+            <a:endParaRPr lang="fr-FR" sz="1400" dirty="0"/>
+          </a:p>
+        </p:txBody>
+      </p:sp>
+    </p:spTree>
+  </p:cSld>
+  <p:clrMapOvr>
+    <a:masterClrMapping/>
+  </p:clrMapOvr>
+  <p:timing>
+    <p:tnLst>
+      <p:par>
+        <p:cTn id="1" dur="indefinite" restart="never" nodeType="tmRoot"/>
+      </p:par>
+    </p:tnLst>
+  </p:timing>
+</p:sld>
+</file>
+
+<file path=ppt/slides/slide8.xml><?xml version="1.0" encoding="utf-8"?>
+<p:sld xmlns:a="http://schemas.openxmlformats.org/drawingml/2006/main" xmlns:r="http://schemas.openxmlformats.org/officeDocument/2006/relationships" xmlns:p="http://schemas.openxmlformats.org/presentationml/2006/main">
+  <p:cSld>
+    <p:spTree>
+      <p:nvGrpSpPr>
+        <p:cNvPr id="1" name=""/>
+        <p:cNvGrpSpPr/>
+        <p:nvPr/>
+      </p:nvGrpSpPr>
+      <p:grpSpPr>
+        <a:xfrm>
+          <a:off x="0" y="0"/>
+          <a:ext cx="0" cy="0"/>
+          <a:chOff x="0" y="0"/>
+          <a:chExt cx="0" cy="0"/>
+        </a:xfrm>
+      </p:grpSpPr>
+      <p:pic>
+        <p:nvPicPr>
+          <p:cNvPr id="61" name="Picture 6" descr="C:\Users\Senryoku\Desktop\Untitled-1.png"/>
+          <p:cNvPicPr>
+            <a:picLocks noChangeAspect="1" noChangeArrowheads="1"/>
+          </p:cNvPicPr>
+          <p:nvPr/>
+        </p:nvPicPr>
+        <p:blipFill>
+          <a:blip r:embed="rId3" cstate="print"/>
+          <a:srcRect/>
+          <a:stretch>
+            <a:fillRect/>
+          </a:stretch>
+        </p:blipFill>
+        <p:spPr bwMode="auto">
+          <a:xfrm>
+            <a:off x="0" y="0"/>
+            <a:ext cx="10039350" cy="1533525"/>
+          </a:xfrm>
+          <a:prstGeom prst="rect">
+            <a:avLst/>
+          </a:prstGeom>
+          <a:noFill/>
+        </p:spPr>
+      </p:pic>
       <p:sp>
         <p:nvSpPr>
           <p:cNvPr id="2" name="Title 1"/>
@@ -9628,117 +10230,6 @@
 </p:sld>
 </file>
 
-<file path=ppt/slides/slide8.xml><?xml version="1.0" encoding="utf-8"?>
-<p:sld xmlns:a="http://schemas.openxmlformats.org/drawingml/2006/main" xmlns:r="http://schemas.openxmlformats.org/officeDocument/2006/relationships" xmlns:p="http://schemas.openxmlformats.org/presentationml/2006/main">
-  <p:cSld>
-    <p:spTree>
-      <p:nvGrpSpPr>
-        <p:cNvPr id="1" name=""/>
-        <p:cNvGrpSpPr/>
-        <p:nvPr/>
-      </p:nvGrpSpPr>
-      <p:grpSpPr>
-        <a:xfrm>
-          <a:off x="0" y="0"/>
-          <a:ext cx="0" cy="0"/>
-          <a:chOff x="0" y="0"/>
-          <a:chExt cx="0" cy="0"/>
-        </a:xfrm>
-      </p:grpSpPr>
-      <p:sp>
-        <p:nvSpPr>
-          <p:cNvPr id="2" name="Title 1"/>
-          <p:cNvSpPr>
-            <a:spLocks noGrp="1"/>
-          </p:cNvSpPr>
-          <p:nvPr>
-            <p:ph type="title"/>
-          </p:nvPr>
-        </p:nvSpPr>
-        <p:spPr/>
-        <p:txBody>
-          <a:bodyPr/>
-          <a:lstStyle/>
-          <a:p>
-            <a:r>
-              <a:rPr lang="fr-FR" dirty="0" smtClean="0"/>
-              <a:t>Module World</a:t>
-            </a:r>
-            <a:endParaRPr lang="fr-FR" dirty="0"/>
-          </a:p>
-        </p:txBody>
-      </p:sp>
-      <p:sp>
-        <p:nvSpPr>
-          <p:cNvPr id="3" name="Content Placeholder 2"/>
-          <p:cNvSpPr>
-            <a:spLocks noGrp="1"/>
-          </p:cNvSpPr>
-          <p:nvPr>
-            <p:ph idx="1"/>
-          </p:nvPr>
-        </p:nvSpPr>
-        <p:spPr/>
-        <p:txBody>
-          <a:bodyPr/>
-          <a:lstStyle/>
-          <a:p>
-            <a:pPr>
-              <a:buNone/>
-            </a:pPr>
-            <a:r>
-              <a:rPr lang="fr-FR" dirty="0" smtClean="0"/>
-              <a:t>Contient tout les objets physiques, permet l’itération et les opérations globales.</a:t>
-            </a:r>
-          </a:p>
-          <a:p>
-            <a:pPr>
-              <a:buNone/>
-            </a:pPr>
-            <a:r>
-              <a:rPr lang="fr-FR" dirty="0" smtClean="0"/>
-              <a:t>Impose des limites au </a:t>
-            </a:r>
-            <a:r>
-              <a:rPr lang="fr-FR" dirty="0" err="1" smtClean="0"/>
-              <a:t>Vertices</a:t>
-            </a:r>
-            <a:r>
-              <a:rPr lang="fr-FR" dirty="0" smtClean="0"/>
-              <a:t> (monde fini), gère les intervalles de temps utilisés par la simulation (Précédent et Courant).</a:t>
-            </a:r>
-          </a:p>
-          <a:p>
-            <a:pPr>
-              <a:buNone/>
-            </a:pPr>
-            <a:r>
-              <a:rPr lang="fr-FR" dirty="0" err="1" smtClean="0"/>
-              <a:t>Grid</a:t>
-            </a:r>
-            <a:r>
-              <a:rPr lang="fr-FR" dirty="0" smtClean="0"/>
-              <a:t> : Le monde est subdivisé pour éviter les opérations inutiles, ex : Tests de collision limité aux objets proches.</a:t>
-            </a:r>
-            <a:endParaRPr lang="fr-FR" dirty="0"/>
-          </a:p>
-        </p:txBody>
-      </p:sp>
-    </p:spTree>
-  </p:cSld>
-  <p:clrMapOvr>
-    <a:masterClrMapping/>
-  </p:clrMapOvr>
-  <p:timing>
-    <p:tnLst>
-      <p:par>
-        <p:cTn id="1" dur="indefinite" restart="never" nodeType="tmRoot"/>
-      </p:par>
-    </p:tnLst>
-  </p:timing>
-</p:sld>
-</file>
-
 <file path=ppt/slides/slide9.xml><?xml version="1.0" encoding="utf-8"?>
 <p:sld xmlns:a="http://schemas.openxmlformats.org/drawingml/2006/main" xmlns:r="http://schemas.openxmlformats.org/officeDocument/2006/relationships" xmlns:p="http://schemas.openxmlformats.org/presentationml/2006/main">
   <p:cSld>
@@ -9756,62 +10247,16 @@
           <a:chExt cx="0" cy="0"/>
         </a:xfrm>
       </p:grpSpPr>
-      <p:sp>
-        <p:nvSpPr>
-          <p:cNvPr id="2" name="Title 1"/>
-          <p:cNvSpPr>
-            <a:spLocks noGrp="1"/>
-          </p:cNvSpPr>
-          <p:nvPr>
-            <p:ph type="title"/>
-          </p:nvPr>
-        </p:nvSpPr>
-        <p:spPr/>
-        <p:txBody>
-          <a:bodyPr/>
-          <a:lstStyle/>
-          <a:p>
-            <a:r>
-              <a:rPr lang="fr-FR" dirty="0" smtClean="0"/>
-              <a:t>Groupe </a:t>
-            </a:r>
-            <a:r>
-              <a:rPr lang="fr-FR" smtClean="0"/>
-              <a:t>Level</a:t>
-            </a:r>
-            <a:endParaRPr lang="fr-FR"/>
-          </a:p>
-        </p:txBody>
-      </p:sp>
-      <p:sp>
-        <p:nvSpPr>
-          <p:cNvPr id="3" name="Content Placeholder 2"/>
-          <p:cNvSpPr>
-            <a:spLocks noGrp="1"/>
-          </p:cNvSpPr>
-          <p:nvPr>
-            <p:ph idx="1"/>
-          </p:nvPr>
-        </p:nvSpPr>
-        <p:spPr/>
-        <p:txBody>
-          <a:bodyPr/>
-          <a:lstStyle/>
-          <a:p>
-            <a:endParaRPr lang="fr-FR"/>
-          </a:p>
-        </p:txBody>
-      </p:sp>
       <p:pic>
         <p:nvPicPr>
-          <p:cNvPr id="1026" name="Picture 2" descr="F:\jump-n-run\Level.png"/>
+          <p:cNvPr id="4" name="Picture 6" descr="C:\Users\Senryoku\Desktop\Untitled-1.png"/>
           <p:cNvPicPr>
             <a:picLocks noChangeAspect="1" noChangeArrowheads="1"/>
           </p:cNvPicPr>
           <p:nvPr/>
         </p:nvPicPr>
         <p:blipFill>
-          <a:blip r:embed="rId2" cstate="print"/>
+          <a:blip r:embed="rId3" cstate="print"/>
           <a:srcRect/>
           <a:stretch>
             <a:fillRect/>
@@ -9819,8 +10264,8 @@
         </p:blipFill>
         <p:spPr bwMode="auto">
           <a:xfrm>
-            <a:off x="-32" y="1071546"/>
-            <a:ext cx="9086599" cy="5686958"/>
+            <a:off x="0" y="0"/>
+            <a:ext cx="10039350" cy="1533525"/>
           </a:xfrm>
           <a:prstGeom prst="rect">
             <a:avLst/>
@@ -9828,11 +10273,97 @@
           <a:noFill/>
         </p:spPr>
       </p:pic>
+      <p:sp>
+        <p:nvSpPr>
+          <p:cNvPr id="2" name="Title 1"/>
+          <p:cNvSpPr>
+            <a:spLocks noGrp="1"/>
+          </p:cNvSpPr>
+          <p:nvPr>
+            <p:ph type="title"/>
+          </p:nvPr>
+        </p:nvSpPr>
+        <p:spPr/>
+        <p:txBody>
+          <a:bodyPr/>
+          <a:lstStyle/>
+          <a:p>
+            <a:r>
+              <a:rPr lang="fr-FR" dirty="0" smtClean="0"/>
+              <a:t>Module World</a:t>
+            </a:r>
+            <a:endParaRPr lang="fr-FR" dirty="0"/>
+          </a:p>
+        </p:txBody>
+      </p:sp>
+      <p:sp>
+        <p:nvSpPr>
+          <p:cNvPr id="3" name="Content Placeholder 2"/>
+          <p:cNvSpPr>
+            <a:spLocks noGrp="1"/>
+          </p:cNvSpPr>
+          <p:nvPr>
+            <p:ph idx="1"/>
+          </p:nvPr>
+        </p:nvSpPr>
+        <p:spPr/>
+        <p:txBody>
+          <a:bodyPr/>
+          <a:lstStyle/>
+          <a:p>
+            <a:pPr>
+              <a:buNone/>
+            </a:pPr>
+            <a:r>
+              <a:rPr lang="fr-FR" dirty="0" smtClean="0"/>
+              <a:t>Contient tout les objets physiques, permet l’itération et les opérations globales.</a:t>
+            </a:r>
+          </a:p>
+          <a:p>
+            <a:pPr>
+              <a:buNone/>
+            </a:pPr>
+            <a:r>
+              <a:rPr lang="fr-FR" dirty="0" smtClean="0"/>
+              <a:t>Impose des limites au </a:t>
+            </a:r>
+            <a:r>
+              <a:rPr lang="fr-FR" dirty="0" err="1" smtClean="0"/>
+              <a:t>Vertices</a:t>
+            </a:r>
+            <a:r>
+              <a:rPr lang="fr-FR" dirty="0" smtClean="0"/>
+              <a:t> (monde fini), gère les intervalles de temps utilisés par la simulation (Précédent et Courant).</a:t>
+            </a:r>
+          </a:p>
+          <a:p>
+            <a:pPr>
+              <a:buNone/>
+            </a:pPr>
+            <a:r>
+              <a:rPr lang="fr-FR" dirty="0" err="1" smtClean="0"/>
+              <a:t>Grid</a:t>
+            </a:r>
+            <a:r>
+              <a:rPr lang="fr-FR" dirty="0" smtClean="0"/>
+              <a:t> : Le monde est subdivisé pour éviter les opérations inutiles, ex : Tests de collision limité aux objets proches.</a:t>
+            </a:r>
+            <a:endParaRPr lang="fr-FR" dirty="0"/>
+          </a:p>
+        </p:txBody>
+      </p:sp>
     </p:spTree>
   </p:cSld>
   <p:clrMapOvr>
     <a:masterClrMapping/>
   </p:clrMapOvr>
+  <p:timing>
+    <p:tnLst>
+      <p:par>
+        <p:cTn id="1" dur="indefinite" restart="never" nodeType="tmRoot"/>
+      </p:par>
+    </p:tnLst>
+  </p:timing>
 </p:sld>
 </file>
 

--- a/Soutenance.pptx
+++ b/Soutenance.pptx
@@ -205,7 +205,7 @@
             <a:fld id="{B2CADA2F-E0A4-4180-AF8E-EA371978DE63}" type="datetimeFigureOut">
               <a:rPr lang="fr-FR" smtClean="0"/>
               <a:pPr/>
-              <a:t>04/06/2012</a:t>
+              <a:t>07/06/12</a:t>
             </a:fld>
             <a:endParaRPr lang="fr-FR"/>
           </a:p>
@@ -367,13 +367,18 @@
             <a:fld id="{37DCBF2E-5754-4435-8474-711CD92E5B6C}" type="slidenum">
               <a:rPr lang="fr-FR" smtClean="0"/>
               <a:pPr/>
-              <a:t>‹#›</a:t>
+              <a:t>‹Nr.›</a:t>
             </a:fld>
             <a:endParaRPr lang="fr-FR"/>
           </a:p>
         </p:txBody>
       </p:sp>
     </p:spTree>
+    <p:extLst>
+      <p:ext uri="{BB962C8B-B14F-4D97-AF65-F5344CB8AC3E}">
+        <p14:creationId xmlns:p14="http://schemas.microsoft.com/office/powerpoint/2010/main" val="2617555888"/>
+      </p:ext>
+    </p:extLst>
   </p:cSld>
   <p:clrMap bg1="lt1" tx1="dk1" bg2="lt2" tx2="dk2" accent1="accent1" accent2="accent2" accent3="accent3" accent4="accent4" accent5="accent5" accent6="accent6" hlink="hlink" folHlink="folHlink"/>
   <p:notesStyle>
@@ -1103,7 +1108,7 @@
             <a:fld id="{40266F22-864A-49A7-90AD-C96A70746004}" type="datetimeFigureOut">
               <a:rPr lang="fr-FR" smtClean="0"/>
               <a:pPr/>
-              <a:t>04/06/2012</a:t>
+              <a:t>07/06/12</a:t>
             </a:fld>
             <a:endParaRPr lang="fr-FR"/>
           </a:p>
@@ -1146,7 +1151,7 @@
             <a:fld id="{AFF001F6-B5CA-4F5D-B0C5-CF8918CF2C19}" type="slidenum">
               <a:rPr lang="fr-FR" smtClean="0"/>
               <a:pPr/>
-              <a:t>‹#›</a:t>
+              <a:t>‹Nr.›</a:t>
             </a:fld>
             <a:endParaRPr lang="fr-FR"/>
           </a:p>
@@ -1270,7 +1275,7 @@
             <a:fld id="{40266F22-864A-49A7-90AD-C96A70746004}" type="datetimeFigureOut">
               <a:rPr lang="fr-FR" smtClean="0"/>
               <a:pPr/>
-              <a:t>04/06/2012</a:t>
+              <a:t>07/06/12</a:t>
             </a:fld>
             <a:endParaRPr lang="fr-FR"/>
           </a:p>
@@ -1313,7 +1318,7 @@
             <a:fld id="{AFF001F6-B5CA-4F5D-B0C5-CF8918CF2C19}" type="slidenum">
               <a:rPr lang="fr-FR" smtClean="0"/>
               <a:pPr/>
-              <a:t>‹#›</a:t>
+              <a:t>‹Nr.›</a:t>
             </a:fld>
             <a:endParaRPr lang="fr-FR"/>
           </a:p>
@@ -1447,7 +1452,7 @@
             <a:fld id="{40266F22-864A-49A7-90AD-C96A70746004}" type="datetimeFigureOut">
               <a:rPr lang="fr-FR" smtClean="0"/>
               <a:pPr/>
-              <a:t>04/06/2012</a:t>
+              <a:t>07/06/12</a:t>
             </a:fld>
             <a:endParaRPr lang="fr-FR"/>
           </a:p>
@@ -1490,7 +1495,7 @@
             <a:fld id="{AFF001F6-B5CA-4F5D-B0C5-CF8918CF2C19}" type="slidenum">
               <a:rPr lang="fr-FR" smtClean="0"/>
               <a:pPr/>
-              <a:t>‹#›</a:t>
+              <a:t>‹Nr.›</a:t>
             </a:fld>
             <a:endParaRPr lang="fr-FR"/>
           </a:p>
@@ -1614,7 +1619,7 @@
             <a:fld id="{40266F22-864A-49A7-90AD-C96A70746004}" type="datetimeFigureOut">
               <a:rPr lang="fr-FR" smtClean="0"/>
               <a:pPr/>
-              <a:t>04/06/2012</a:t>
+              <a:t>07/06/12</a:t>
             </a:fld>
             <a:endParaRPr lang="fr-FR"/>
           </a:p>
@@ -1657,7 +1662,7 @@
             <a:fld id="{AFF001F6-B5CA-4F5D-B0C5-CF8918CF2C19}" type="slidenum">
               <a:rPr lang="fr-FR" smtClean="0"/>
               <a:pPr/>
-              <a:t>‹#›</a:t>
+              <a:t>‹Nr.›</a:t>
             </a:fld>
             <a:endParaRPr lang="fr-FR"/>
           </a:p>
@@ -1857,7 +1862,7 @@
             <a:fld id="{40266F22-864A-49A7-90AD-C96A70746004}" type="datetimeFigureOut">
               <a:rPr lang="fr-FR" smtClean="0"/>
               <a:pPr/>
-              <a:t>04/06/2012</a:t>
+              <a:t>07/06/12</a:t>
             </a:fld>
             <a:endParaRPr lang="fr-FR"/>
           </a:p>
@@ -1900,7 +1905,7 @@
             <a:fld id="{AFF001F6-B5CA-4F5D-B0C5-CF8918CF2C19}" type="slidenum">
               <a:rPr lang="fr-FR" smtClean="0"/>
               <a:pPr/>
-              <a:t>‹#›</a:t>
+              <a:t>‹Nr.›</a:t>
             </a:fld>
             <a:endParaRPr lang="fr-FR"/>
           </a:p>
@@ -2142,7 +2147,7 @@
             <a:fld id="{40266F22-864A-49A7-90AD-C96A70746004}" type="datetimeFigureOut">
               <a:rPr lang="fr-FR" smtClean="0"/>
               <a:pPr/>
-              <a:t>04/06/2012</a:t>
+              <a:t>07/06/12</a:t>
             </a:fld>
             <a:endParaRPr lang="fr-FR"/>
           </a:p>
@@ -2185,7 +2190,7 @@
             <a:fld id="{AFF001F6-B5CA-4F5D-B0C5-CF8918CF2C19}" type="slidenum">
               <a:rPr lang="fr-FR" smtClean="0"/>
               <a:pPr/>
-              <a:t>‹#›</a:t>
+              <a:t>‹Nr.›</a:t>
             </a:fld>
             <a:endParaRPr lang="fr-FR"/>
           </a:p>
@@ -2561,7 +2566,7 @@
             <a:fld id="{40266F22-864A-49A7-90AD-C96A70746004}" type="datetimeFigureOut">
               <a:rPr lang="fr-FR" smtClean="0"/>
               <a:pPr/>
-              <a:t>04/06/2012</a:t>
+              <a:t>07/06/12</a:t>
             </a:fld>
             <a:endParaRPr lang="fr-FR"/>
           </a:p>
@@ -2604,7 +2609,7 @@
             <a:fld id="{AFF001F6-B5CA-4F5D-B0C5-CF8918CF2C19}" type="slidenum">
               <a:rPr lang="fr-FR" smtClean="0"/>
               <a:pPr/>
-              <a:t>‹#›</a:t>
+              <a:t>‹Nr.›</a:t>
             </a:fld>
             <a:endParaRPr lang="fr-FR"/>
           </a:p>
@@ -2676,7 +2681,7 @@
             <a:fld id="{40266F22-864A-49A7-90AD-C96A70746004}" type="datetimeFigureOut">
               <a:rPr lang="fr-FR" smtClean="0"/>
               <a:pPr/>
-              <a:t>04/06/2012</a:t>
+              <a:t>07/06/12</a:t>
             </a:fld>
             <a:endParaRPr lang="fr-FR"/>
           </a:p>
@@ -2719,7 +2724,7 @@
             <a:fld id="{AFF001F6-B5CA-4F5D-B0C5-CF8918CF2C19}" type="slidenum">
               <a:rPr lang="fr-FR" smtClean="0"/>
               <a:pPr/>
-              <a:t>‹#›</a:t>
+              <a:t>‹Nr.›</a:t>
             </a:fld>
             <a:endParaRPr lang="fr-FR"/>
           </a:p>
@@ -2768,7 +2773,7 @@
             <a:fld id="{40266F22-864A-49A7-90AD-C96A70746004}" type="datetimeFigureOut">
               <a:rPr lang="fr-FR" smtClean="0"/>
               <a:pPr/>
-              <a:t>04/06/2012</a:t>
+              <a:t>07/06/12</a:t>
             </a:fld>
             <a:endParaRPr lang="fr-FR"/>
           </a:p>
@@ -2811,7 +2816,7 @@
             <a:fld id="{AFF001F6-B5CA-4F5D-B0C5-CF8918CF2C19}" type="slidenum">
               <a:rPr lang="fr-FR" smtClean="0"/>
               <a:pPr/>
-              <a:t>‹#›</a:t>
+              <a:t>‹Nr.›</a:t>
             </a:fld>
             <a:endParaRPr lang="fr-FR"/>
           </a:p>
@@ -3042,7 +3047,7 @@
             <a:fld id="{40266F22-864A-49A7-90AD-C96A70746004}" type="datetimeFigureOut">
               <a:rPr lang="fr-FR" smtClean="0"/>
               <a:pPr/>
-              <a:t>04/06/2012</a:t>
+              <a:t>07/06/12</a:t>
             </a:fld>
             <a:endParaRPr lang="fr-FR"/>
           </a:p>
@@ -3085,7 +3090,7 @@
             <a:fld id="{AFF001F6-B5CA-4F5D-B0C5-CF8918CF2C19}" type="slidenum">
               <a:rPr lang="fr-FR" smtClean="0"/>
               <a:pPr/>
-              <a:t>‹#›</a:t>
+              <a:t>‹Nr.›</a:t>
             </a:fld>
             <a:endParaRPr lang="fr-FR"/>
           </a:p>
@@ -3292,7 +3297,7 @@
             <a:fld id="{40266F22-864A-49A7-90AD-C96A70746004}" type="datetimeFigureOut">
               <a:rPr lang="fr-FR" smtClean="0"/>
               <a:pPr/>
-              <a:t>04/06/2012</a:t>
+              <a:t>07/06/12</a:t>
             </a:fld>
             <a:endParaRPr lang="fr-FR"/>
           </a:p>
@@ -3335,7 +3340,7 @@
             <a:fld id="{AFF001F6-B5CA-4F5D-B0C5-CF8918CF2C19}" type="slidenum">
               <a:rPr lang="fr-FR" smtClean="0"/>
               <a:pPr/>
-              <a:t>‹#›</a:t>
+              <a:t>‹Nr.›</a:t>
             </a:fld>
             <a:endParaRPr lang="fr-FR"/>
           </a:p>
@@ -3502,7 +3507,7 @@
             <a:fld id="{40266F22-864A-49A7-90AD-C96A70746004}" type="datetimeFigureOut">
               <a:rPr lang="fr-FR" smtClean="0"/>
               <a:pPr/>
-              <a:t>04/06/2012</a:t>
+              <a:t>07/06/12</a:t>
             </a:fld>
             <a:endParaRPr lang="fr-FR"/>
           </a:p>
@@ -3581,7 +3586,7 @@
             <a:fld id="{AFF001F6-B5CA-4F5D-B0C5-CF8918CF2C19}" type="slidenum">
               <a:rPr lang="fr-FR" smtClean="0"/>
               <a:pPr/>
-              <a:t>‹#›</a:t>
+              <a:t>‹Nr.›</a:t>
             </a:fld>
             <a:endParaRPr lang="fr-FR"/>
           </a:p>
@@ -3945,6 +3950,13 @@
   <p:clrMapOvr>
     <a:masterClrMapping/>
   </p:clrMapOvr>
+  <p:timing>
+    <p:tnLst>
+      <p:par>
+        <p:cTn xmlns:p14="http://schemas.microsoft.com/office/powerpoint/2010/main" id="1" dur="indefinite" restart="never" nodeType="tmRoot"/>
+      </p:par>
+    </p:tnLst>
+  </p:timing>
 </p:sld>
 </file>
 
@@ -4082,7 +4094,7 @@
   <p:timing>
     <p:tnLst>
       <p:par>
-        <p:cTn id="1" dur="indefinite" restart="never" nodeType="tmRoot"/>
+        <p:cTn xmlns:p14="http://schemas.microsoft.com/office/powerpoint/2010/main" id="1" dur="indefinite" restart="never" nodeType="tmRoot"/>
       </p:par>
     </p:tnLst>
   </p:timing>
@@ -4258,7 +4270,7 @@
   <p:timing>
     <p:tnLst>
       <p:par>
-        <p:cTn id="1" dur="indefinite" restart="never" nodeType="tmRoot"/>
+        <p:cTn xmlns:p14="http://schemas.microsoft.com/office/powerpoint/2010/main" id="1" dur="indefinite" restart="never" nodeType="tmRoot"/>
       </p:par>
     </p:tnLst>
   </p:timing>
@@ -4606,7 +4618,7 @@
   <p:timing>
     <p:tnLst>
       <p:par>
-        <p:cTn id="1" dur="indefinite" restart="never" nodeType="tmRoot"/>
+        <p:cTn xmlns:p14="http://schemas.microsoft.com/office/powerpoint/2010/main" id="1" dur="indefinite" restart="never" nodeType="tmRoot"/>
       </p:par>
     </p:tnLst>
   </p:timing>
@@ -4736,7 +4748,7 @@
   <p:timing>
     <p:tnLst>
       <p:par>
-        <p:cTn id="1" dur="indefinite" restart="never" nodeType="tmRoot"/>
+        <p:cTn xmlns:p14="http://schemas.microsoft.com/office/powerpoint/2010/main" id="1" dur="indefinite" restart="never" nodeType="tmRoot"/>
       </p:par>
     </p:tnLst>
   </p:timing>
@@ -4869,7 +4881,7 @@
   <p:timing>
     <p:tnLst>
       <p:par>
-        <p:cTn id="1" dur="indefinite" restart="never" nodeType="tmRoot"/>
+        <p:cTn xmlns:p14="http://schemas.microsoft.com/office/powerpoint/2010/main" id="1" dur="indefinite" restart="never" nodeType="tmRoot"/>
       </p:par>
     </p:tnLst>
   </p:timing>
@@ -5093,7 +5105,7 @@
   <p:timing>
     <p:tnLst>
       <p:par>
-        <p:cTn id="1" dur="indefinite" restart="never" nodeType="tmRoot"/>
+        <p:cTn xmlns:p14="http://schemas.microsoft.com/office/powerpoint/2010/main" id="1" dur="indefinite" restart="never" nodeType="tmRoot"/>
       </p:par>
     </p:tnLst>
   </p:timing>
@@ -5272,7 +5284,7 @@
   <p:timing>
     <p:tnLst>
       <p:par>
-        <p:cTn id="1" dur="indefinite" restart="never" nodeType="tmRoot"/>
+        <p:cTn xmlns:p14="http://schemas.microsoft.com/office/powerpoint/2010/main" id="1" dur="indefinite" restart="never" nodeType="tmRoot"/>
       </p:par>
     </p:tnLst>
   </p:timing>
@@ -5477,7 +5489,7 @@
   <p:timing>
     <p:tnLst>
       <p:par>
-        <p:cTn id="1" dur="indefinite" restart="never" nodeType="tmRoot"/>
+        <p:cTn xmlns:p14="http://schemas.microsoft.com/office/powerpoint/2010/main" id="1" dur="indefinite" restart="never" nodeType="tmRoot"/>
       </p:par>
     </p:tnLst>
   </p:timing>
@@ -5578,16 +5590,16 @@
               <a:t>mulation</a:t>
             </a:r>
             <a:r>
+              <a:rPr lang="fr-FR" smtClean="0"/>
+              <a:t> </a:t>
+            </a:r>
+            <a:r>
+              <a:rPr lang="fr-FR" smtClean="0"/>
+              <a:t>simple </a:t>
+            </a:r>
+            <a:r>
               <a:rPr lang="fr-FR" dirty="0" smtClean="0"/>
-              <a:t> </a:t>
-            </a:r>
-            <a:r>
-              <a:rPr lang="fr-FR" dirty="0" err="1" smtClean="0"/>
-              <a:t>simpe</a:t>
-            </a:r>
-            <a:r>
-              <a:rPr lang="fr-FR" dirty="0" smtClean="0"/>
-              <a:t> de particules sous contraintes.</a:t>
+              <a:t>de particules sous contraintes.</a:t>
             </a:r>
           </a:p>
           <a:p>
@@ -6151,7 +6163,7 @@
   <p:timing>
     <p:tnLst>
       <p:par>
-        <p:cTn id="1" dur="indefinite" restart="never" nodeType="tmRoot"/>
+        <p:cTn xmlns:p14="http://schemas.microsoft.com/office/powerpoint/2010/main" id="1" dur="indefinite" restart="never" nodeType="tmRoot"/>
       </p:par>
     </p:tnLst>
   </p:timing>
@@ -6379,7 +6391,7 @@
   <p:timing>
     <p:tnLst>
       <p:par>
-        <p:cTn id="1" dur="indefinite" restart="never" nodeType="tmRoot"/>
+        <p:cTn xmlns:p14="http://schemas.microsoft.com/office/powerpoint/2010/main" id="1" dur="indefinite" restart="never" nodeType="tmRoot"/>
       </p:par>
     </p:tnLst>
   </p:timing>
@@ -8577,7 +8589,7 @@
   <p:timing>
     <p:tnLst>
       <p:par>
-        <p:cTn id="1" dur="indefinite" restart="never" nodeType="tmRoot">
+        <p:cTn xmlns:p14="http://schemas.microsoft.com/office/powerpoint/2010/main" id="1" dur="indefinite" restart="never" nodeType="tmRoot">
           <p:childTnLst>
             <p:seq concurrent="1" nextAc="seek">
               <p:cTn id="2" dur="indefinite" nodeType="mainSeq">
@@ -10360,7 +10372,7 @@
   <p:timing>
     <p:tnLst>
       <p:par>
-        <p:cTn id="1" dur="indefinite" restart="never" nodeType="tmRoot"/>
+        <p:cTn xmlns:p14="http://schemas.microsoft.com/office/powerpoint/2010/main" id="1" dur="indefinite" restart="never" nodeType="tmRoot"/>
       </p:par>
     </p:tnLst>
   </p:timing>

--- a/Soutenance.pptx
+++ b/Soutenance.pptx
@@ -5,7 +5,7 @@
     <p:sldMasterId id="2147483648" r:id="rId1"/>
   </p:sldMasterIdLst>
   <p:notesMasterIdLst>
-    <p:notesMasterId r:id="rId15"/>
+    <p:notesMasterId r:id="rId16"/>
   </p:notesMasterIdLst>
   <p:sldIdLst>
     <p:sldId id="268" r:id="rId2"/>
@@ -16,11 +16,12 @@
     <p:sldId id="259" r:id="rId7"/>
     <p:sldId id="260" r:id="rId8"/>
     <p:sldId id="261" r:id="rId9"/>
-    <p:sldId id="262" r:id="rId10"/>
-    <p:sldId id="263" r:id="rId11"/>
-    <p:sldId id="264" r:id="rId12"/>
-    <p:sldId id="265" r:id="rId13"/>
-    <p:sldId id="266" r:id="rId14"/>
+    <p:sldId id="263" r:id="rId10"/>
+    <p:sldId id="262" r:id="rId11"/>
+    <p:sldId id="270" r:id="rId12"/>
+    <p:sldId id="264" r:id="rId13"/>
+    <p:sldId id="265" r:id="rId14"/>
+    <p:sldId id="266" r:id="rId15"/>
   </p:sldIdLst>
   <p:sldSz cx="9144000" cy="6858000" type="screen4x3"/>
   <p:notesSz cx="6858000" cy="9144000"/>
@@ -822,7 +823,7 @@
             <a:fld id="{37DCBF2E-5754-4435-8474-711CD92E5B6C}" type="slidenum">
               <a:rPr lang="fr-FR" smtClean="0"/>
               <a:pPr/>
-              <a:t>9</a:t>
+              <a:t>10</a:t>
             </a:fld>
             <a:endParaRPr lang="fr-FR"/>
           </a:p>
@@ -912,7 +913,7 @@
             <a:fld id="{37DCBF2E-5754-4435-8474-711CD92E5B6C}" type="slidenum">
               <a:rPr lang="fr-FR" smtClean="0"/>
               <a:pPr/>
-              <a:t>12</a:t>
+              <a:t>13</a:t>
             </a:fld>
             <a:endParaRPr lang="fr-FR"/>
           </a:p>
@@ -3979,6 +3980,143 @@
       </p:grpSpPr>
       <p:pic>
         <p:nvPicPr>
+          <p:cNvPr id="4" name="Picture 6" descr="C:\Users\Senryoku\Desktop\Untitled-1.png"/>
+          <p:cNvPicPr>
+            <a:picLocks noChangeAspect="1" noChangeArrowheads="1"/>
+          </p:cNvPicPr>
+          <p:nvPr/>
+        </p:nvPicPr>
+        <p:blipFill>
+          <a:blip r:embed="rId3" cstate="print"/>
+          <a:srcRect/>
+          <a:stretch>
+            <a:fillRect/>
+          </a:stretch>
+        </p:blipFill>
+        <p:spPr bwMode="auto">
+          <a:xfrm>
+            <a:off x="0" y="0"/>
+            <a:ext cx="10039350" cy="1533525"/>
+          </a:xfrm>
+          <a:prstGeom prst="rect">
+            <a:avLst/>
+          </a:prstGeom>
+          <a:noFill/>
+        </p:spPr>
+      </p:pic>
+      <p:sp>
+        <p:nvSpPr>
+          <p:cNvPr id="2" name="Title 1"/>
+          <p:cNvSpPr>
+            <a:spLocks noGrp="1"/>
+          </p:cNvSpPr>
+          <p:nvPr>
+            <p:ph type="title"/>
+          </p:nvPr>
+        </p:nvSpPr>
+        <p:spPr/>
+        <p:txBody>
+          <a:bodyPr/>
+          <a:lstStyle/>
+          <a:p>
+            <a:r>
+              <a:rPr lang="fr-FR" dirty="0" smtClean="0"/>
+              <a:t>Module World</a:t>
+            </a:r>
+            <a:endParaRPr lang="fr-FR" dirty="0"/>
+          </a:p>
+        </p:txBody>
+      </p:sp>
+      <p:sp>
+        <p:nvSpPr>
+          <p:cNvPr id="3" name="Content Placeholder 2"/>
+          <p:cNvSpPr>
+            <a:spLocks noGrp="1"/>
+          </p:cNvSpPr>
+          <p:nvPr>
+            <p:ph idx="1"/>
+          </p:nvPr>
+        </p:nvSpPr>
+        <p:spPr/>
+        <p:txBody>
+          <a:bodyPr/>
+          <a:lstStyle/>
+          <a:p>
+            <a:pPr>
+              <a:buNone/>
+            </a:pPr>
+            <a:r>
+              <a:rPr lang="fr-FR" dirty="0" smtClean="0"/>
+              <a:t>Contient tout les objets physiques, permet l’itération et les opérations globales.</a:t>
+            </a:r>
+          </a:p>
+          <a:p>
+            <a:pPr>
+              <a:buNone/>
+            </a:pPr>
+            <a:r>
+              <a:rPr lang="fr-FR" dirty="0" smtClean="0"/>
+              <a:t>Impose des limites au </a:t>
+            </a:r>
+            <a:r>
+              <a:rPr lang="fr-FR" dirty="0" err="1" smtClean="0"/>
+              <a:t>Vertices</a:t>
+            </a:r>
+            <a:r>
+              <a:rPr lang="fr-FR" dirty="0" smtClean="0"/>
+              <a:t> (monde fini), gère les intervalles de temps utilisés par la simulation (Précédent et Courant).</a:t>
+            </a:r>
+          </a:p>
+          <a:p>
+            <a:pPr>
+              <a:buNone/>
+            </a:pPr>
+            <a:r>
+              <a:rPr lang="fr-FR" dirty="0" err="1" smtClean="0"/>
+              <a:t>Grid</a:t>
+            </a:r>
+            <a:r>
+              <a:rPr lang="fr-FR" dirty="0" smtClean="0"/>
+              <a:t> : Le monde est subdivisé pour éviter les opérations inutiles, ex : Tests de collision limité aux objets proches.</a:t>
+            </a:r>
+            <a:endParaRPr lang="fr-FR" dirty="0"/>
+          </a:p>
+        </p:txBody>
+      </p:sp>
+    </p:spTree>
+  </p:cSld>
+  <p:clrMapOvr>
+    <a:masterClrMapping/>
+  </p:clrMapOvr>
+  <p:timing>
+    <p:tnLst>
+      <p:par>
+        <p:cTn xmlns:p14="http://schemas.microsoft.com/office/powerpoint/2010/main" id="1" dur="indefinite" restart="never" nodeType="tmRoot"/>
+      </p:par>
+    </p:tnLst>
+  </p:timing>
+</p:sld>
+</file>
+
+<file path=ppt/slides/slide11.xml><?xml version="1.0" encoding="utf-8"?>
+<p:sld xmlns:a="http://schemas.openxmlformats.org/drawingml/2006/main" xmlns:r="http://schemas.openxmlformats.org/officeDocument/2006/relationships" xmlns:p="http://schemas.openxmlformats.org/presentationml/2006/main">
+  <p:cSld>
+    <p:spTree>
+      <p:nvGrpSpPr>
+        <p:cNvPr id="1" name=""/>
+        <p:cNvGrpSpPr/>
+        <p:nvPr/>
+      </p:nvGrpSpPr>
+      <p:grpSpPr>
+        <a:xfrm>
+          <a:off x="0" y="0"/>
+          <a:ext cx="0" cy="0"/>
+          <a:chOff x="0" y="0"/>
+          <a:chExt cx="0" cy="0"/>
+        </a:xfrm>
+      </p:grpSpPr>
+      <p:pic>
+        <p:nvPicPr>
           <p:cNvPr id="5" name="Picture 6" descr="C:\Users\Senryoku\Desktop\Untitled-1.png"/>
           <p:cNvPicPr>
             <a:picLocks noChangeAspect="1" noChangeArrowheads="1"/>
@@ -4087,6 +4225,11 @@
         </p:spPr>
       </p:pic>
     </p:spTree>
+    <p:extLst>
+      <p:ext uri="{BB962C8B-B14F-4D97-AF65-F5344CB8AC3E}">
+        <p14:creationId xmlns:p14="http://schemas.microsoft.com/office/powerpoint/2010/main" val="1968977345"/>
+      </p:ext>
+    </p:extLst>
   </p:cSld>
   <p:clrMapOvr>
     <a:masterClrMapping/>
@@ -4101,7 +4244,7 @@
 </p:sld>
 </file>
 
-<file path=ppt/slides/slide11.xml><?xml version="1.0" encoding="utf-8"?>
+<file path=ppt/slides/slide12.xml><?xml version="1.0" encoding="utf-8"?>
 <p:sld xmlns:a="http://schemas.openxmlformats.org/drawingml/2006/main" xmlns:r="http://schemas.openxmlformats.org/officeDocument/2006/relationships" xmlns:p="http://schemas.openxmlformats.org/presentationml/2006/main">
   <p:cSld>
     <p:spTree>
@@ -4277,7 +4420,7 @@
 </p:sld>
 </file>
 
-<file path=ppt/slides/slide12.xml><?xml version="1.0" encoding="utf-8"?>
+<file path=ppt/slides/slide13.xml><?xml version="1.0" encoding="utf-8"?>
 <p:sld xmlns:a="http://schemas.openxmlformats.org/drawingml/2006/main" xmlns:r="http://schemas.openxmlformats.org/officeDocument/2006/relationships" xmlns:p="http://schemas.openxmlformats.org/presentationml/2006/main">
   <p:cSld>
     <p:spTree>
@@ -4625,7 +4768,7 @@
 </p:sld>
 </file>
 
-<file path=ppt/slides/slide13.xml><?xml version="1.0" encoding="utf-8"?>
+<file path=ppt/slides/slide14.xml><?xml version="1.0" encoding="utf-8"?>
 <p:sld xmlns:a="http://schemas.openxmlformats.org/drawingml/2006/main" xmlns:r="http://schemas.openxmlformats.org/officeDocument/2006/relationships" xmlns:p="http://schemas.openxmlformats.org/presentationml/2006/main">
   <p:cSld>
     <p:spTree>
@@ -5590,11 +5733,11 @@
               <a:t>mulation</a:t>
             </a:r>
             <a:r>
-              <a:rPr lang="fr-FR" smtClean="0"/>
+              <a:rPr lang="fr-FR" dirty="0" smtClean="0"/>
               <a:t> </a:t>
             </a:r>
             <a:r>
-              <a:rPr lang="fr-FR" smtClean="0"/>
+              <a:rPr lang="fr-FR" dirty="0" smtClean="0"/>
               <a:t>simple </a:t>
             </a:r>
             <a:r>
@@ -10261,14 +10404,14 @@
       </p:grpSpPr>
       <p:pic>
         <p:nvPicPr>
-          <p:cNvPr id="4" name="Picture 6" descr="C:\Users\Senryoku\Desktop\Untitled-1.png"/>
+          <p:cNvPr id="5" name="Picture 6" descr="C:\Users\Senryoku\Desktop\Untitled-1.png"/>
           <p:cNvPicPr>
             <a:picLocks noChangeAspect="1" noChangeArrowheads="1"/>
           </p:cNvPicPr>
           <p:nvPr/>
         </p:nvPicPr>
         <p:blipFill>
-          <a:blip r:embed="rId3" cstate="print"/>
+          <a:blip r:embed="rId2" cstate="print"/>
           <a:srcRect/>
           <a:stretch>
             <a:fillRect/>
@@ -10301,66 +10444,135 @@
           <a:lstStyle/>
           <a:p>
             <a:r>
-              <a:rPr lang="fr-FR" dirty="0" smtClean="0"/>
-              <a:t>Module World</a:t>
-            </a:r>
-            <a:endParaRPr lang="fr-FR" dirty="0"/>
-          </a:p>
-        </p:txBody>
-      </p:sp>
-      <p:sp>
-        <p:nvSpPr>
-          <p:cNvPr id="3" name="Content Placeholder 2"/>
-          <p:cNvSpPr>
-            <a:spLocks noGrp="1"/>
-          </p:cNvSpPr>
-          <p:nvPr>
-            <p:ph idx="1"/>
-          </p:nvPr>
-        </p:nvSpPr>
-        <p:spPr/>
-        <p:txBody>
-          <a:bodyPr/>
-          <a:lstStyle/>
-          <a:p>
-            <a:pPr>
-              <a:buNone/>
-            </a:pPr>
-            <a:r>
-              <a:rPr lang="fr-FR" dirty="0" smtClean="0"/>
-              <a:t>Contient tout les objets physiques, permet l’itération et les opérations globales.</a:t>
-            </a:r>
-          </a:p>
-          <a:p>
-            <a:pPr>
-              <a:buNone/>
-            </a:pPr>
-            <a:r>
-              <a:rPr lang="fr-FR" dirty="0" smtClean="0"/>
-              <a:t>Impose des limites au </a:t>
-            </a:r>
-            <a:r>
-              <a:rPr lang="fr-FR" dirty="0" err="1" smtClean="0"/>
-              <a:t>Vertices</a:t>
-            </a:r>
-            <a:r>
-              <a:rPr lang="fr-FR" dirty="0" smtClean="0"/>
-              <a:t> (monde fini), gère les intervalles de temps utilisés par la simulation (Précédent et Courant).</a:t>
-            </a:r>
-          </a:p>
-          <a:p>
-            <a:pPr>
-              <a:buNone/>
-            </a:pPr>
-            <a:r>
               <a:rPr lang="fr-FR" dirty="0" err="1" smtClean="0"/>
               <a:t>Grid</a:t>
             </a:r>
-            <a:r>
-              <a:rPr lang="fr-FR" dirty="0" smtClean="0"/>
-              <a:t> : Le monde est subdivisé pour éviter les opérations inutiles, ex : Tests de collision limité aux objets proches.</a:t>
-            </a:r>
             <a:endParaRPr lang="fr-FR" dirty="0"/>
+          </a:p>
+        </p:txBody>
+      </p:sp>
+      <p:sp>
+        <p:nvSpPr>
+          <p:cNvPr id="6" name="CuadroTexto 5"/>
+          <p:cNvSpPr txBox="1"/>
+          <p:nvPr/>
+        </p:nvSpPr>
+        <p:spPr>
+          <a:xfrm>
+            <a:off x="323528" y="1700808"/>
+            <a:ext cx="8496944" cy="3046988"/>
+          </a:xfrm>
+          <a:prstGeom prst="rect">
+            <a:avLst/>
+          </a:prstGeom>
+          <a:noFill/>
+        </p:spPr>
+        <p:txBody>
+          <a:bodyPr wrap="square" rtlCol="0">
+            <a:spAutoFit/>
+          </a:bodyPr>
+          <a:lstStyle/>
+          <a:p>
+            <a:r>
+              <a:rPr lang="fr-FR" sz="2400" dirty="0" smtClean="0"/>
+              <a:t>-Insertion par </a:t>
+            </a:r>
+            <a:r>
+              <a:rPr lang="fr-FR" sz="2400" dirty="0" err="1" smtClean="0"/>
+              <a:t>Bounding</a:t>
+            </a:r>
+            <a:r>
+              <a:rPr lang="fr-FR" sz="2400" dirty="0" smtClean="0"/>
+              <a:t> Box</a:t>
+            </a:r>
+          </a:p>
+          <a:p>
+            <a:r>
+              <a:rPr lang="fr-FR" sz="2400" dirty="0" smtClean="0"/>
+              <a:t>-</a:t>
+            </a:r>
+            <a:r>
+              <a:rPr lang="fr-FR" sz="2400" dirty="0" smtClean="0"/>
+              <a:t>Suppression rapide grâce à la sauvegarde de la </a:t>
+            </a:r>
+            <a:r>
+              <a:rPr lang="fr-FR" sz="2400" dirty="0" err="1" smtClean="0"/>
+              <a:t>Bounding</a:t>
+            </a:r>
+            <a:r>
+              <a:rPr lang="fr-FR" sz="2400" dirty="0" smtClean="0"/>
+              <a:t> Box</a:t>
+            </a:r>
+          </a:p>
+          <a:p>
+            <a:r>
+              <a:rPr lang="fr-FR" sz="2400" dirty="0" smtClean="0"/>
+              <a:t>-Le moins de modification possibles</a:t>
+            </a:r>
+          </a:p>
+          <a:p>
+            <a:r>
+              <a:rPr lang="fr-FR" sz="2400" dirty="0" smtClean="0"/>
+              <a:t>-Accès aux listes de chaque cellule</a:t>
+            </a:r>
+          </a:p>
+          <a:p>
+            <a:r>
+              <a:rPr lang="fr-FR" sz="2400" dirty="0" smtClean="0"/>
+              <a:t>-Concaténation des liste de cellules où se trouve un polygone</a:t>
+            </a:r>
+          </a:p>
+          <a:p>
+            <a:endParaRPr lang="fr-FR" sz="2400" dirty="0"/>
+          </a:p>
+          <a:p>
+            <a:endParaRPr lang="fr-FR" sz="2400" dirty="0" smtClean="0"/>
+          </a:p>
+          <a:p>
+            <a:pPr algn="ctr"/>
+            <a:r>
+              <a:rPr lang="es-ES" sz="2400" dirty="0" smtClean="0">
+                <a:sym typeface="Wingdings"/>
+              </a:rPr>
+              <a:t> </a:t>
+            </a:r>
+            <a:r>
+              <a:rPr lang="es-ES" sz="2400" dirty="0" err="1" smtClean="0">
+                <a:sym typeface="Wingdings"/>
+              </a:rPr>
+              <a:t>Moins</a:t>
+            </a:r>
+            <a:r>
+              <a:rPr lang="es-ES" sz="2400" dirty="0" smtClean="0">
+                <a:sym typeface="Wingdings"/>
+              </a:rPr>
+              <a:t> de Test de </a:t>
+            </a:r>
+            <a:r>
+              <a:rPr lang="es-ES" sz="2400" dirty="0" err="1" smtClean="0">
+                <a:sym typeface="Wingdings"/>
+              </a:rPr>
+              <a:t>collisions</a:t>
+            </a:r>
+            <a:r>
+              <a:rPr lang="es-ES" sz="2400" dirty="0" smtClean="0">
+                <a:sym typeface="Wingdings"/>
+              </a:rPr>
+              <a:t> (Cher en </a:t>
+            </a:r>
+            <a:r>
+              <a:rPr lang="es-ES" sz="2400" dirty="0" err="1" smtClean="0">
+                <a:sym typeface="Wingdings"/>
+              </a:rPr>
+              <a:t>calculs</a:t>
+            </a:r>
+            <a:r>
+              <a:rPr lang="es-ES" sz="2400" smtClean="0">
+                <a:sym typeface="Wingdings"/>
+              </a:rPr>
+              <a:t>)</a:t>
+            </a:r>
+            <a:endParaRPr lang="fr-FR" sz="2400" dirty="0"/>
           </a:p>
         </p:txBody>
       </p:sp>

--- a/Soutenance.pptx
+++ b/Soutenance.pptx
@@ -5,7 +5,7 @@
     <p:sldMasterId id="2147483648" r:id="rId1"/>
   </p:sldMasterIdLst>
   <p:notesMasterIdLst>
-    <p:notesMasterId r:id="rId16"/>
+    <p:notesMasterId r:id="rId20"/>
   </p:notesMasterIdLst>
   <p:sldIdLst>
     <p:sldId id="268" r:id="rId2"/>
@@ -21,7 +21,11 @@
     <p:sldId id="270" r:id="rId12"/>
     <p:sldId id="264" r:id="rId13"/>
     <p:sldId id="265" r:id="rId14"/>
-    <p:sldId id="266" r:id="rId15"/>
+    <p:sldId id="271" r:id="rId15"/>
+    <p:sldId id="275" r:id="rId16"/>
+    <p:sldId id="272" r:id="rId17"/>
+    <p:sldId id="273" r:id="rId18"/>
+    <p:sldId id="266" r:id="rId19"/>
   </p:sldIdLst>
   <p:sldSz cx="9144000" cy="6858000" type="screen4x3"/>
   <p:notesSz cx="6858000" cy="9144000"/>
@@ -4828,6 +4832,643 @@
           <a:p>
             <a:r>
               <a:rPr lang="fr-FR" dirty="0" smtClean="0"/>
+              <a:t>Module </a:t>
+            </a:r>
+            <a:r>
+              <a:rPr lang="fr-FR" dirty="0" smtClean="0"/>
+              <a:t>Menu</a:t>
+            </a:r>
+            <a:endParaRPr lang="fr-FR" dirty="0"/>
+          </a:p>
+        </p:txBody>
+      </p:sp>
+      <p:pic>
+        <p:nvPicPr>
+          <p:cNvPr id="10" name="Imagen 9" descr="Sin título.png"/>
+          <p:cNvPicPr>
+            <a:picLocks noChangeAspect="1"/>
+          </p:cNvPicPr>
+          <p:nvPr/>
+        </p:nvPicPr>
+        <p:blipFill>
+          <a:blip r:embed="rId3">
+            <a:extLst>
+              <a:ext uri="{28A0092B-C50C-407E-A947-70E740481C1C}">
+                <a14:useLocalDpi xmlns:a14="http://schemas.microsoft.com/office/drawing/2010/main" val="0"/>
+              </a:ext>
+            </a:extLst>
+          </a:blip>
+          <a:stretch>
+            <a:fillRect/>
+          </a:stretch>
+        </p:blipFill>
+        <p:spPr>
+          <a:xfrm>
+            <a:off x="1259632" y="1080120"/>
+            <a:ext cx="6363476" cy="5777880"/>
+          </a:xfrm>
+          <a:prstGeom prst="rect">
+            <a:avLst/>
+          </a:prstGeom>
+        </p:spPr>
+      </p:pic>
+    </p:spTree>
+    <p:extLst>
+      <p:ext uri="{BB962C8B-B14F-4D97-AF65-F5344CB8AC3E}">
+        <p14:creationId xmlns:p14="http://schemas.microsoft.com/office/powerpoint/2010/main" val="583501362"/>
+      </p:ext>
+    </p:extLst>
+  </p:cSld>
+  <p:clrMapOvr>
+    <a:masterClrMapping/>
+  </p:clrMapOvr>
+  <p:timing>
+    <p:tnLst>
+      <p:par>
+        <p:cTn xmlns:p14="http://schemas.microsoft.com/office/powerpoint/2010/main" id="1" dur="indefinite" restart="never" nodeType="tmRoot"/>
+      </p:par>
+    </p:tnLst>
+  </p:timing>
+</p:sld>
+</file>
+
+<file path=ppt/slides/slide15.xml><?xml version="1.0" encoding="utf-8"?>
+<p:sld xmlns:a="http://schemas.openxmlformats.org/drawingml/2006/main" xmlns:r="http://schemas.openxmlformats.org/officeDocument/2006/relationships" xmlns:p="http://schemas.openxmlformats.org/presentationml/2006/main">
+  <p:cSld>
+    <p:spTree>
+      <p:nvGrpSpPr>
+        <p:cNvPr id="1" name=""/>
+        <p:cNvGrpSpPr/>
+        <p:nvPr/>
+      </p:nvGrpSpPr>
+      <p:grpSpPr>
+        <a:xfrm>
+          <a:off x="0" y="0"/>
+          <a:ext cx="0" cy="0"/>
+          <a:chOff x="0" y="0"/>
+          <a:chExt cx="0" cy="0"/>
+        </a:xfrm>
+      </p:grpSpPr>
+      <p:pic>
+        <p:nvPicPr>
+          <p:cNvPr id="4" name="Picture 6" descr="C:\Users\Senryoku\Desktop\Untitled-1.png"/>
+          <p:cNvPicPr>
+            <a:picLocks noChangeAspect="1" noChangeArrowheads="1"/>
+          </p:cNvPicPr>
+          <p:nvPr/>
+        </p:nvPicPr>
+        <p:blipFill>
+          <a:blip r:embed="rId2" cstate="print"/>
+          <a:srcRect/>
+          <a:stretch>
+            <a:fillRect/>
+          </a:stretch>
+        </p:blipFill>
+        <p:spPr bwMode="auto">
+          <a:xfrm>
+            <a:off x="0" y="0"/>
+            <a:ext cx="10039350" cy="1533525"/>
+          </a:xfrm>
+          <a:prstGeom prst="rect">
+            <a:avLst/>
+          </a:prstGeom>
+          <a:noFill/>
+        </p:spPr>
+      </p:pic>
+      <p:sp>
+        <p:nvSpPr>
+          <p:cNvPr id="2" name="Title 1"/>
+          <p:cNvSpPr>
+            <a:spLocks noGrp="1"/>
+          </p:cNvSpPr>
+          <p:nvPr>
+            <p:ph type="title"/>
+          </p:nvPr>
+        </p:nvSpPr>
+        <p:spPr/>
+        <p:txBody>
+          <a:bodyPr/>
+          <a:lstStyle/>
+          <a:p>
+            <a:r>
+              <a:rPr lang="fr-FR" dirty="0" smtClean="0"/>
+              <a:t>Module </a:t>
+            </a:r>
+            <a:r>
+              <a:rPr lang="fr-FR" dirty="0" smtClean="0"/>
+              <a:t>Menu</a:t>
+            </a:r>
+            <a:endParaRPr lang="fr-FR" dirty="0"/>
+          </a:p>
+        </p:txBody>
+      </p:sp>
+      <p:sp>
+        <p:nvSpPr>
+          <p:cNvPr id="3" name="Content Placeholder 2"/>
+          <p:cNvSpPr>
+            <a:spLocks noGrp="1"/>
+          </p:cNvSpPr>
+          <p:nvPr>
+            <p:ph idx="1"/>
+          </p:nvPr>
+        </p:nvSpPr>
+        <p:spPr/>
+        <p:txBody>
+          <a:bodyPr>
+            <a:normAutofit/>
+          </a:bodyPr>
+          <a:lstStyle/>
+          <a:p>
+            <a:pPr>
+              <a:buNone/>
+            </a:pPr>
+            <a:r>
+              <a:rPr lang="fr-FR" dirty="0" smtClean="0"/>
+              <a:t>Permet d’afficher des menus et des messages.</a:t>
+            </a:r>
+          </a:p>
+          <a:p>
+            <a:pPr>
+              <a:buNone/>
+            </a:pPr>
+            <a:r>
+              <a:rPr lang="fr-FR" dirty="0" smtClean="0"/>
+              <a:t>Diff</a:t>
+            </a:r>
+            <a:r>
+              <a:rPr lang="fr-FR" dirty="0" smtClean="0"/>
+              <a:t>érents types d’items:</a:t>
+            </a:r>
+          </a:p>
+          <a:p>
+            <a:pPr>
+              <a:buNone/>
+            </a:pPr>
+            <a:r>
+              <a:rPr lang="fr-FR" dirty="0" smtClean="0"/>
+              <a:t>-Input (pour </a:t>
+            </a:r>
+            <a:r>
+              <a:rPr lang="fr-FR" dirty="0" err="1" smtClean="0"/>
+              <a:t>récuperer</a:t>
+            </a:r>
+            <a:r>
+              <a:rPr lang="fr-FR" dirty="0" smtClean="0"/>
+              <a:t> des données)</a:t>
+            </a:r>
+          </a:p>
+          <a:p>
+            <a:pPr>
+              <a:buNone/>
+            </a:pPr>
+            <a:r>
+              <a:rPr lang="fr-FR" dirty="0" smtClean="0"/>
+              <a:t>-Buttons (callbacks)</a:t>
+            </a:r>
+          </a:p>
+          <a:p>
+            <a:pPr>
+              <a:buNone/>
+            </a:pPr>
+            <a:r>
+              <a:rPr lang="fr-FR" dirty="0" smtClean="0"/>
+              <a:t>-Affichage relatif à la fenêtre</a:t>
+            </a:r>
+          </a:p>
+          <a:p>
+            <a:pPr>
+              <a:buNone/>
+            </a:pPr>
+            <a:r>
+              <a:rPr lang="fr-FR" dirty="0" smtClean="0"/>
+              <a:t>-Bloquant ou pas</a:t>
+            </a:r>
+            <a:endParaRPr lang="fr-FR" dirty="0"/>
+          </a:p>
+        </p:txBody>
+      </p:sp>
+    </p:spTree>
+    <p:extLst>
+      <p:ext uri="{BB962C8B-B14F-4D97-AF65-F5344CB8AC3E}">
+        <p14:creationId xmlns:p14="http://schemas.microsoft.com/office/powerpoint/2010/main" val="3521752147"/>
+      </p:ext>
+    </p:extLst>
+  </p:cSld>
+  <p:clrMapOvr>
+    <a:masterClrMapping/>
+  </p:clrMapOvr>
+  <p:timing>
+    <p:tnLst>
+      <p:par>
+        <p:cTn xmlns:p14="http://schemas.microsoft.com/office/powerpoint/2010/main" id="1" dur="indefinite" restart="never" nodeType="tmRoot"/>
+      </p:par>
+    </p:tnLst>
+  </p:timing>
+</p:sld>
+</file>
+
+<file path=ppt/slides/slide16.xml><?xml version="1.0" encoding="utf-8"?>
+<p:sld xmlns:a="http://schemas.openxmlformats.org/drawingml/2006/main" xmlns:r="http://schemas.openxmlformats.org/officeDocument/2006/relationships" xmlns:p="http://schemas.openxmlformats.org/presentationml/2006/main">
+  <p:cSld>
+    <p:spTree>
+      <p:nvGrpSpPr>
+        <p:cNvPr id="1" name=""/>
+        <p:cNvGrpSpPr/>
+        <p:nvPr/>
+      </p:nvGrpSpPr>
+      <p:grpSpPr>
+        <a:xfrm>
+          <a:off x="0" y="0"/>
+          <a:ext cx="0" cy="0"/>
+          <a:chOff x="0" y="0"/>
+          <a:chExt cx="0" cy="0"/>
+        </a:xfrm>
+      </p:grpSpPr>
+      <p:pic>
+        <p:nvPicPr>
+          <p:cNvPr id="4" name="Picture 6" descr="C:\Users\Senryoku\Desktop\Untitled-1.png"/>
+          <p:cNvPicPr>
+            <a:picLocks noChangeAspect="1" noChangeArrowheads="1"/>
+          </p:cNvPicPr>
+          <p:nvPr/>
+        </p:nvPicPr>
+        <p:blipFill>
+          <a:blip r:embed="rId2" cstate="print"/>
+          <a:srcRect/>
+          <a:stretch>
+            <a:fillRect/>
+          </a:stretch>
+        </p:blipFill>
+        <p:spPr bwMode="auto">
+          <a:xfrm>
+            <a:off x="0" y="0"/>
+            <a:ext cx="10039350" cy="1533525"/>
+          </a:xfrm>
+          <a:prstGeom prst="rect">
+            <a:avLst/>
+          </a:prstGeom>
+          <a:noFill/>
+        </p:spPr>
+      </p:pic>
+      <p:sp>
+        <p:nvSpPr>
+          <p:cNvPr id="2" name="Title 1"/>
+          <p:cNvSpPr>
+            <a:spLocks noGrp="1"/>
+          </p:cNvSpPr>
+          <p:nvPr>
+            <p:ph type="title"/>
+          </p:nvPr>
+        </p:nvSpPr>
+        <p:spPr/>
+        <p:txBody>
+          <a:bodyPr/>
+          <a:lstStyle/>
+          <a:p>
+            <a:r>
+              <a:rPr lang="fr-FR" dirty="0" smtClean="0"/>
+              <a:t>Module </a:t>
+            </a:r>
+            <a:r>
+              <a:rPr lang="fr-FR" dirty="0" smtClean="0"/>
+              <a:t>Animations</a:t>
+            </a:r>
+            <a:endParaRPr lang="fr-FR" dirty="0"/>
+          </a:p>
+        </p:txBody>
+      </p:sp>
+      <p:sp>
+        <p:nvSpPr>
+          <p:cNvPr id="3" name="Content Placeholder 2"/>
+          <p:cNvSpPr>
+            <a:spLocks noGrp="1"/>
+          </p:cNvSpPr>
+          <p:nvPr>
+            <p:ph idx="1"/>
+          </p:nvPr>
+        </p:nvSpPr>
+        <p:spPr/>
+        <p:txBody>
+          <a:bodyPr>
+            <a:normAutofit/>
+          </a:bodyPr>
+          <a:lstStyle/>
+          <a:p>
+            <a:pPr>
+              <a:buNone/>
+            </a:pPr>
+            <a:r>
+              <a:rPr lang="fr-FR" sz="2800" dirty="0" smtClean="0"/>
+              <a:t>Deux type:</a:t>
+            </a:r>
+          </a:p>
+          <a:p>
+            <a:pPr>
+              <a:buNone/>
+            </a:pPr>
+            <a:r>
+              <a:rPr lang="fr-FR" sz="2800" dirty="0" smtClean="0"/>
+              <a:t>-Par angles (Simple </a:t>
+            </a:r>
+            <a:r>
+              <a:rPr lang="fr-FR" sz="2800" dirty="0" smtClean="0"/>
+              <a:t>à créer, difficile à exploiter)</a:t>
+            </a:r>
+          </a:p>
+          <a:p>
+            <a:pPr>
+              <a:buNone/>
+            </a:pPr>
+            <a:r>
+              <a:rPr lang="fr-FR" sz="2800" dirty="0" smtClean="0"/>
+              <a:t>-Par positions (Difficile à créer, facile à exploiter)</a:t>
+            </a:r>
+          </a:p>
+          <a:p>
+            <a:pPr>
+              <a:buNone/>
+            </a:pPr>
+            <a:r>
+              <a:rPr lang="es-ES" sz="2800" dirty="0" err="1" smtClean="0"/>
+              <a:t>Af</a:t>
+            </a:r>
+            <a:r>
+              <a:rPr lang="fr-FR" sz="2800" dirty="0" smtClean="0"/>
+              <a:t>fichage adapté aux animations avec angles car les animations par positions doivent être créées avec du motion capture. </a:t>
+            </a:r>
+            <a:r>
+              <a:rPr lang="fr-FR" sz="2800" dirty="0" err="1" smtClean="0"/>
+              <a:t>Cepedant</a:t>
+            </a:r>
+            <a:r>
+              <a:rPr lang="fr-FR" sz="2800" dirty="0" smtClean="0"/>
+              <a:t> les interpolations (non linéaires) fonctionnent pour les deux.</a:t>
+            </a:r>
+            <a:endParaRPr lang="fr-FR" sz="2800" dirty="0"/>
+          </a:p>
+        </p:txBody>
+      </p:sp>
+    </p:spTree>
+    <p:extLst>
+      <p:ext uri="{BB962C8B-B14F-4D97-AF65-F5344CB8AC3E}">
+        <p14:creationId xmlns:p14="http://schemas.microsoft.com/office/powerpoint/2010/main" val="583501362"/>
+      </p:ext>
+    </p:extLst>
+  </p:cSld>
+  <p:clrMapOvr>
+    <a:masterClrMapping/>
+  </p:clrMapOvr>
+  <p:timing>
+    <p:tnLst>
+      <p:par>
+        <p:cTn xmlns:p14="http://schemas.microsoft.com/office/powerpoint/2010/main" id="1" dur="indefinite" restart="never" nodeType="tmRoot"/>
+      </p:par>
+    </p:tnLst>
+  </p:timing>
+</p:sld>
+</file>
+
+<file path=ppt/slides/slide17.xml><?xml version="1.0" encoding="utf-8"?>
+<p:sld xmlns:a="http://schemas.openxmlformats.org/drawingml/2006/main" xmlns:r="http://schemas.openxmlformats.org/officeDocument/2006/relationships" xmlns:p="http://schemas.openxmlformats.org/presentationml/2006/main">
+  <p:cSld>
+    <p:spTree>
+      <p:nvGrpSpPr>
+        <p:cNvPr id="1" name=""/>
+        <p:cNvGrpSpPr/>
+        <p:nvPr/>
+      </p:nvGrpSpPr>
+      <p:grpSpPr>
+        <a:xfrm>
+          <a:off x="0" y="0"/>
+          <a:ext cx="0" cy="0"/>
+          <a:chOff x="0" y="0"/>
+          <a:chExt cx="0" cy="0"/>
+        </a:xfrm>
+      </p:grpSpPr>
+      <p:pic>
+        <p:nvPicPr>
+          <p:cNvPr id="4" name="Picture 6" descr="C:\Users\Senryoku\Desktop\Untitled-1.png"/>
+          <p:cNvPicPr>
+            <a:picLocks noChangeAspect="1" noChangeArrowheads="1"/>
+          </p:cNvPicPr>
+          <p:nvPr/>
+        </p:nvPicPr>
+        <p:blipFill>
+          <a:blip r:embed="rId2" cstate="print"/>
+          <a:srcRect/>
+          <a:stretch>
+            <a:fillRect/>
+          </a:stretch>
+        </p:blipFill>
+        <p:spPr bwMode="auto">
+          <a:xfrm>
+            <a:off x="0" y="0"/>
+            <a:ext cx="10039350" cy="1533525"/>
+          </a:xfrm>
+          <a:prstGeom prst="rect">
+            <a:avLst/>
+          </a:prstGeom>
+          <a:noFill/>
+        </p:spPr>
+      </p:pic>
+      <p:sp>
+        <p:nvSpPr>
+          <p:cNvPr id="2" name="Title 1"/>
+          <p:cNvSpPr>
+            <a:spLocks noGrp="1"/>
+          </p:cNvSpPr>
+          <p:nvPr>
+            <p:ph type="title"/>
+          </p:nvPr>
+        </p:nvSpPr>
+        <p:spPr/>
+        <p:txBody>
+          <a:bodyPr/>
+          <a:lstStyle/>
+          <a:p>
+            <a:r>
+              <a:rPr lang="fr-FR" dirty="0" smtClean="0"/>
+              <a:t>Module </a:t>
+            </a:r>
+            <a:r>
+              <a:rPr lang="fr-FR" dirty="0" smtClean="0"/>
+              <a:t>Player</a:t>
+            </a:r>
+            <a:endParaRPr lang="fr-FR" dirty="0"/>
+          </a:p>
+        </p:txBody>
+      </p:sp>
+      <p:sp>
+        <p:nvSpPr>
+          <p:cNvPr id="3" name="Content Placeholder 2"/>
+          <p:cNvSpPr>
+            <a:spLocks noGrp="1"/>
+          </p:cNvSpPr>
+          <p:nvPr>
+            <p:ph idx="1"/>
+          </p:nvPr>
+        </p:nvSpPr>
+        <p:spPr/>
+        <p:txBody>
+          <a:bodyPr>
+            <a:normAutofit/>
+          </a:bodyPr>
+          <a:lstStyle/>
+          <a:p>
+            <a:pPr>
+              <a:buNone/>
+            </a:pPr>
+            <a:r>
+              <a:rPr lang="es-ES_tradnl" sz="2800" dirty="0" smtClean="0"/>
+              <a:t>La </a:t>
+            </a:r>
+            <a:r>
+              <a:rPr lang="es-ES_tradnl" sz="2800" dirty="0" err="1" smtClean="0"/>
+              <a:t>bounding</a:t>
+            </a:r>
+            <a:r>
+              <a:rPr lang="es-ES_tradnl" sz="2800" dirty="0" smtClean="0"/>
+              <a:t> box du </a:t>
+            </a:r>
+            <a:r>
+              <a:rPr lang="es-ES_tradnl" sz="2800" dirty="0" err="1" smtClean="0"/>
+              <a:t>joueur</a:t>
+            </a:r>
+            <a:r>
+              <a:rPr lang="es-ES_tradnl" sz="2800" dirty="0" smtClean="0"/>
+              <a:t> </a:t>
+            </a:r>
+            <a:r>
+              <a:rPr lang="es-ES_tradnl" sz="2800" dirty="0" err="1" smtClean="0"/>
+              <a:t>permet</a:t>
+            </a:r>
+            <a:r>
+              <a:rPr lang="es-ES_tradnl" sz="2800" dirty="0" smtClean="0"/>
+              <a:t> de </a:t>
+            </a:r>
+            <a:r>
+              <a:rPr lang="es-ES_tradnl" sz="2800" dirty="0" err="1" smtClean="0"/>
+              <a:t>g</a:t>
+            </a:r>
+            <a:r>
+              <a:rPr lang="es-ES_tradnl" sz="2800" dirty="0" err="1" smtClean="0"/>
+              <a:t>érer</a:t>
+            </a:r>
+            <a:r>
+              <a:rPr lang="es-ES_tradnl" sz="2800" dirty="0" smtClean="0"/>
+              <a:t> les </a:t>
+            </a:r>
+            <a:r>
+              <a:rPr lang="es-ES_tradnl" sz="2800" dirty="0" err="1" smtClean="0"/>
+              <a:t>collisions</a:t>
+            </a:r>
+            <a:r>
+              <a:rPr lang="es-ES_tradnl" sz="2800" dirty="0" smtClean="0"/>
+              <a:t>.</a:t>
+            </a:r>
+            <a:endParaRPr lang="fr-FR" sz="2800" dirty="0"/>
+          </a:p>
+          <a:p>
+            <a:pPr>
+              <a:buNone/>
+            </a:pPr>
+            <a:r>
+              <a:rPr lang="fr-FR" sz="2800" dirty="0" smtClean="0"/>
+              <a:t>Pour l’équilibre la base du quadrilatère est plus large et pèse plus.</a:t>
+            </a:r>
+          </a:p>
+          <a:p>
+            <a:pPr>
+              <a:buNone/>
+            </a:pPr>
+            <a:r>
+              <a:rPr lang="fr-FR" sz="2800" dirty="0" smtClean="0"/>
+              <a:t>L’utilisateur doit gérer son équilibre, le jeu est aussi basé sur cela.</a:t>
+            </a:r>
+            <a:endParaRPr lang="es-ES_tradnl" sz="2800" dirty="0" smtClean="0"/>
+          </a:p>
+        </p:txBody>
+      </p:sp>
+    </p:spTree>
+    <p:extLst>
+      <p:ext uri="{BB962C8B-B14F-4D97-AF65-F5344CB8AC3E}">
+        <p14:creationId xmlns:p14="http://schemas.microsoft.com/office/powerpoint/2010/main" val="2145412516"/>
+      </p:ext>
+    </p:extLst>
+  </p:cSld>
+  <p:clrMapOvr>
+    <a:masterClrMapping/>
+  </p:clrMapOvr>
+  <p:timing>
+    <p:tnLst>
+      <p:par>
+        <p:cTn xmlns:p14="http://schemas.microsoft.com/office/powerpoint/2010/main" id="1" dur="indefinite" restart="never" nodeType="tmRoot"/>
+      </p:par>
+    </p:tnLst>
+  </p:timing>
+</p:sld>
+</file>
+
+<file path=ppt/slides/slide18.xml><?xml version="1.0" encoding="utf-8"?>
+<p:sld xmlns:a="http://schemas.openxmlformats.org/drawingml/2006/main" xmlns:r="http://schemas.openxmlformats.org/officeDocument/2006/relationships" xmlns:p="http://schemas.openxmlformats.org/presentationml/2006/main">
+  <p:cSld>
+    <p:spTree>
+      <p:nvGrpSpPr>
+        <p:cNvPr id="1" name=""/>
+        <p:cNvGrpSpPr/>
+        <p:nvPr/>
+      </p:nvGrpSpPr>
+      <p:grpSpPr>
+        <a:xfrm>
+          <a:off x="0" y="0"/>
+          <a:ext cx="0" cy="0"/>
+          <a:chOff x="0" y="0"/>
+          <a:chExt cx="0" cy="0"/>
+        </a:xfrm>
+      </p:grpSpPr>
+      <p:pic>
+        <p:nvPicPr>
+          <p:cNvPr id="4" name="Picture 6" descr="C:\Users\Senryoku\Desktop\Untitled-1.png"/>
+          <p:cNvPicPr>
+            <a:picLocks noChangeAspect="1" noChangeArrowheads="1"/>
+          </p:cNvPicPr>
+          <p:nvPr/>
+        </p:nvPicPr>
+        <p:blipFill>
+          <a:blip r:embed="rId2" cstate="print"/>
+          <a:srcRect/>
+          <a:stretch>
+            <a:fillRect/>
+          </a:stretch>
+        </p:blipFill>
+        <p:spPr bwMode="auto">
+          <a:xfrm>
+            <a:off x="0" y="0"/>
+            <a:ext cx="10039350" cy="1533525"/>
+          </a:xfrm>
+          <a:prstGeom prst="rect">
+            <a:avLst/>
+          </a:prstGeom>
+          <a:noFill/>
+        </p:spPr>
+      </p:pic>
+      <p:sp>
+        <p:nvSpPr>
+          <p:cNvPr id="2" name="Title 1"/>
+          <p:cNvSpPr>
+            <a:spLocks noGrp="1"/>
+          </p:cNvSpPr>
+          <p:nvPr>
+            <p:ph type="title"/>
+          </p:nvPr>
+        </p:nvSpPr>
+        <p:spPr/>
+        <p:txBody>
+          <a:bodyPr/>
+          <a:lstStyle/>
+          <a:p>
+            <a:r>
+              <a:rPr lang="fr-FR" dirty="0" smtClean="0"/>
               <a:t>Librairies Utilisées</a:t>
             </a:r>
             <a:endParaRPr lang="fr-FR" dirty="0"/>
@@ -5734,15 +6375,7 @@
             </a:r>
             <a:r>
               <a:rPr lang="fr-FR" dirty="0" smtClean="0"/>
-              <a:t> </a:t>
-            </a:r>
-            <a:r>
-              <a:rPr lang="fr-FR" dirty="0" smtClean="0"/>
-              <a:t>simple </a:t>
-            </a:r>
-            <a:r>
-              <a:rPr lang="fr-FR" dirty="0" smtClean="0"/>
-              <a:t>de particules sous contraintes.</a:t>
+              <a:t> simple de particules sous contraintes.</a:t>
             </a:r>
           </a:p>
           <a:p>
@@ -10489,11 +11122,7 @@
           <a:p>
             <a:r>
               <a:rPr lang="fr-FR" sz="2400" dirty="0" smtClean="0"/>
-              <a:t>-</a:t>
-            </a:r>
-            <a:r>
-              <a:rPr lang="fr-FR" sz="2400" dirty="0" smtClean="0"/>
-              <a:t>Suppression rapide grâce à la sauvegarde de la </a:t>
+              <a:t>-Suppression rapide grâce à la sauvegarde de la </a:t>
             </a:r>
             <a:r>
               <a:rPr lang="fr-FR" sz="2400" dirty="0" err="1" smtClean="0"/>
@@ -10567,7 +11196,7 @@
               <a:t>calculs</a:t>
             </a:r>
             <a:r>
-              <a:rPr lang="es-ES" sz="2400" smtClean="0">
+              <a:rPr lang="es-ES" sz="2400" dirty="0" smtClean="0">
                 <a:sym typeface="Wingdings"/>
               </a:rPr>
               <a:t>)</a:t>
